--- a/Workshop werkdocumenten/Intro HTML en CSS.pptx
+++ b/Workshop werkdocumenten/Intro HTML en CSS.pptx
@@ -5,30 +5,29 @@
     <p:sldMasterId id="2147483648" r:id="rId1"/>
   </p:sldMasterIdLst>
   <p:sldIdLst>
-    <p:sldId id="256" r:id="rId2"/>
-    <p:sldId id="259" r:id="rId3"/>
-    <p:sldId id="257" r:id="rId4"/>
-    <p:sldId id="258" r:id="rId5"/>
-    <p:sldId id="260" r:id="rId6"/>
-    <p:sldId id="261" r:id="rId7"/>
-    <p:sldId id="262" r:id="rId8"/>
-    <p:sldId id="263" r:id="rId9"/>
-    <p:sldId id="264" r:id="rId10"/>
-    <p:sldId id="265" r:id="rId11"/>
-    <p:sldId id="266" r:id="rId12"/>
-    <p:sldId id="267" r:id="rId13"/>
-    <p:sldId id="268" r:id="rId14"/>
-    <p:sldId id="269" r:id="rId15"/>
-    <p:sldId id="270" r:id="rId16"/>
-    <p:sldId id="271" r:id="rId17"/>
-    <p:sldId id="272" r:id="rId18"/>
-    <p:sldId id="273" r:id="rId19"/>
-    <p:sldId id="274" r:id="rId20"/>
-    <p:sldId id="275" r:id="rId21"/>
-    <p:sldId id="276" r:id="rId22"/>
-    <p:sldId id="277" r:id="rId23"/>
-    <p:sldId id="278" r:id="rId24"/>
-    <p:sldId id="279" r:id="rId25"/>
+    <p:sldId id="280" r:id="rId2"/>
+    <p:sldId id="256" r:id="rId3"/>
+    <p:sldId id="259" r:id="rId4"/>
+    <p:sldId id="257" r:id="rId5"/>
+    <p:sldId id="258" r:id="rId6"/>
+    <p:sldId id="260" r:id="rId7"/>
+    <p:sldId id="261" r:id="rId8"/>
+    <p:sldId id="262" r:id="rId9"/>
+    <p:sldId id="263" r:id="rId10"/>
+    <p:sldId id="264" r:id="rId11"/>
+    <p:sldId id="265" r:id="rId12"/>
+    <p:sldId id="266" r:id="rId13"/>
+    <p:sldId id="267" r:id="rId14"/>
+    <p:sldId id="268" r:id="rId15"/>
+    <p:sldId id="269" r:id="rId16"/>
+    <p:sldId id="270" r:id="rId17"/>
+    <p:sldId id="271" r:id="rId18"/>
+    <p:sldId id="272" r:id="rId19"/>
+    <p:sldId id="273" r:id="rId20"/>
+    <p:sldId id="274" r:id="rId21"/>
+    <p:sldId id="275" r:id="rId22"/>
+    <p:sldId id="276" r:id="rId23"/>
+    <p:sldId id="279" r:id="rId24"/>
   </p:sldIdLst>
   <p:sldSz cx="9144000" cy="6858000" type="screen4x3"/>
   <p:notesSz cx="6858000" cy="9144000"/>
@@ -127,6 +126,22 @@
       </a:defRPr>
     </a:lvl9pPr>
   </p:defaultTextStyle>
+  <p:extLst>
+    <p:ext uri="{EFAFB233-063F-42B5-8137-9DF3F51BA10A}">
+      <p15:sldGuideLst xmlns:p15="http://schemas.microsoft.com/office/powerpoint/2012/main">
+        <p15:guide id="1" orient="horz" pos="2160">
+          <p15:clr>
+            <a:srgbClr val="A4A3A4"/>
+          </p15:clr>
+        </p15:guide>
+        <p15:guide id="2" pos="2880">
+          <p15:clr>
+            <a:srgbClr val="A4A3A4"/>
+          </p15:clr>
+        </p15:guide>
+      </p15:sldGuideLst>
+    </p:ext>
+  </p:extLst>
 </p:presentation>
 </file>
 
@@ -168,7 +183,7 @@
           <a:lstStyle/>
           <a:p>
             <a:r>
-              <a:rPr lang="en-US" smtClean="0"/>
+              <a:rPr lang="en-US"/>
               <a:t>Click to edit Master title style</a:t>
             </a:r>
             <a:endParaRPr lang="nl-BE"/>
@@ -287,7 +302,7 @@
           </a:lstStyle>
           <a:p>
             <a:r>
-              <a:rPr lang="en-US" smtClean="0"/>
+              <a:rPr lang="en-US"/>
               <a:t>Click to edit Master subtitle style</a:t>
             </a:r>
             <a:endParaRPr lang="nl-BE"/>
@@ -312,7 +327,7 @@
             <a:fld id="{5A4CCF86-83EE-47DB-B5CF-7B10A03AD1B7}" type="datetimeFigureOut">
               <a:rPr lang="nl-BE" smtClean="0"/>
               <a:pPr/>
-              <a:t>24/04/2018</a:t>
+              <a:t>25/04/2018</a:t>
             </a:fld>
             <a:endParaRPr lang="nl-BE"/>
           </a:p>
@@ -355,7 +370,7 @@
             <a:fld id="{85CB42DD-1ED5-42DD-8F00-3C0CE85822BE}" type="slidenum">
               <a:rPr lang="nl-BE" smtClean="0"/>
               <a:pPr/>
-              <a:t>‹#›</a:t>
+              <a:t>‹nr.›</a:t>
             </a:fld>
             <a:endParaRPr lang="nl-BE"/>
           </a:p>
@@ -402,7 +417,7 @@
           <a:lstStyle/>
           <a:p>
             <a:r>
-              <a:rPr lang="en-US" smtClean="0"/>
+              <a:rPr lang="en-US"/>
               <a:t>Click to edit Master title style</a:t>
             </a:r>
             <a:endParaRPr lang="nl-BE"/>
@@ -426,35 +441,35 @@
           <a:p>
             <a:pPr lvl="0"/>
             <a:r>
-              <a:rPr lang="en-US" smtClean="0"/>
+              <a:rPr lang="en-US"/>
               <a:t>Click to edit Master text styles</a:t>
             </a:r>
           </a:p>
           <a:p>
             <a:pPr lvl="1"/>
             <a:r>
-              <a:rPr lang="en-US" smtClean="0"/>
+              <a:rPr lang="en-US"/>
               <a:t>Second level</a:t>
             </a:r>
           </a:p>
           <a:p>
             <a:pPr lvl="2"/>
             <a:r>
-              <a:rPr lang="en-US" smtClean="0"/>
+              <a:rPr lang="en-US"/>
               <a:t>Third level</a:t>
             </a:r>
           </a:p>
           <a:p>
             <a:pPr lvl="3"/>
             <a:r>
-              <a:rPr lang="en-US" smtClean="0"/>
+              <a:rPr lang="en-US"/>
               <a:t>Fourth level</a:t>
             </a:r>
           </a:p>
           <a:p>
             <a:pPr lvl="4"/>
             <a:r>
-              <a:rPr lang="en-US" smtClean="0"/>
+              <a:rPr lang="en-US"/>
               <a:t>Fifth level</a:t>
             </a:r>
             <a:endParaRPr lang="nl-BE"/>
@@ -479,7 +494,7 @@
             <a:fld id="{5A4CCF86-83EE-47DB-B5CF-7B10A03AD1B7}" type="datetimeFigureOut">
               <a:rPr lang="nl-BE" smtClean="0"/>
               <a:pPr/>
-              <a:t>24/04/2018</a:t>
+              <a:t>25/04/2018</a:t>
             </a:fld>
             <a:endParaRPr lang="nl-BE"/>
           </a:p>
@@ -522,7 +537,7 @@
             <a:fld id="{85CB42DD-1ED5-42DD-8F00-3C0CE85822BE}" type="slidenum">
               <a:rPr lang="nl-BE" smtClean="0"/>
               <a:pPr/>
-              <a:t>‹#›</a:t>
+              <a:t>‹nr.›</a:t>
             </a:fld>
             <a:endParaRPr lang="nl-BE"/>
           </a:p>
@@ -574,7 +589,7 @@
           <a:lstStyle/>
           <a:p>
             <a:r>
-              <a:rPr lang="en-US" smtClean="0"/>
+              <a:rPr lang="en-US"/>
               <a:t>Click to edit Master title style</a:t>
             </a:r>
             <a:endParaRPr lang="nl-BE"/>
@@ -603,35 +618,35 @@
           <a:p>
             <a:pPr lvl="0"/>
             <a:r>
-              <a:rPr lang="en-US" smtClean="0"/>
+              <a:rPr lang="en-US"/>
               <a:t>Click to edit Master text styles</a:t>
             </a:r>
           </a:p>
           <a:p>
             <a:pPr lvl="1"/>
             <a:r>
-              <a:rPr lang="en-US" smtClean="0"/>
+              <a:rPr lang="en-US"/>
               <a:t>Second level</a:t>
             </a:r>
           </a:p>
           <a:p>
             <a:pPr lvl="2"/>
             <a:r>
-              <a:rPr lang="en-US" smtClean="0"/>
+              <a:rPr lang="en-US"/>
               <a:t>Third level</a:t>
             </a:r>
           </a:p>
           <a:p>
             <a:pPr lvl="3"/>
             <a:r>
-              <a:rPr lang="en-US" smtClean="0"/>
+              <a:rPr lang="en-US"/>
               <a:t>Fourth level</a:t>
             </a:r>
           </a:p>
           <a:p>
             <a:pPr lvl="4"/>
             <a:r>
-              <a:rPr lang="en-US" smtClean="0"/>
+              <a:rPr lang="en-US"/>
               <a:t>Fifth level</a:t>
             </a:r>
             <a:endParaRPr lang="nl-BE"/>
@@ -656,7 +671,7 @@
             <a:fld id="{5A4CCF86-83EE-47DB-B5CF-7B10A03AD1B7}" type="datetimeFigureOut">
               <a:rPr lang="nl-BE" smtClean="0"/>
               <a:pPr/>
-              <a:t>24/04/2018</a:t>
+              <a:t>25/04/2018</a:t>
             </a:fld>
             <a:endParaRPr lang="nl-BE"/>
           </a:p>
@@ -699,7 +714,7 @@
             <a:fld id="{85CB42DD-1ED5-42DD-8F00-3C0CE85822BE}" type="slidenum">
               <a:rPr lang="nl-BE" smtClean="0"/>
               <a:pPr/>
-              <a:t>‹#›</a:t>
+              <a:t>‹nr.›</a:t>
             </a:fld>
             <a:endParaRPr lang="nl-BE"/>
           </a:p>
@@ -746,7 +761,7 @@
           <a:lstStyle/>
           <a:p>
             <a:r>
-              <a:rPr lang="en-US" smtClean="0"/>
+              <a:rPr lang="en-US"/>
               <a:t>Click to edit Master title style</a:t>
             </a:r>
             <a:endParaRPr lang="nl-BE"/>
@@ -770,35 +785,35 @@
           <a:p>
             <a:pPr lvl="0"/>
             <a:r>
-              <a:rPr lang="en-US" smtClean="0"/>
+              <a:rPr lang="en-US"/>
               <a:t>Click to edit Master text styles</a:t>
             </a:r>
           </a:p>
           <a:p>
             <a:pPr lvl="1"/>
             <a:r>
-              <a:rPr lang="en-US" smtClean="0"/>
+              <a:rPr lang="en-US"/>
               <a:t>Second level</a:t>
             </a:r>
           </a:p>
           <a:p>
             <a:pPr lvl="2"/>
             <a:r>
-              <a:rPr lang="en-US" smtClean="0"/>
+              <a:rPr lang="en-US"/>
               <a:t>Third level</a:t>
             </a:r>
           </a:p>
           <a:p>
             <a:pPr lvl="3"/>
             <a:r>
-              <a:rPr lang="en-US" smtClean="0"/>
+              <a:rPr lang="en-US"/>
               <a:t>Fourth level</a:t>
             </a:r>
           </a:p>
           <a:p>
             <a:pPr lvl="4"/>
             <a:r>
-              <a:rPr lang="en-US" smtClean="0"/>
+              <a:rPr lang="en-US"/>
               <a:t>Fifth level</a:t>
             </a:r>
             <a:endParaRPr lang="nl-BE"/>
@@ -823,7 +838,7 @@
             <a:fld id="{5A4CCF86-83EE-47DB-B5CF-7B10A03AD1B7}" type="datetimeFigureOut">
               <a:rPr lang="nl-BE" smtClean="0"/>
               <a:pPr/>
-              <a:t>24/04/2018</a:t>
+              <a:t>25/04/2018</a:t>
             </a:fld>
             <a:endParaRPr lang="nl-BE"/>
           </a:p>
@@ -866,7 +881,7 @@
             <a:fld id="{85CB42DD-1ED5-42DD-8F00-3C0CE85822BE}" type="slidenum">
               <a:rPr lang="nl-BE" smtClean="0"/>
               <a:pPr/>
-              <a:t>‹#›</a:t>
+              <a:t>‹nr.›</a:t>
             </a:fld>
             <a:endParaRPr lang="nl-BE"/>
           </a:p>
@@ -922,7 +937,7 @@
           </a:lstStyle>
           <a:p>
             <a:r>
-              <a:rPr lang="en-US" smtClean="0"/>
+              <a:rPr lang="en-US"/>
               <a:t>Click to edit Master title style</a:t>
             </a:r>
             <a:endParaRPr lang="nl-BE"/>
@@ -1042,7 +1057,7 @@
           <a:p>
             <a:pPr lvl="0"/>
             <a:r>
-              <a:rPr lang="en-US" smtClean="0"/>
+              <a:rPr lang="en-US"/>
               <a:t>Click to edit Master text styles</a:t>
             </a:r>
           </a:p>
@@ -1066,7 +1081,7 @@
             <a:fld id="{5A4CCF86-83EE-47DB-B5CF-7B10A03AD1B7}" type="datetimeFigureOut">
               <a:rPr lang="nl-BE" smtClean="0"/>
               <a:pPr/>
-              <a:t>24/04/2018</a:t>
+              <a:t>25/04/2018</a:t>
             </a:fld>
             <a:endParaRPr lang="nl-BE"/>
           </a:p>
@@ -1109,7 +1124,7 @@
             <a:fld id="{85CB42DD-1ED5-42DD-8F00-3C0CE85822BE}" type="slidenum">
               <a:rPr lang="nl-BE" smtClean="0"/>
               <a:pPr/>
-              <a:t>‹#›</a:t>
+              <a:t>‹nr.›</a:t>
             </a:fld>
             <a:endParaRPr lang="nl-BE"/>
           </a:p>
@@ -1156,7 +1171,7 @@
           <a:lstStyle/>
           <a:p>
             <a:r>
-              <a:rPr lang="en-US" smtClean="0"/>
+              <a:rPr lang="en-US"/>
               <a:t>Click to edit Master title style</a:t>
             </a:r>
             <a:endParaRPr lang="nl-BE"/>
@@ -1213,35 +1228,35 @@
           <a:p>
             <a:pPr lvl="0"/>
             <a:r>
-              <a:rPr lang="en-US" smtClean="0"/>
+              <a:rPr lang="en-US"/>
               <a:t>Click to edit Master text styles</a:t>
             </a:r>
           </a:p>
           <a:p>
             <a:pPr lvl="1"/>
             <a:r>
-              <a:rPr lang="en-US" smtClean="0"/>
+              <a:rPr lang="en-US"/>
               <a:t>Second level</a:t>
             </a:r>
           </a:p>
           <a:p>
             <a:pPr lvl="2"/>
             <a:r>
-              <a:rPr lang="en-US" smtClean="0"/>
+              <a:rPr lang="en-US"/>
               <a:t>Third level</a:t>
             </a:r>
           </a:p>
           <a:p>
             <a:pPr lvl="3"/>
             <a:r>
-              <a:rPr lang="en-US" smtClean="0"/>
+              <a:rPr lang="en-US"/>
               <a:t>Fourth level</a:t>
             </a:r>
           </a:p>
           <a:p>
             <a:pPr lvl="4"/>
             <a:r>
-              <a:rPr lang="en-US" smtClean="0"/>
+              <a:rPr lang="en-US"/>
               <a:t>Fifth level</a:t>
             </a:r>
             <a:endParaRPr lang="nl-BE"/>
@@ -1298,35 +1313,35 @@
           <a:p>
             <a:pPr lvl="0"/>
             <a:r>
-              <a:rPr lang="en-US" smtClean="0"/>
+              <a:rPr lang="en-US"/>
               <a:t>Click to edit Master text styles</a:t>
             </a:r>
           </a:p>
           <a:p>
             <a:pPr lvl="1"/>
             <a:r>
-              <a:rPr lang="en-US" smtClean="0"/>
+              <a:rPr lang="en-US"/>
               <a:t>Second level</a:t>
             </a:r>
           </a:p>
           <a:p>
             <a:pPr lvl="2"/>
             <a:r>
-              <a:rPr lang="en-US" smtClean="0"/>
+              <a:rPr lang="en-US"/>
               <a:t>Third level</a:t>
             </a:r>
           </a:p>
           <a:p>
             <a:pPr lvl="3"/>
             <a:r>
-              <a:rPr lang="en-US" smtClean="0"/>
+              <a:rPr lang="en-US"/>
               <a:t>Fourth level</a:t>
             </a:r>
           </a:p>
           <a:p>
             <a:pPr lvl="4"/>
             <a:r>
-              <a:rPr lang="en-US" smtClean="0"/>
+              <a:rPr lang="en-US"/>
               <a:t>Fifth level</a:t>
             </a:r>
             <a:endParaRPr lang="nl-BE"/>
@@ -1351,7 +1366,7 @@
             <a:fld id="{5A4CCF86-83EE-47DB-B5CF-7B10A03AD1B7}" type="datetimeFigureOut">
               <a:rPr lang="nl-BE" smtClean="0"/>
               <a:pPr/>
-              <a:t>24/04/2018</a:t>
+              <a:t>25/04/2018</a:t>
             </a:fld>
             <a:endParaRPr lang="nl-BE"/>
           </a:p>
@@ -1394,7 +1409,7 @@
             <a:fld id="{85CB42DD-1ED5-42DD-8F00-3C0CE85822BE}" type="slidenum">
               <a:rPr lang="nl-BE" smtClean="0"/>
               <a:pPr/>
-              <a:t>‹#›</a:t>
+              <a:t>‹nr.›</a:t>
             </a:fld>
             <a:endParaRPr lang="nl-BE"/>
           </a:p>
@@ -1445,7 +1460,7 @@
           </a:lstStyle>
           <a:p>
             <a:r>
-              <a:rPr lang="en-US" smtClean="0"/>
+              <a:rPr lang="en-US"/>
               <a:t>Click to edit Master title style</a:t>
             </a:r>
             <a:endParaRPr lang="nl-BE"/>
@@ -1511,7 +1526,7 @@
           <a:p>
             <a:pPr lvl="0"/>
             <a:r>
-              <a:rPr lang="en-US" smtClean="0"/>
+              <a:rPr lang="en-US"/>
               <a:t>Click to edit Master text styles</a:t>
             </a:r>
           </a:p>
@@ -1567,35 +1582,35 @@
           <a:p>
             <a:pPr lvl="0"/>
             <a:r>
-              <a:rPr lang="en-US" smtClean="0"/>
+              <a:rPr lang="en-US"/>
               <a:t>Click to edit Master text styles</a:t>
             </a:r>
           </a:p>
           <a:p>
             <a:pPr lvl="1"/>
             <a:r>
-              <a:rPr lang="en-US" smtClean="0"/>
+              <a:rPr lang="en-US"/>
               <a:t>Second level</a:t>
             </a:r>
           </a:p>
           <a:p>
             <a:pPr lvl="2"/>
             <a:r>
-              <a:rPr lang="en-US" smtClean="0"/>
+              <a:rPr lang="en-US"/>
               <a:t>Third level</a:t>
             </a:r>
           </a:p>
           <a:p>
             <a:pPr lvl="3"/>
             <a:r>
-              <a:rPr lang="en-US" smtClean="0"/>
+              <a:rPr lang="en-US"/>
               <a:t>Fourth level</a:t>
             </a:r>
           </a:p>
           <a:p>
             <a:pPr lvl="4"/>
             <a:r>
-              <a:rPr lang="en-US" smtClean="0"/>
+              <a:rPr lang="en-US"/>
               <a:t>Fifth level</a:t>
             </a:r>
             <a:endParaRPr lang="nl-BE"/>
@@ -1661,7 +1676,7 @@
           <a:p>
             <a:pPr lvl="0"/>
             <a:r>
-              <a:rPr lang="en-US" smtClean="0"/>
+              <a:rPr lang="en-US"/>
               <a:t>Click to edit Master text styles</a:t>
             </a:r>
           </a:p>
@@ -1717,35 +1732,35 @@
           <a:p>
             <a:pPr lvl="0"/>
             <a:r>
-              <a:rPr lang="en-US" smtClean="0"/>
+              <a:rPr lang="en-US"/>
               <a:t>Click to edit Master text styles</a:t>
             </a:r>
           </a:p>
           <a:p>
             <a:pPr lvl="1"/>
             <a:r>
-              <a:rPr lang="en-US" smtClean="0"/>
+              <a:rPr lang="en-US"/>
               <a:t>Second level</a:t>
             </a:r>
           </a:p>
           <a:p>
             <a:pPr lvl="2"/>
             <a:r>
-              <a:rPr lang="en-US" smtClean="0"/>
+              <a:rPr lang="en-US"/>
               <a:t>Third level</a:t>
             </a:r>
           </a:p>
           <a:p>
             <a:pPr lvl="3"/>
             <a:r>
-              <a:rPr lang="en-US" smtClean="0"/>
+              <a:rPr lang="en-US"/>
               <a:t>Fourth level</a:t>
             </a:r>
           </a:p>
           <a:p>
             <a:pPr lvl="4"/>
             <a:r>
-              <a:rPr lang="en-US" smtClean="0"/>
+              <a:rPr lang="en-US"/>
               <a:t>Fifth level</a:t>
             </a:r>
             <a:endParaRPr lang="nl-BE"/>
@@ -1770,7 +1785,7 @@
             <a:fld id="{5A4CCF86-83EE-47DB-B5CF-7B10A03AD1B7}" type="datetimeFigureOut">
               <a:rPr lang="nl-BE" smtClean="0"/>
               <a:pPr/>
-              <a:t>24/04/2018</a:t>
+              <a:t>25/04/2018</a:t>
             </a:fld>
             <a:endParaRPr lang="nl-BE"/>
           </a:p>
@@ -1813,7 +1828,7 @@
             <a:fld id="{85CB42DD-1ED5-42DD-8F00-3C0CE85822BE}" type="slidenum">
               <a:rPr lang="nl-BE" smtClean="0"/>
               <a:pPr/>
-              <a:t>‹#›</a:t>
+              <a:t>‹nr.›</a:t>
             </a:fld>
             <a:endParaRPr lang="nl-BE"/>
           </a:p>
@@ -1860,7 +1875,7 @@
           <a:lstStyle/>
           <a:p>
             <a:r>
-              <a:rPr lang="en-US" smtClean="0"/>
+              <a:rPr lang="en-US"/>
               <a:t>Click to edit Master title style</a:t>
             </a:r>
             <a:endParaRPr lang="nl-BE"/>
@@ -1885,7 +1900,7 @@
             <a:fld id="{5A4CCF86-83EE-47DB-B5CF-7B10A03AD1B7}" type="datetimeFigureOut">
               <a:rPr lang="nl-BE" smtClean="0"/>
               <a:pPr/>
-              <a:t>24/04/2018</a:t>
+              <a:t>25/04/2018</a:t>
             </a:fld>
             <a:endParaRPr lang="nl-BE"/>
           </a:p>
@@ -1928,7 +1943,7 @@
             <a:fld id="{85CB42DD-1ED5-42DD-8F00-3C0CE85822BE}" type="slidenum">
               <a:rPr lang="nl-BE" smtClean="0"/>
               <a:pPr/>
-              <a:t>‹#›</a:t>
+              <a:t>‹nr.›</a:t>
             </a:fld>
             <a:endParaRPr lang="nl-BE"/>
           </a:p>
@@ -1977,7 +1992,7 @@
             <a:fld id="{5A4CCF86-83EE-47DB-B5CF-7B10A03AD1B7}" type="datetimeFigureOut">
               <a:rPr lang="nl-BE" smtClean="0"/>
               <a:pPr/>
-              <a:t>24/04/2018</a:t>
+              <a:t>25/04/2018</a:t>
             </a:fld>
             <a:endParaRPr lang="nl-BE"/>
           </a:p>
@@ -2020,7 +2035,7 @@
             <a:fld id="{85CB42DD-1ED5-42DD-8F00-3C0CE85822BE}" type="slidenum">
               <a:rPr lang="nl-BE" smtClean="0"/>
               <a:pPr/>
-              <a:t>‹#›</a:t>
+              <a:t>‹nr.›</a:t>
             </a:fld>
             <a:endParaRPr lang="nl-BE"/>
           </a:p>
@@ -2076,7 +2091,7 @@
           </a:lstStyle>
           <a:p>
             <a:r>
-              <a:rPr lang="en-US" smtClean="0"/>
+              <a:rPr lang="en-US"/>
               <a:t>Click to edit Master title style</a:t>
             </a:r>
             <a:endParaRPr lang="nl-BE"/>
@@ -2133,35 +2148,35 @@
           <a:p>
             <a:pPr lvl="0"/>
             <a:r>
-              <a:rPr lang="en-US" smtClean="0"/>
+              <a:rPr lang="en-US"/>
               <a:t>Click to edit Master text styles</a:t>
             </a:r>
           </a:p>
           <a:p>
             <a:pPr lvl="1"/>
             <a:r>
-              <a:rPr lang="en-US" smtClean="0"/>
+              <a:rPr lang="en-US"/>
               <a:t>Second level</a:t>
             </a:r>
           </a:p>
           <a:p>
             <a:pPr lvl="2"/>
             <a:r>
-              <a:rPr lang="en-US" smtClean="0"/>
+              <a:rPr lang="en-US"/>
               <a:t>Third level</a:t>
             </a:r>
           </a:p>
           <a:p>
             <a:pPr lvl="3"/>
             <a:r>
-              <a:rPr lang="en-US" smtClean="0"/>
+              <a:rPr lang="en-US"/>
               <a:t>Fourth level</a:t>
             </a:r>
           </a:p>
           <a:p>
             <a:pPr lvl="4"/>
             <a:r>
-              <a:rPr lang="en-US" smtClean="0"/>
+              <a:rPr lang="en-US"/>
               <a:t>Fifth level</a:t>
             </a:r>
             <a:endParaRPr lang="nl-BE"/>
@@ -2227,7 +2242,7 @@
           <a:p>
             <a:pPr lvl="0"/>
             <a:r>
-              <a:rPr lang="en-US" smtClean="0"/>
+              <a:rPr lang="en-US"/>
               <a:t>Click to edit Master text styles</a:t>
             </a:r>
           </a:p>
@@ -2251,7 +2266,7 @@
             <a:fld id="{5A4CCF86-83EE-47DB-B5CF-7B10A03AD1B7}" type="datetimeFigureOut">
               <a:rPr lang="nl-BE" smtClean="0"/>
               <a:pPr/>
-              <a:t>24/04/2018</a:t>
+              <a:t>25/04/2018</a:t>
             </a:fld>
             <a:endParaRPr lang="nl-BE"/>
           </a:p>
@@ -2294,7 +2309,7 @@
             <a:fld id="{85CB42DD-1ED5-42DD-8F00-3C0CE85822BE}" type="slidenum">
               <a:rPr lang="nl-BE" smtClean="0"/>
               <a:pPr/>
-              <a:t>‹#›</a:t>
+              <a:t>‹nr.›</a:t>
             </a:fld>
             <a:endParaRPr lang="nl-BE"/>
           </a:p>
@@ -2350,7 +2365,7 @@
           </a:lstStyle>
           <a:p>
             <a:r>
-              <a:rPr lang="en-US" smtClean="0"/>
+              <a:rPr lang="en-US"/>
               <a:t>Click to edit Master title style</a:t>
             </a:r>
             <a:endParaRPr lang="nl-BE"/>
@@ -2477,7 +2492,7 @@
           <a:p>
             <a:pPr lvl="0"/>
             <a:r>
-              <a:rPr lang="en-US" smtClean="0"/>
+              <a:rPr lang="en-US"/>
               <a:t>Click to edit Master text styles</a:t>
             </a:r>
           </a:p>
@@ -2501,7 +2516,7 @@
             <a:fld id="{5A4CCF86-83EE-47DB-B5CF-7B10A03AD1B7}" type="datetimeFigureOut">
               <a:rPr lang="nl-BE" smtClean="0"/>
               <a:pPr/>
-              <a:t>24/04/2018</a:t>
+              <a:t>25/04/2018</a:t>
             </a:fld>
             <a:endParaRPr lang="nl-BE"/>
           </a:p>
@@ -2544,7 +2559,7 @@
             <a:fld id="{85CB42DD-1ED5-42DD-8F00-3C0CE85822BE}" type="slidenum">
               <a:rPr lang="nl-BE" smtClean="0"/>
               <a:pPr/>
-              <a:t>‹#›</a:t>
+              <a:t>‹nr.›</a:t>
             </a:fld>
             <a:endParaRPr lang="nl-BE"/>
           </a:p>
@@ -2606,7 +2621,7 @@
           <a:lstStyle/>
           <a:p>
             <a:r>
-              <a:rPr lang="en-US" smtClean="0"/>
+              <a:rPr lang="en-US"/>
               <a:t>Click to edit Master title style</a:t>
             </a:r>
             <a:endParaRPr lang="nl-BE"/>
@@ -2640,35 +2655,35 @@
           <a:p>
             <a:pPr lvl="0"/>
             <a:r>
-              <a:rPr lang="en-US" smtClean="0"/>
+              <a:rPr lang="en-US"/>
               <a:t>Click to edit Master text styles</a:t>
             </a:r>
           </a:p>
           <a:p>
             <a:pPr lvl="1"/>
             <a:r>
-              <a:rPr lang="en-US" smtClean="0"/>
+              <a:rPr lang="en-US"/>
               <a:t>Second level</a:t>
             </a:r>
           </a:p>
           <a:p>
             <a:pPr lvl="2"/>
             <a:r>
-              <a:rPr lang="en-US" smtClean="0"/>
+              <a:rPr lang="en-US"/>
               <a:t>Third level</a:t>
             </a:r>
           </a:p>
           <a:p>
             <a:pPr lvl="3"/>
             <a:r>
-              <a:rPr lang="en-US" smtClean="0"/>
+              <a:rPr lang="en-US"/>
               <a:t>Fourth level</a:t>
             </a:r>
           </a:p>
           <a:p>
             <a:pPr lvl="4"/>
             <a:r>
-              <a:rPr lang="en-US" smtClean="0"/>
+              <a:rPr lang="en-US"/>
               <a:t>Fifth level</a:t>
             </a:r>
             <a:endParaRPr lang="nl-BE"/>
@@ -2711,7 +2726,7 @@
             <a:fld id="{5A4CCF86-83EE-47DB-B5CF-7B10A03AD1B7}" type="datetimeFigureOut">
               <a:rPr lang="nl-BE" smtClean="0"/>
               <a:pPr/>
-              <a:t>24/04/2018</a:t>
+              <a:t>25/04/2018</a:t>
             </a:fld>
             <a:endParaRPr lang="nl-BE"/>
           </a:p>
@@ -2790,7 +2805,7 @@
             <a:fld id="{85CB42DD-1ED5-42DD-8F00-3C0CE85822BE}" type="slidenum">
               <a:rPr lang="nl-BE" smtClean="0"/>
               <a:pPr/>
-              <a:t>‹#›</a:t>
+              <a:t>‹nr.›</a:t>
             </a:fld>
             <a:endParaRPr lang="nl-BE"/>
           </a:p>
@@ -3068,6 +3083,14 @@
 <file path=ppt/slides/slide1.xml><?xml version="1.0" encoding="utf-8"?>
 <p:sld xmlns:a="http://schemas.openxmlformats.org/drawingml/2006/main" xmlns:r="http://schemas.openxmlformats.org/officeDocument/2006/relationships" xmlns:p="http://schemas.openxmlformats.org/presentationml/2006/main">
   <p:cSld>
+    <p:bg>
+      <p:bgPr>
+        <a:solidFill>
+          <a:schemeClr val="bg1"/>
+        </a:solidFill>
+        <a:effectLst/>
+      </p:bgPr>
+    </p:bg>
     <p:spTree>
       <p:nvGrpSpPr>
         <p:cNvPr id="1" name=""/>
@@ -3084,7 +3107,421 @@
       </p:grpSpPr>
       <p:sp>
         <p:nvSpPr>
-          <p:cNvPr id="2" name="Title 1"/>
+          <p:cNvPr id="71" name="Freeform 34">
+            <a:extLst>
+              <a:ext uri="{FF2B5EF4-FFF2-40B4-BE49-F238E27FC236}">
+                <a16:creationId xmlns:a16="http://schemas.microsoft.com/office/drawing/2014/main" id="{B0992639-1CDA-4FE6-BB95-E13221490740}"/>
+              </a:ext>
+            </a:extLst>
+          </p:cNvPr>
+          <p:cNvSpPr>
+            <a:spLocks noGrp="1" noRot="1" noChangeAspect="1" noMove="1" noResize="1" noEditPoints="1" noAdjustHandles="1" noChangeArrowheads="1" noChangeShapeType="1" noTextEdit="1"/>
+          </p:cNvSpPr>
+          <p:nvPr>
+            <p:extLst>
+              <p:ext uri="{386F3935-93C4-4BCD-93E2-E3B085C9AB24}">
+                <p16:designElem xmlns:p16="http://schemas.microsoft.com/office/powerpoint/2015/main" val="1"/>
+              </p:ext>
+            </p:extLst>
+          </p:nvPr>
+        </p:nvSpPr>
+        <p:spPr>
+          <a:xfrm flipH="1" flipV="1">
+            <a:off x="5787645" y="4682362"/>
+            <a:ext cx="3356355" cy="2174680"/>
+          </a:xfrm>
+          <a:custGeom>
+            <a:avLst/>
+            <a:gdLst>
+              <a:gd name="connsiteX0" fmla="*/ 3468199 w 4475140"/>
+              <a:gd name="connsiteY0" fmla="*/ 2174680 h 2174680"/>
+              <a:gd name="connsiteX1" fmla="*/ 0 w 4475140"/>
+              <a:gd name="connsiteY1" fmla="*/ 2174680 h 2174680"/>
+              <a:gd name="connsiteX2" fmla="*/ 0 w 4475140"/>
+              <a:gd name="connsiteY2" fmla="*/ 0 h 2174680"/>
+              <a:gd name="connsiteX3" fmla="*/ 1074821 w 4475140"/>
+              <a:gd name="connsiteY3" fmla="*/ 0 h 2174680"/>
+              <a:gd name="connsiteX4" fmla="*/ 1074821 w 4475140"/>
+              <a:gd name="connsiteY4" fmla="*/ 478 h 2174680"/>
+              <a:gd name="connsiteX5" fmla="*/ 4475140 w 4475140"/>
+              <a:gd name="connsiteY5" fmla="*/ 478 h 2174680"/>
+            </a:gdLst>
+            <a:ahLst/>
+            <a:cxnLst>
+              <a:cxn ang="0">
+                <a:pos x="connsiteX0" y="connsiteY0"/>
+              </a:cxn>
+              <a:cxn ang="0">
+                <a:pos x="connsiteX1" y="connsiteY1"/>
+              </a:cxn>
+              <a:cxn ang="0">
+                <a:pos x="connsiteX2" y="connsiteY2"/>
+              </a:cxn>
+              <a:cxn ang="0">
+                <a:pos x="connsiteX3" y="connsiteY3"/>
+              </a:cxn>
+              <a:cxn ang="0">
+                <a:pos x="connsiteX4" y="connsiteY4"/>
+              </a:cxn>
+              <a:cxn ang="0">
+                <a:pos x="connsiteX5" y="connsiteY5"/>
+              </a:cxn>
+            </a:cxnLst>
+            <a:rect l="l" t="t" r="r" b="b"/>
+            <a:pathLst>
+              <a:path w="4475140" h="2174680">
+                <a:moveTo>
+                  <a:pt x="3468199" y="2174680"/>
+                </a:moveTo>
+                <a:lnTo>
+                  <a:pt x="0" y="2174680"/>
+                </a:lnTo>
+                <a:lnTo>
+                  <a:pt x="0" y="0"/>
+                </a:lnTo>
+                <a:lnTo>
+                  <a:pt x="1074821" y="0"/>
+                </a:lnTo>
+                <a:lnTo>
+                  <a:pt x="1074821" y="478"/>
+                </a:lnTo>
+                <a:lnTo>
+                  <a:pt x="4475140" y="478"/>
+                </a:lnTo>
+                <a:close/>
+              </a:path>
+            </a:pathLst>
+          </a:custGeom>
+          <a:solidFill>
+            <a:srgbClr val="404040"/>
+          </a:solidFill>
+          <a:ln>
+            <a:noFill/>
+          </a:ln>
+        </p:spPr>
+        <p:style>
+          <a:lnRef idx="2">
+            <a:schemeClr val="accent1">
+              <a:shade val="50000"/>
+            </a:schemeClr>
+          </a:lnRef>
+          <a:fillRef idx="1">
+            <a:schemeClr val="accent1"/>
+          </a:fillRef>
+          <a:effectRef idx="0">
+            <a:schemeClr val="accent1"/>
+          </a:effectRef>
+          <a:fontRef idx="minor">
+            <a:schemeClr val="lt1"/>
+          </a:fontRef>
+        </p:style>
+        <p:txBody>
+          <a:bodyPr wrap="square" rtlCol="0" anchor="ctr">
+            <a:noAutofit/>
+          </a:bodyPr>
+          <a:lstStyle/>
+          <a:p>
+            <a:pPr algn="ctr"/>
+            <a:endParaRPr lang="en-US"/>
+          </a:p>
+        </p:txBody>
+      </p:sp>
+      <p:sp>
+        <p:nvSpPr>
+          <p:cNvPr id="73" name="Freeform 31">
+            <a:extLst>
+              <a:ext uri="{FF2B5EF4-FFF2-40B4-BE49-F238E27FC236}">
+                <a16:creationId xmlns:a16="http://schemas.microsoft.com/office/drawing/2014/main" id="{A2AEA782-0EA4-42E9-871D-7401D6A09739}"/>
+              </a:ext>
+            </a:extLst>
+          </p:cNvPr>
+          <p:cNvSpPr>
+            <a:spLocks noGrp="1" noRot="1" noChangeAspect="1" noMove="1" noResize="1" noEditPoints="1" noAdjustHandles="1" noChangeArrowheads="1" noChangeShapeType="1" noTextEdit="1"/>
+          </p:cNvSpPr>
+          <p:nvPr>
+            <p:extLst>
+              <p:ext uri="{386F3935-93C4-4BCD-93E2-E3B085C9AB24}">
+                <p16:designElem xmlns:p16="http://schemas.microsoft.com/office/powerpoint/2015/main" val="1"/>
+              </p:ext>
+            </p:extLst>
+          </p:nvPr>
+        </p:nvSpPr>
+        <p:spPr>
+          <a:xfrm>
+            <a:off x="0" y="0"/>
+            <a:ext cx="3356355" cy="2130951"/>
+          </a:xfrm>
+          <a:custGeom>
+            <a:avLst/>
+            <a:gdLst>
+              <a:gd name="connsiteX0" fmla="*/ 0 w 4475140"/>
+              <a:gd name="connsiteY0" fmla="*/ 0 h 2130951"/>
+              <a:gd name="connsiteX1" fmla="*/ 1074821 w 4475140"/>
+              <a:gd name="connsiteY1" fmla="*/ 0 h 2130951"/>
+              <a:gd name="connsiteX2" fmla="*/ 1074821 w 4475140"/>
+              <a:gd name="connsiteY2" fmla="*/ 478 h 2130951"/>
+              <a:gd name="connsiteX3" fmla="*/ 4475140 w 4475140"/>
+              <a:gd name="connsiteY3" fmla="*/ 478 h 2130951"/>
+              <a:gd name="connsiteX4" fmla="*/ 3488452 w 4475140"/>
+              <a:gd name="connsiteY4" fmla="*/ 2130951 h 2130951"/>
+              <a:gd name="connsiteX5" fmla="*/ 0 w 4475140"/>
+              <a:gd name="connsiteY5" fmla="*/ 2130951 h 2130951"/>
+            </a:gdLst>
+            <a:ahLst/>
+            <a:cxnLst>
+              <a:cxn ang="0">
+                <a:pos x="connsiteX0" y="connsiteY0"/>
+              </a:cxn>
+              <a:cxn ang="0">
+                <a:pos x="connsiteX1" y="connsiteY1"/>
+              </a:cxn>
+              <a:cxn ang="0">
+                <a:pos x="connsiteX2" y="connsiteY2"/>
+              </a:cxn>
+              <a:cxn ang="0">
+                <a:pos x="connsiteX3" y="connsiteY3"/>
+              </a:cxn>
+              <a:cxn ang="0">
+                <a:pos x="connsiteX4" y="connsiteY4"/>
+              </a:cxn>
+              <a:cxn ang="0">
+                <a:pos x="connsiteX5" y="connsiteY5"/>
+              </a:cxn>
+            </a:cxnLst>
+            <a:rect l="l" t="t" r="r" b="b"/>
+            <a:pathLst>
+              <a:path w="4475140" h="2130951">
+                <a:moveTo>
+                  <a:pt x="0" y="0"/>
+                </a:moveTo>
+                <a:lnTo>
+                  <a:pt x="1074821" y="0"/>
+                </a:lnTo>
+                <a:lnTo>
+                  <a:pt x="1074821" y="478"/>
+                </a:lnTo>
+                <a:lnTo>
+                  <a:pt x="4475140" y="478"/>
+                </a:lnTo>
+                <a:lnTo>
+                  <a:pt x="3488452" y="2130951"/>
+                </a:lnTo>
+                <a:lnTo>
+                  <a:pt x="0" y="2130951"/>
+                </a:lnTo>
+                <a:close/>
+              </a:path>
+            </a:pathLst>
+          </a:custGeom>
+          <a:solidFill>
+            <a:srgbClr val="3F613A"/>
+          </a:solidFill>
+          <a:ln>
+            <a:noFill/>
+          </a:ln>
+        </p:spPr>
+        <p:style>
+          <a:lnRef idx="2">
+            <a:schemeClr val="accent1">
+              <a:shade val="50000"/>
+            </a:schemeClr>
+          </a:lnRef>
+          <a:fillRef idx="1">
+            <a:schemeClr val="accent1"/>
+          </a:fillRef>
+          <a:effectRef idx="0">
+            <a:schemeClr val="accent1"/>
+          </a:effectRef>
+          <a:fontRef idx="minor">
+            <a:schemeClr val="lt1"/>
+          </a:fontRef>
+        </p:style>
+        <p:txBody>
+          <a:bodyPr wrap="square" rtlCol="0" anchor="ctr">
+            <a:noAutofit/>
+          </a:bodyPr>
+          <a:lstStyle/>
+          <a:p>
+            <a:pPr algn="ctr"/>
+            <a:endParaRPr lang="en-US" dirty="0"/>
+          </a:p>
+        </p:txBody>
+      </p:sp>
+      <p:pic>
+        <p:nvPicPr>
+          <p:cNvPr id="17" name="Afbeelding 16" descr="Afbeelding met boom, gras, teken, buiten&#10;&#10;Beschrijving is gegenereerd met zeer hoge betrouwbaarheid">
+            <a:extLst>
+              <a:ext uri="{FF2B5EF4-FFF2-40B4-BE49-F238E27FC236}">
+                <a16:creationId xmlns:a16="http://schemas.microsoft.com/office/drawing/2014/main" id="{A82A7A6F-808F-4E30-ACB4-9266945FFF21}"/>
+              </a:ext>
+            </a:extLst>
+          </p:cNvPr>
+          <p:cNvPicPr>
+            <a:picLocks noChangeAspect="1"/>
+          </p:cNvPicPr>
+          <p:nvPr/>
+        </p:nvPicPr>
+        <p:blipFill rotWithShape="1">
+          <a:blip r:embed="rId2">
+            <a:extLst>
+              <a:ext uri="{28A0092B-C50C-407E-A947-70E740481C1C}">
+                <a14:useLocalDpi xmlns:a14="http://schemas.microsoft.com/office/drawing/2010/main" val="0"/>
+              </a:ext>
+            </a:extLst>
+          </a:blip>
+          <a:srcRect t="24787" r="3" b="27541"/>
+          <a:stretch/>
+        </p:blipFill>
+        <p:spPr>
+          <a:xfrm>
+            <a:off x="2736988" y="10"/>
+            <a:ext cx="6407012" cy="2130463"/>
+          </a:xfrm>
+          <a:custGeom>
+            <a:avLst/>
+            <a:gdLst>
+              <a:gd name="connsiteX0" fmla="*/ 986689 w 8542682"/>
+              <a:gd name="connsiteY0" fmla="*/ 0 h 2130473"/>
+              <a:gd name="connsiteX1" fmla="*/ 8542682 w 8542682"/>
+              <a:gd name="connsiteY1" fmla="*/ 0 h 2130473"/>
+              <a:gd name="connsiteX2" fmla="*/ 8542682 w 8542682"/>
+              <a:gd name="connsiteY2" fmla="*/ 2130473 h 2130473"/>
+              <a:gd name="connsiteX3" fmla="*/ 0 w 8542682"/>
+              <a:gd name="connsiteY3" fmla="*/ 2130473 h 2130473"/>
+            </a:gdLst>
+            <a:ahLst/>
+            <a:cxnLst>
+              <a:cxn ang="0">
+                <a:pos x="connsiteX0" y="connsiteY0"/>
+              </a:cxn>
+              <a:cxn ang="0">
+                <a:pos x="connsiteX1" y="connsiteY1"/>
+              </a:cxn>
+              <a:cxn ang="0">
+                <a:pos x="connsiteX2" y="connsiteY2"/>
+              </a:cxn>
+              <a:cxn ang="0">
+                <a:pos x="connsiteX3" y="connsiteY3"/>
+              </a:cxn>
+            </a:cxnLst>
+            <a:rect l="l" t="t" r="r" b="b"/>
+            <a:pathLst>
+              <a:path w="8542682" h="2130473">
+                <a:moveTo>
+                  <a:pt x="986689" y="0"/>
+                </a:moveTo>
+                <a:lnTo>
+                  <a:pt x="8542682" y="0"/>
+                </a:lnTo>
+                <a:lnTo>
+                  <a:pt x="8542682" y="2130473"/>
+                </a:lnTo>
+                <a:lnTo>
+                  <a:pt x="0" y="2130473"/>
+                </a:lnTo>
+                <a:close/>
+              </a:path>
+            </a:pathLst>
+          </a:custGeom>
+        </p:spPr>
+      </p:pic>
+      <p:pic>
+        <p:nvPicPr>
+          <p:cNvPr id="1026" name="Picture 2" descr="Image result for ucll">
+            <a:extLst>
+              <a:ext uri="{FF2B5EF4-FFF2-40B4-BE49-F238E27FC236}">
+                <a16:creationId xmlns:a16="http://schemas.microsoft.com/office/drawing/2014/main" id="{441D7D01-FBB5-47EA-901D-F7E0C5247507}"/>
+              </a:ext>
+            </a:extLst>
+          </p:cNvPr>
+          <p:cNvPicPr>
+            <a:picLocks noChangeAspect="1" noChangeArrowheads="1"/>
+          </p:cNvPicPr>
+          <p:nvPr/>
+        </p:nvPicPr>
+        <p:blipFill rotWithShape="1">
+          <a:blip r:embed="rId3">
+            <a:extLst>
+              <a:ext uri="{28A0092B-C50C-407E-A947-70E740481C1C}">
+                <a14:useLocalDpi xmlns:a14="http://schemas.microsoft.com/office/drawing/2010/main" val="0"/>
+              </a:ext>
+            </a:extLst>
+          </a:blip>
+          <a:srcRect t="14596" r="-2" b="9721"/>
+          <a:stretch/>
+        </p:blipFill>
+        <p:spPr bwMode="auto">
+          <a:xfrm>
+            <a:off x="20" y="4682840"/>
+            <a:ext cx="6422512" cy="2175160"/>
+          </a:xfrm>
+          <a:custGeom>
+            <a:avLst/>
+            <a:gdLst>
+              <a:gd name="connsiteX0" fmla="*/ 0 w 8563376"/>
+              <a:gd name="connsiteY0" fmla="*/ 0 h 2175160"/>
+              <a:gd name="connsiteX1" fmla="*/ 8563376 w 8563376"/>
+              <a:gd name="connsiteY1" fmla="*/ 0 h 2175160"/>
+              <a:gd name="connsiteX2" fmla="*/ 7555992 w 8563376"/>
+              <a:gd name="connsiteY2" fmla="*/ 2175160 h 2175160"/>
+              <a:gd name="connsiteX3" fmla="*/ 0 w 8563376"/>
+              <a:gd name="connsiteY3" fmla="*/ 2175160 h 2175160"/>
+            </a:gdLst>
+            <a:ahLst/>
+            <a:cxnLst>
+              <a:cxn ang="0">
+                <a:pos x="connsiteX0" y="connsiteY0"/>
+              </a:cxn>
+              <a:cxn ang="0">
+                <a:pos x="connsiteX1" y="connsiteY1"/>
+              </a:cxn>
+              <a:cxn ang="0">
+                <a:pos x="connsiteX2" y="connsiteY2"/>
+              </a:cxn>
+              <a:cxn ang="0">
+                <a:pos x="connsiteX3" y="connsiteY3"/>
+              </a:cxn>
+            </a:cxnLst>
+            <a:rect l="l" t="t" r="r" b="b"/>
+            <a:pathLst>
+              <a:path w="8563376" h="2175160">
+                <a:moveTo>
+                  <a:pt x="0" y="0"/>
+                </a:moveTo>
+                <a:lnTo>
+                  <a:pt x="8563376" y="0"/>
+                </a:lnTo>
+                <a:lnTo>
+                  <a:pt x="7555992" y="2175160"/>
+                </a:lnTo>
+                <a:lnTo>
+                  <a:pt x="0" y="2175160"/>
+                </a:lnTo>
+                <a:close/>
+              </a:path>
+            </a:pathLst>
+          </a:custGeom>
+          <a:noFill/>
+          <a:extLst>
+            <a:ext uri="{909E8E84-426E-40DD-AFC4-6F175D3DCCD1}">
+              <a14:hiddenFill xmlns:a14="http://schemas.microsoft.com/office/drawing/2010/main">
+                <a:solidFill>
+                  <a:srgbClr val="FFFFFF"/>
+                </a:solidFill>
+              </a14:hiddenFill>
+            </a:ext>
+          </a:extLst>
+        </p:spPr>
+      </p:pic>
+      <p:sp>
+        <p:nvSpPr>
+          <p:cNvPr id="2" name="Titel 1">
+            <a:extLst>
+              <a:ext uri="{FF2B5EF4-FFF2-40B4-BE49-F238E27FC236}">
+                <a16:creationId xmlns:a16="http://schemas.microsoft.com/office/drawing/2014/main" id="{5014C2AA-3DF1-47F3-9D5F-812459BA2270}"/>
+              </a:ext>
+            </a:extLst>
+          </p:cNvPr>
           <p:cNvSpPr>
             <a:spLocks noGrp="1"/>
           </p:cNvSpPr>
@@ -3092,22 +3529,47 @@
             <p:ph type="ctrTitle"/>
           </p:nvPr>
         </p:nvSpPr>
-        <p:spPr/>
-        <p:txBody>
-          <a:bodyPr/>
-          <a:lstStyle/>
-          <a:p>
-            <a:r>
-              <a:rPr lang="nl-BE" dirty="0" smtClean="0"/>
-              <a:t>Intro HTML en CSS</a:t>
-            </a:r>
-            <a:endParaRPr lang="nl-BE" dirty="0"/>
-          </a:p>
-        </p:txBody>
-      </p:sp>
-      <p:sp>
-        <p:nvSpPr>
-          <p:cNvPr id="3" name="Subtitle 2"/>
+        <p:spPr>
+          <a:xfrm>
+            <a:off x="1143000" y="2245810"/>
+            <a:ext cx="6858000" cy="1355750"/>
+          </a:xfrm>
+        </p:spPr>
+        <p:txBody>
+          <a:bodyPr>
+            <a:normAutofit fontScale="90000"/>
+          </a:bodyPr>
+          <a:lstStyle/>
+          <a:p>
+            <a:pPr algn="l"/>
+            <a:r>
+              <a:rPr lang="nl-BE" sz="4700" b="1" dirty="0" err="1">
+                <a:solidFill>
+                  <a:srgbClr val="E00049"/>
+                </a:solidFill>
+              </a:rPr>
+              <a:t>Pba</a:t>
+            </a:r>
+            <a:r>
+              <a:rPr lang="nl-BE" sz="4700" b="1" dirty="0">
+                <a:solidFill>
+                  <a:srgbClr val="E00049"/>
+                </a:solidFill>
+              </a:rPr>
+              <a:t> Toegepaste Informatica</a:t>
+            </a:r>
+          </a:p>
+        </p:txBody>
+      </p:sp>
+      <p:sp>
+        <p:nvSpPr>
+          <p:cNvPr id="3" name="Ondertitel 2">
+            <a:extLst>
+              <a:ext uri="{FF2B5EF4-FFF2-40B4-BE49-F238E27FC236}">
+                <a16:creationId xmlns:a16="http://schemas.microsoft.com/office/drawing/2014/main" id="{57851735-9EC1-44EA-9A44-5AC541A741FD}"/>
+              </a:ext>
+            </a:extLst>
+          </p:cNvPr>
           <p:cNvSpPr>
             <a:spLocks noGrp="1"/>
           </p:cNvSpPr>
@@ -3115,16 +3577,48 @@
             <p:ph type="subTitle" idx="1"/>
           </p:nvPr>
         </p:nvSpPr>
-        <p:spPr/>
-        <p:txBody>
-          <a:bodyPr/>
-          <a:lstStyle/>
-          <a:p>
-            <a:endParaRPr lang="nl-BE" dirty="0"/>
+        <p:spPr>
+          <a:xfrm>
+            <a:off x="1143000" y="3608516"/>
+            <a:ext cx="6858000" cy="911117"/>
+          </a:xfrm>
+        </p:spPr>
+        <p:txBody>
+          <a:bodyPr>
+            <a:normAutofit/>
+          </a:bodyPr>
+          <a:lstStyle/>
+          <a:p>
+            <a:pPr algn="l"/>
+            <a:r>
+              <a:rPr lang="nl-BE" sz="2400" dirty="0"/>
+              <a:t>Maria Verdonck, Kenzo </a:t>
+            </a:r>
+            <a:r>
+              <a:rPr lang="nl-BE" sz="2400" dirty="0" err="1"/>
+              <a:t>Coenaerts</a:t>
+            </a:r>
+            <a:r>
+              <a:rPr lang="nl-BE" sz="2400" dirty="0"/>
+              <a:t>, Pieter-Jan Van Der </a:t>
+            </a:r>
+            <a:r>
+              <a:rPr lang="nl-BE" sz="2400" dirty="0" err="1"/>
+              <a:t>Schueren</a:t>
+            </a:r>
+            <a:r>
+              <a:rPr lang="nl-BE" sz="2400" dirty="0"/>
+              <a:t> &amp; Rombout Boon</a:t>
+            </a:r>
           </a:p>
         </p:txBody>
       </p:sp>
     </p:spTree>
+    <p:extLst>
+      <p:ext uri="{BB962C8B-B14F-4D97-AF65-F5344CB8AC3E}">
+        <p14:creationId xmlns:p14="http://schemas.microsoft.com/office/powerpoint/2010/main" val="1438251009"/>
+      </p:ext>
+    </p:extLst>
   </p:cSld>
   <p:clrMapOvr>
     <a:masterClrMapping/>
@@ -3165,38 +3659,102 @@
           <a:lstStyle/>
           <a:p>
             <a:r>
-              <a:rPr lang="nl-BE" dirty="0" smtClean="0"/>
+              <a:rPr lang="nl-BE" dirty="0">
+                <a:solidFill>
+                  <a:srgbClr val="6A93C5"/>
+                </a:solidFill>
+              </a:rPr>
               <a:t>CSS</a:t>
             </a:r>
+          </a:p>
+        </p:txBody>
+      </p:sp>
+      <p:sp>
+        <p:nvSpPr>
+          <p:cNvPr id="3" name="Content Placeholder 2"/>
+          <p:cNvSpPr>
+            <a:spLocks noGrp="1"/>
+          </p:cNvSpPr>
+          <p:nvPr>
+            <p:ph idx="1"/>
+          </p:nvPr>
+        </p:nvSpPr>
+        <p:spPr/>
+        <p:txBody>
+          <a:bodyPr/>
+          <a:lstStyle/>
+          <a:p>
+            <a:r>
+              <a:rPr lang="nl-BE" dirty="0"/>
+              <a:t>Via selectoren, html tags, #id en .class attributen, of een combinatie</a:t>
+            </a:r>
+          </a:p>
+          <a:p>
+            <a:r>
+              <a:rPr lang="nl-BE" sz="2400" dirty="0"/>
+              <a:t>Selector { </a:t>
+            </a:r>
+          </a:p>
+          <a:p>
+            <a:pPr>
+              <a:buNone/>
+            </a:pPr>
+            <a:r>
+              <a:rPr lang="nl-BE" sz="2400" dirty="0"/>
+              <a:t>	Property: value;</a:t>
+            </a:r>
+            <a:br>
+              <a:rPr lang="nl-BE" sz="2400" dirty="0"/>
+            </a:br>
+            <a:r>
+              <a:rPr lang="nl-BE" sz="2400" dirty="0"/>
+              <a:t>Property2: value2;</a:t>
+            </a:r>
+          </a:p>
+          <a:p>
+            <a:pPr>
+              <a:buNone/>
+            </a:pPr>
+            <a:r>
+              <a:rPr lang="nl-BE" sz="2400" dirty="0"/>
+              <a:t>	}</a:t>
+            </a:r>
+          </a:p>
+          <a:p>
+            <a:r>
+              <a:rPr lang="en-US" sz="2400" dirty="0" err="1"/>
+              <a:t>Voorbeeld</a:t>
+            </a:r>
+            <a:r>
+              <a:rPr lang="en-US" sz="2400" dirty="0"/>
+              <a:t>: </a:t>
+            </a:r>
+            <a:r>
+              <a:rPr lang="en-US" sz="2400" i="1" dirty="0"/>
+              <a:t>&lt;p class=“</a:t>
+            </a:r>
+            <a:r>
+              <a:rPr lang="en-US" sz="2400" i="1" dirty="0" err="1"/>
+              <a:t>redP</a:t>
+            </a:r>
+            <a:r>
+              <a:rPr lang="en-US" sz="2400" i="1" dirty="0"/>
+              <a:t>"&gt;Red Paragraph.&lt;/p&gt; </a:t>
+            </a:r>
+          </a:p>
+          <a:p>
+            <a:pPr lvl="1">
+              <a:buFont typeface="Wingdings" panose="05000000000000000000" pitchFamily="2" charset="2"/>
+              <a:buChar char="Ø"/>
+            </a:pPr>
+            <a:r>
+              <a:rPr lang="en-US" sz="2000" b="1" dirty="0"/>
+              <a:t>p { color: red;}</a:t>
+            </a:r>
+            <a:endParaRPr lang="nl-BE" sz="2000" b="1" dirty="0"/>
+          </a:p>
+          <a:p>
             <a:endParaRPr lang="nl-BE" dirty="0"/>
-          </a:p>
-        </p:txBody>
-      </p:sp>
-      <p:sp>
-        <p:nvSpPr>
-          <p:cNvPr id="3" name="Content Placeholder 2"/>
-          <p:cNvSpPr>
-            <a:spLocks noGrp="1"/>
-          </p:cNvSpPr>
-          <p:nvPr>
-            <p:ph idx="1"/>
-          </p:nvPr>
-        </p:nvSpPr>
-        <p:spPr/>
-        <p:txBody>
-          <a:bodyPr/>
-          <a:lstStyle/>
-          <a:p>
-            <a:r>
-              <a:rPr lang="nl-BE" dirty="0" smtClean="0"/>
-              <a:t>Eigen schappen worden overgeërfd, tenzij nadien overschreven</a:t>
-            </a:r>
-          </a:p>
-          <a:p>
-            <a:r>
-              <a:rPr lang="nl-BE" dirty="0" smtClean="0"/>
-              <a:t>Hiërarchie bepaalt wat prioriteit heeft</a:t>
-            </a:r>
           </a:p>
         </p:txBody>
       </p:sp>
@@ -3237,316 +3795,112 @@
         </p:nvSpPr>
         <p:spPr/>
         <p:txBody>
+          <a:bodyPr/>
+          <a:lstStyle/>
+          <a:p>
+            <a:r>
+              <a:rPr lang="nl-BE" dirty="0">
+                <a:solidFill>
+                  <a:srgbClr val="6A93C5"/>
+                </a:solidFill>
+              </a:rPr>
+              <a:t>CSS</a:t>
+            </a:r>
+          </a:p>
+        </p:txBody>
+      </p:sp>
+      <p:sp>
+        <p:nvSpPr>
+          <p:cNvPr id="3" name="Content Placeholder 2"/>
+          <p:cNvSpPr>
+            <a:spLocks noGrp="1"/>
+          </p:cNvSpPr>
+          <p:nvPr>
+            <p:ph idx="1"/>
+          </p:nvPr>
+        </p:nvSpPr>
+        <p:spPr/>
+        <p:txBody>
           <a:bodyPr>
-            <a:normAutofit/>
+            <a:normAutofit lnSpcReduction="10000"/>
           </a:bodyPr>
           <a:lstStyle/>
           <a:p>
             <a:r>
-              <a:rPr lang="nl-BE" b="1" dirty="0" smtClean="0"/>
-              <a:t>fragment </a:t>
-            </a:r>
-            <a:r>
-              <a:rPr lang="nl-BE" b="1" dirty="0" smtClean="0"/>
-              <a:t>van een </a:t>
-            </a:r>
-            <a:r>
-              <a:rPr lang="nl-BE" b="1" dirty="0" smtClean="0"/>
-              <a:t>CSS pagina</a:t>
-            </a:r>
-            <a:endParaRPr lang="nl-BE" dirty="0"/>
-          </a:p>
-        </p:txBody>
-      </p:sp>
-      <p:sp>
-        <p:nvSpPr>
-          <p:cNvPr id="3" name="Content Placeholder 2"/>
-          <p:cNvSpPr>
-            <a:spLocks noGrp="1"/>
-          </p:cNvSpPr>
-          <p:nvPr>
-            <p:ph idx="1"/>
-          </p:nvPr>
-        </p:nvSpPr>
-        <p:spPr/>
-        <p:txBody>
-          <a:bodyPr>
-            <a:normAutofit fontScale="40000" lnSpcReduction="20000"/>
-          </a:bodyPr>
-          <a:lstStyle/>
-          <a:p>
-            <a:pPr>
-              <a:buNone/>
-            </a:pPr>
-            <a:r>
-              <a:rPr lang="nl-BE" b="1" dirty="0" smtClean="0"/>
-              <a:t>p </a:t>
-            </a:r>
-            <a:r>
-              <a:rPr lang="nl-BE" b="1" dirty="0" smtClean="0"/>
-              <a:t>{</a:t>
-            </a:r>
-            <a:endParaRPr lang="nl-BE" dirty="0" smtClean="0"/>
-          </a:p>
-          <a:p>
-            <a:pPr>
-              <a:buNone/>
-            </a:pPr>
-            <a:r>
-              <a:rPr lang="nl-BE" b="1" dirty="0" smtClean="0"/>
-              <a:t>	Color: black; </a:t>
-            </a:r>
-            <a:r>
-              <a:rPr lang="nl-BE" dirty="0" smtClean="0"/>
-              <a:t>// Een kleine selectie kleuren kan je bij naam definiëren, de rest met rgb(a), hexa #, …</a:t>
-            </a:r>
-          </a:p>
-          <a:p>
-            <a:pPr>
-              <a:buNone/>
-            </a:pPr>
-            <a:r>
-              <a:rPr lang="nl-BE" b="1" dirty="0" smtClean="0"/>
-              <a:t>	Size: 12px; </a:t>
-            </a:r>
-            <a:r>
-              <a:rPr lang="nl-BE" dirty="0" smtClean="0"/>
-              <a:t>// Formaten van tekst kunnen in pixels, cm, percentages, …</a:t>
-            </a:r>
-          </a:p>
-          <a:p>
-            <a:pPr>
-              <a:buNone/>
-            </a:pPr>
-            <a:r>
-              <a:rPr lang="nl-BE" b="1" dirty="0" smtClean="0"/>
-              <a:t>}</a:t>
-            </a:r>
-            <a:endParaRPr lang="nl-BE" dirty="0" smtClean="0"/>
-          </a:p>
-          <a:p>
-            <a:pPr>
-              <a:buNone/>
-            </a:pPr>
-            <a:r>
-              <a:rPr lang="nl-BE" b="1" dirty="0" smtClean="0"/>
-              <a:t>/*floatingFooter*/      </a:t>
-            </a:r>
-            <a:r>
-              <a:rPr lang="nl-BE" dirty="0" smtClean="0"/>
-              <a:t>// Commentaar in een css pagina is tussen /* Commentaar */</a:t>
-            </a:r>
-          </a:p>
-          <a:p>
-            <a:pPr>
-              <a:buNone/>
-            </a:pPr>
-            <a:r>
-              <a:rPr lang="nl-BE" b="1" dirty="0" smtClean="0"/>
-              <a:t>#floatingFooter { </a:t>
-            </a:r>
-            <a:r>
-              <a:rPr lang="nl-BE" dirty="0" smtClean="0"/>
-              <a:t>// #ID die in html gedefinieerd werd</a:t>
-            </a:r>
-          </a:p>
-          <a:p>
-            <a:pPr>
-              <a:buNone/>
-            </a:pPr>
-            <a:r>
-              <a:rPr lang="nl-BE" b="1" dirty="0" smtClean="0"/>
-              <a:t> </a:t>
-            </a:r>
-            <a:r>
-              <a:rPr lang="nl-BE" b="1" dirty="0" smtClean="0"/>
-              <a:t>	display</a:t>
-            </a:r>
-            <a:r>
-              <a:rPr lang="nl-BE" b="1" dirty="0" smtClean="0"/>
-              <a:t>: flex; </a:t>
-            </a:r>
-            <a:endParaRPr lang="nl-BE" dirty="0" smtClean="0"/>
-          </a:p>
-          <a:p>
-            <a:pPr>
-              <a:buNone/>
-            </a:pPr>
-            <a:r>
-              <a:rPr lang="nl-BE" b="1" dirty="0" smtClean="0"/>
-              <a:t>	</a:t>
-            </a:r>
-            <a:r>
-              <a:rPr lang="nl-BE" b="1" dirty="0" smtClean="0"/>
-              <a:t>justify-content</a:t>
-            </a:r>
-            <a:r>
-              <a:rPr lang="nl-BE" b="1" dirty="0" smtClean="0"/>
-              <a:t>: space-around;  </a:t>
-            </a:r>
-            <a:r>
-              <a:rPr lang="nl-BE" dirty="0" smtClean="0"/>
-              <a:t>// De inhoud wordt evenredig verdeeld over de breedte van het scherm</a:t>
-            </a:r>
-          </a:p>
-          <a:p>
-            <a:pPr>
-              <a:buNone/>
-            </a:pPr>
-            <a:r>
-              <a:rPr lang="nl-BE" b="1" dirty="0" smtClean="0"/>
-              <a:t>	padding-bottom</a:t>
-            </a:r>
-            <a:r>
-              <a:rPr lang="nl-BE" b="1" dirty="0" smtClean="0"/>
-              <a:t>: 30px; </a:t>
-            </a:r>
-            <a:r>
-              <a:rPr lang="nl-BE" dirty="0" smtClean="0"/>
-              <a:t>// padding is ruimte tussen de tekst en de rand van de html blok</a:t>
-            </a:r>
-          </a:p>
-          <a:p>
-            <a:pPr>
-              <a:buNone/>
-            </a:pPr>
-            <a:r>
-              <a:rPr lang="nl-BE" b="1" dirty="0" smtClean="0"/>
-              <a:t>	border</a:t>
-            </a:r>
-            <a:r>
-              <a:rPr lang="nl-BE" b="1" dirty="0" smtClean="0"/>
-              <a:t>: 2px dotted red; </a:t>
-            </a:r>
-            <a:r>
-              <a:rPr lang="nl-BE" dirty="0" smtClean="0"/>
-              <a:t>// de rand van het html blok zal rood, gestippeld en rood zijn</a:t>
-            </a:r>
-          </a:p>
-          <a:p>
-            <a:pPr>
-              <a:buNone/>
-            </a:pPr>
-            <a:r>
-              <a:rPr lang="nl-BE" b="1" dirty="0" smtClean="0"/>
-              <a:t>	border-radius</a:t>
-            </a:r>
-            <a:r>
-              <a:rPr lang="nl-BE" b="1" dirty="0" smtClean="0"/>
-              <a:t>: 40px 40px 0 0; </a:t>
-            </a:r>
-            <a:r>
-              <a:rPr lang="nl-BE" dirty="0" smtClean="0"/>
-              <a:t>// de rand zal een ronding in linker -en rechterbovenhoek hebben, niet onderaan</a:t>
-            </a:r>
-          </a:p>
-          <a:p>
-            <a:pPr>
-              <a:buNone/>
-            </a:pPr>
-            <a:r>
-              <a:rPr lang="nl-BE" b="1" dirty="0" smtClean="0"/>
-              <a:t>}</a:t>
-            </a:r>
-            <a:endParaRPr lang="nl-BE" dirty="0" smtClean="0"/>
-          </a:p>
-          <a:p>
-            <a:pPr>
-              <a:buNone/>
-            </a:pPr>
-            <a:r>
-              <a:rPr lang="nl-BE" b="1" dirty="0" smtClean="0"/>
-              <a:t>#floatingFooter h4 { </a:t>
-            </a:r>
-            <a:r>
-              <a:rPr lang="nl-BE" dirty="0" smtClean="0"/>
-              <a:t>// de hoofding h4 </a:t>
-            </a:r>
-            <a:r>
-              <a:rPr lang="nl-BE" b="1" dirty="0" smtClean="0"/>
-              <a:t>in </a:t>
-            </a:r>
-            <a:r>
-              <a:rPr lang="nl-BE" dirty="0" smtClean="0"/>
-              <a:t>de html blok met id floatingFooter </a:t>
-            </a:r>
-          </a:p>
-          <a:p>
-            <a:pPr>
-              <a:buNone/>
-            </a:pPr>
-            <a:r>
-              <a:rPr lang="nl-BE" b="1" dirty="0" smtClean="0"/>
-              <a:t>	padding-bottom</a:t>
-            </a:r>
-            <a:r>
-              <a:rPr lang="nl-BE" b="1" dirty="0" smtClean="0"/>
-              <a:t>: 5px;</a:t>
-            </a:r>
-            <a:endParaRPr lang="nl-BE" dirty="0" smtClean="0"/>
-          </a:p>
-          <a:p>
-            <a:pPr>
-              <a:buNone/>
-            </a:pPr>
-            <a:r>
-              <a:rPr lang="nl-BE" b="1" dirty="0" smtClean="0"/>
-              <a:t>	text-decoration</a:t>
-            </a:r>
-            <a:r>
-              <a:rPr lang="nl-BE" b="1" dirty="0" smtClean="0"/>
-              <a:t>: underline; </a:t>
-            </a:r>
-            <a:r>
-              <a:rPr lang="nl-BE" dirty="0" smtClean="0"/>
-              <a:t>// tekst wordt onderlijnd</a:t>
-            </a:r>
-          </a:p>
-          <a:p>
-            <a:pPr>
-              <a:buNone/>
-            </a:pPr>
-            <a:r>
-              <a:rPr lang="nl-BE" b="1" dirty="0" smtClean="0"/>
-              <a:t>}</a:t>
-            </a:r>
-            <a:endParaRPr lang="nl-BE" dirty="0" smtClean="0"/>
-          </a:p>
-          <a:p>
-            <a:pPr>
-              <a:buNone/>
-            </a:pPr>
-            <a:r>
-              <a:rPr lang="nl-BE" b="1" dirty="0" smtClean="0"/>
-              <a:t>#floatingFooter {</a:t>
-            </a:r>
-            <a:endParaRPr lang="nl-BE" dirty="0" smtClean="0"/>
-          </a:p>
-          <a:p>
-            <a:pPr>
-              <a:buNone/>
-            </a:pPr>
-            <a:r>
-              <a:rPr lang="nl-BE" b="1" dirty="0" smtClean="0"/>
-              <a:t>    color: rgb(37, 34, 34); </a:t>
-            </a:r>
-            <a:r>
-              <a:rPr lang="nl-BE" dirty="0" smtClean="0"/>
-              <a:t>//red, green, blue percentages geven een kleur weer</a:t>
-            </a:r>
-          </a:p>
-          <a:p>
-            <a:pPr>
-              <a:buNone/>
-            </a:pPr>
-            <a:r>
-              <a:rPr lang="nl-BE" b="1" dirty="0" smtClean="0"/>
-              <a:t>}</a:t>
-            </a:r>
-            <a:endParaRPr lang="nl-BE" dirty="0" smtClean="0"/>
-          </a:p>
-          <a:p>
-            <a:endParaRPr lang="nl-BE" dirty="0"/>
+              <a:rPr lang="nl-BE" dirty="0"/>
+              <a:t>Eigenschappen worden overgeërfd (volgens boomstructuur)</a:t>
+            </a:r>
+          </a:p>
+          <a:p>
+            <a:pPr lvl="1"/>
+            <a:r>
+              <a:rPr lang="nl-BE" dirty="0"/>
+              <a:t>Tenzij nadien overschreven</a:t>
+            </a:r>
+          </a:p>
+          <a:p>
+            <a:r>
+              <a:rPr lang="nl-BE" dirty="0"/>
+              <a:t>Hiërarchie bepaalt wat prioriteit heeft</a:t>
+            </a:r>
+          </a:p>
+          <a:p>
+            <a:r>
+              <a:rPr lang="nl-BE" dirty="0"/>
+              <a:t>Voorbeeld:</a:t>
+            </a:r>
+          </a:p>
+          <a:p>
+            <a:pPr lvl="1"/>
+            <a:r>
+              <a:rPr lang="nl-BE" dirty="0"/>
+              <a:t>Body {</a:t>
+            </a:r>
+            <a:r>
+              <a:rPr lang="nl-BE" dirty="0" err="1"/>
+              <a:t>color</a:t>
+            </a:r>
+            <a:r>
+              <a:rPr lang="nl-BE" dirty="0"/>
+              <a:t>: red}</a:t>
+            </a:r>
+            <a:br>
+              <a:rPr lang="nl-BE" dirty="0"/>
+            </a:br>
+            <a:r>
+              <a:rPr lang="nl-BE" dirty="0"/>
+              <a:t>p { </a:t>
+            </a:r>
+            <a:r>
+              <a:rPr lang="nl-BE" dirty="0" err="1"/>
+              <a:t>color</a:t>
+            </a:r>
+            <a:r>
+              <a:rPr lang="nl-BE" dirty="0"/>
+              <a:t>: blue}</a:t>
+            </a:r>
+            <a:br>
+              <a:rPr lang="nl-BE" dirty="0"/>
+            </a:br>
+            <a:r>
+              <a:rPr lang="nl-BE" dirty="0"/>
+              <a:t>…</a:t>
+            </a:r>
+            <a:br>
+              <a:rPr lang="nl-BE" dirty="0"/>
+            </a:br>
+            <a:r>
+              <a:rPr lang="nl-BE" dirty="0"/>
+              <a:t>p { </a:t>
+            </a:r>
+            <a:r>
+              <a:rPr lang="nl-BE" dirty="0" err="1"/>
+              <a:t>color</a:t>
+            </a:r>
+            <a:r>
+              <a:rPr lang="nl-BE" dirty="0"/>
+              <a:t>: black}</a:t>
+            </a:r>
           </a:p>
         </p:txBody>
       </p:sp>
@@ -3587,100 +3941,281 @@
         </p:nvSpPr>
         <p:spPr/>
         <p:txBody>
-          <a:bodyPr/>
-          <a:lstStyle/>
-          <a:p>
-            <a:r>
-              <a:rPr lang="nl-BE" dirty="0" smtClean="0"/>
-              <a:t>Opdracht 1</a:t>
+          <a:bodyPr>
+            <a:normAutofit/>
+          </a:bodyPr>
+          <a:lstStyle/>
+          <a:p>
+            <a:r>
+              <a:rPr lang="nl-BE" b="1" dirty="0">
+                <a:solidFill>
+                  <a:srgbClr val="6A93C5"/>
+                </a:solidFill>
+              </a:rPr>
+              <a:t>fragment van een CSS pagina</a:t>
+            </a:r>
+            <a:endParaRPr lang="nl-BE" dirty="0">
+              <a:solidFill>
+                <a:srgbClr val="6A93C5"/>
+              </a:solidFill>
+            </a:endParaRPr>
+          </a:p>
+        </p:txBody>
+      </p:sp>
+      <p:sp>
+        <p:nvSpPr>
+          <p:cNvPr id="3" name="Content Placeholder 2"/>
+          <p:cNvSpPr>
+            <a:spLocks noGrp="1"/>
+          </p:cNvSpPr>
+          <p:nvPr>
+            <p:ph idx="1"/>
+          </p:nvPr>
+        </p:nvSpPr>
+        <p:spPr>
+          <a:xfrm>
+            <a:off x="0" y="1124744"/>
+            <a:ext cx="9144000" cy="6120680"/>
+          </a:xfrm>
+        </p:spPr>
+        <p:txBody>
+          <a:bodyPr>
+            <a:normAutofit fontScale="55000" lnSpcReduction="20000"/>
+          </a:bodyPr>
+          <a:lstStyle/>
+          <a:p>
+            <a:pPr>
+              <a:buNone/>
+            </a:pPr>
+            <a:r>
+              <a:rPr lang="nl-BE" b="1" dirty="0"/>
+              <a:t>p {</a:t>
             </a:r>
             <a:endParaRPr lang="nl-BE" dirty="0"/>
           </a:p>
-        </p:txBody>
-      </p:sp>
-      <p:sp>
-        <p:nvSpPr>
-          <p:cNvPr id="3" name="Content Placeholder 2"/>
-          <p:cNvSpPr>
-            <a:spLocks noGrp="1"/>
-          </p:cNvSpPr>
-          <p:nvPr>
-            <p:ph idx="1"/>
-          </p:nvPr>
-        </p:nvSpPr>
-        <p:spPr/>
-        <p:txBody>
-          <a:bodyPr>
-            <a:noAutofit/>
-          </a:bodyPr>
-          <a:lstStyle/>
-          <a:p>
-            <a:r>
-              <a:rPr lang="nl-BE" sz="2000" dirty="0" smtClean="0"/>
-              <a:t>Open: Opdracht 1 &gt; inleiding.html </a:t>
-            </a:r>
-            <a:endParaRPr lang="nl-BE" sz="2000" dirty="0" smtClean="0"/>
-          </a:p>
-          <a:p>
-            <a:r>
-              <a:rPr lang="nl-BE" sz="2000" i="1" dirty="0" smtClean="0"/>
-              <a:t>Dit is een hoofding. =&gt; HTML Tag:</a:t>
-            </a:r>
-            <a:endParaRPr lang="nl-BE" sz="2000" dirty="0" smtClean="0"/>
-          </a:p>
-          <a:p>
-            <a:r>
-              <a:rPr lang="nl-BE" sz="2000" i="1" dirty="0" smtClean="0"/>
-              <a:t>En dit is een paragraaf. =&gt; HTML Tag:</a:t>
-            </a:r>
-            <a:endParaRPr lang="nl-BE" sz="2000" dirty="0" smtClean="0"/>
-          </a:p>
-          <a:p>
-            <a:r>
-              <a:rPr lang="nl-BE" sz="2000" i="1" dirty="0" smtClean="0"/>
-              <a:t>De afbeeldingen. =&gt; HTML Tag:</a:t>
-            </a:r>
-            <a:endParaRPr lang="nl-BE" sz="2000" dirty="0" smtClean="0"/>
-          </a:p>
-          <a:p>
-            <a:r>
-              <a:rPr lang="nl-BE" sz="2000" i="1" dirty="0" smtClean="0"/>
-              <a:t>De links (extern of intern) . =&gt; HTML Tag:</a:t>
-            </a:r>
-          </a:p>
-          <a:p>
-            <a:r>
-              <a:rPr lang="nl-BE" sz="2000" dirty="0" smtClean="0"/>
-              <a:t>Welke attribuut zou een link of afbeelding bijvoorbeeld zeker moeten hebben? </a:t>
-            </a:r>
-            <a:endParaRPr lang="nl-BE" sz="2000" dirty="0" smtClean="0"/>
-          </a:p>
-          <a:p>
-            <a:r>
-              <a:rPr lang="nl-BE" sz="2000" dirty="0" smtClean="0"/>
-              <a:t>Wat voor attributen zijn nog nuttig voor bijvoorbeeld afbeeldingen</a:t>
-            </a:r>
-            <a:r>
-              <a:rPr lang="nl-BE" sz="2000" dirty="0" smtClean="0"/>
-              <a:t>?</a:t>
-            </a:r>
-          </a:p>
-          <a:p>
-            <a:r>
-              <a:rPr lang="nl-BE" sz="2000" dirty="0" smtClean="0"/>
-              <a:t>Klik op de smiley. Welke combinatie van tags maken dit mogelijk? </a:t>
-            </a:r>
-            <a:endParaRPr lang="nl-BE" sz="2000" dirty="0" smtClean="0"/>
-          </a:p>
-          <a:p>
-            <a:r>
-              <a:rPr lang="nl-BE" sz="2000" dirty="0" smtClean="0"/>
-              <a:t>Wat is de html tag structuur van een navigatie meestal? </a:t>
-            </a:r>
-            <a:endParaRPr lang="nl-BE" sz="2000" dirty="0" smtClean="0"/>
-          </a:p>
-          <a:p>
-            <a:endParaRPr lang="nl-BE" sz="2000" dirty="0"/>
+          <a:p>
+            <a:pPr>
+              <a:buNone/>
+            </a:pPr>
+            <a:r>
+              <a:rPr lang="nl-BE" b="1" dirty="0"/>
+              <a:t>	Color: black; </a:t>
+            </a:r>
+            <a:r>
+              <a:rPr lang="nl-BE" dirty="0"/>
+              <a:t>// Een kleine selectie kleuren kan je bij naam definiëren, de rest met rgb(a), hexa #, …</a:t>
+            </a:r>
+          </a:p>
+          <a:p>
+            <a:pPr>
+              <a:buNone/>
+            </a:pPr>
+            <a:r>
+              <a:rPr lang="nl-BE" b="1" dirty="0"/>
+              <a:t>	Size: 12px; </a:t>
+            </a:r>
+            <a:r>
+              <a:rPr lang="nl-BE" dirty="0"/>
+              <a:t>// Formaten van tekst kunnen in pixels, cm, percentages, …</a:t>
+            </a:r>
+          </a:p>
+          <a:p>
+            <a:pPr>
+              <a:buNone/>
+            </a:pPr>
+            <a:r>
+              <a:rPr lang="nl-BE" b="1" dirty="0"/>
+              <a:t>}</a:t>
+            </a:r>
+            <a:endParaRPr lang="nl-BE" dirty="0"/>
+          </a:p>
+          <a:p>
+            <a:pPr>
+              <a:buNone/>
+            </a:pPr>
+            <a:r>
+              <a:rPr lang="nl-BE" b="1" dirty="0"/>
+              <a:t>/*floatingFooter*/      </a:t>
+            </a:r>
+            <a:r>
+              <a:rPr lang="nl-BE" dirty="0"/>
+              <a:t>// Commentaar in een css pagina is tussen /* Commentaar */</a:t>
+            </a:r>
+          </a:p>
+          <a:p>
+            <a:pPr>
+              <a:buNone/>
+            </a:pPr>
+            <a:r>
+              <a:rPr lang="nl-BE" b="1" dirty="0"/>
+              <a:t>#floatingFooter { </a:t>
+            </a:r>
+            <a:r>
+              <a:rPr lang="nl-BE" dirty="0"/>
+              <a:t>// #ID die in html gedefinieerd werd</a:t>
+            </a:r>
+          </a:p>
+          <a:p>
+            <a:pPr>
+              <a:buNone/>
+            </a:pPr>
+            <a:r>
+              <a:rPr lang="nl-BE" b="1" dirty="0"/>
+              <a:t> 	display: flex; </a:t>
+            </a:r>
+            <a:endParaRPr lang="nl-BE" dirty="0"/>
+          </a:p>
+          <a:p>
+            <a:pPr>
+              <a:buNone/>
+            </a:pPr>
+            <a:r>
+              <a:rPr lang="nl-BE" b="1" dirty="0"/>
+              <a:t>	justify-content: space-around;  </a:t>
+            </a:r>
+            <a:r>
+              <a:rPr lang="nl-BE" dirty="0"/>
+              <a:t>// De inhoud wordt evenredig verdeeld over de breedte van het scherm</a:t>
+            </a:r>
+          </a:p>
+          <a:p>
+            <a:pPr>
+              <a:buNone/>
+            </a:pPr>
+            <a:r>
+              <a:rPr lang="nl-BE" b="1" dirty="0"/>
+              <a:t>	padding-bottom: 30px; </a:t>
+            </a:r>
+            <a:r>
+              <a:rPr lang="nl-BE" dirty="0"/>
+              <a:t>// padding is ruimte tussen de tekst en de rand van de html blok</a:t>
+            </a:r>
+          </a:p>
+          <a:p>
+            <a:pPr>
+              <a:buNone/>
+            </a:pPr>
+            <a:r>
+              <a:rPr lang="nl-BE" b="1" dirty="0"/>
+              <a:t>	border: 2px dotted red; </a:t>
+            </a:r>
+            <a:r>
+              <a:rPr lang="nl-BE" dirty="0"/>
+              <a:t>// de rand van het html blok zal rood, gestippeld en rood zijn</a:t>
+            </a:r>
+          </a:p>
+          <a:p>
+            <a:pPr>
+              <a:buNone/>
+            </a:pPr>
+            <a:r>
+              <a:rPr lang="nl-BE" b="1" dirty="0"/>
+              <a:t>	border-radius: 40px 40px 0 0; </a:t>
+            </a:r>
+            <a:r>
+              <a:rPr lang="nl-BE" dirty="0"/>
+              <a:t>// de rand zal een ronding in linker -en rechterbovenhoek hebben, niet onderaan</a:t>
+            </a:r>
+          </a:p>
+          <a:p>
+            <a:pPr>
+              <a:buNone/>
+            </a:pPr>
+            <a:r>
+              <a:rPr lang="nl-BE" b="1" dirty="0"/>
+              <a:t>}</a:t>
+            </a:r>
+            <a:endParaRPr lang="nl-BE" dirty="0"/>
+          </a:p>
+          <a:p>
+            <a:pPr>
+              <a:buNone/>
+            </a:pPr>
+            <a:r>
+              <a:rPr lang="nl-BE" b="1" dirty="0"/>
+              <a:t>#floatingFooter h4 { </a:t>
+            </a:r>
+            <a:r>
+              <a:rPr lang="nl-BE" dirty="0"/>
+              <a:t>// de hoofding h4 </a:t>
+            </a:r>
+            <a:r>
+              <a:rPr lang="nl-BE" b="1" dirty="0"/>
+              <a:t>in </a:t>
+            </a:r>
+            <a:r>
+              <a:rPr lang="nl-BE" dirty="0"/>
+              <a:t>de html blok met id floatingFooter </a:t>
+            </a:r>
+          </a:p>
+          <a:p>
+            <a:pPr>
+              <a:buNone/>
+            </a:pPr>
+            <a:r>
+              <a:rPr lang="nl-BE" b="1" dirty="0"/>
+              <a:t>	padding-bottom: 5px;</a:t>
+            </a:r>
+            <a:endParaRPr lang="nl-BE" dirty="0"/>
+          </a:p>
+          <a:p>
+            <a:pPr>
+              <a:buNone/>
+            </a:pPr>
+            <a:r>
+              <a:rPr lang="nl-BE" b="1" dirty="0"/>
+              <a:t>	text-decoration: underline; </a:t>
+            </a:r>
+            <a:r>
+              <a:rPr lang="nl-BE" dirty="0"/>
+              <a:t>// tekst wordt onderlijnd</a:t>
+            </a:r>
+          </a:p>
+          <a:p>
+            <a:pPr>
+              <a:buNone/>
+            </a:pPr>
+            <a:r>
+              <a:rPr lang="nl-BE" b="1" dirty="0"/>
+              <a:t>}</a:t>
+            </a:r>
+            <a:endParaRPr lang="nl-BE" dirty="0"/>
+          </a:p>
+          <a:p>
+            <a:pPr>
+              <a:buNone/>
+            </a:pPr>
+            <a:r>
+              <a:rPr lang="nl-BE" b="1" dirty="0"/>
+              <a:t>#floatingFooter {</a:t>
+            </a:r>
+            <a:endParaRPr lang="nl-BE" dirty="0"/>
+          </a:p>
+          <a:p>
+            <a:pPr>
+              <a:buNone/>
+            </a:pPr>
+            <a:r>
+              <a:rPr lang="nl-BE" b="1" dirty="0"/>
+              <a:t>    color: rgb(37, 34, 34); </a:t>
+            </a:r>
+            <a:r>
+              <a:rPr lang="nl-BE" dirty="0"/>
+              <a:t>//red, green, blue percentages geven een kleur weer</a:t>
+            </a:r>
+          </a:p>
+          <a:p>
+            <a:pPr>
+              <a:buNone/>
+            </a:pPr>
+            <a:r>
+              <a:rPr lang="nl-BE" b="1" dirty="0"/>
+              <a:t>}</a:t>
+            </a:r>
+            <a:endParaRPr lang="nl-BE" dirty="0"/>
+          </a:p>
+          <a:p>
+            <a:endParaRPr lang="nl-BE" dirty="0"/>
           </a:p>
         </p:txBody>
       </p:sp>
@@ -3725,10 +4260,13 @@
           <a:lstStyle/>
           <a:p>
             <a:r>
-              <a:rPr lang="nl-BE" dirty="0" smtClean="0"/>
-              <a:t>oplossing</a:t>
-            </a:r>
-            <a:endParaRPr lang="nl-BE" dirty="0"/>
+              <a:rPr lang="nl-BE" dirty="0">
+                <a:solidFill>
+                  <a:srgbClr val="E00049"/>
+                </a:solidFill>
+              </a:rPr>
+              <a:t>Opdracht 1</a:t>
+            </a:r>
           </a:p>
         </p:txBody>
       </p:sp>
@@ -3745,182 +4283,68 @@
         <p:spPr/>
         <p:txBody>
           <a:bodyPr>
-            <a:normAutofit fontScale="62500" lnSpcReduction="20000"/>
+            <a:noAutofit/>
           </a:bodyPr>
           <a:lstStyle/>
           <a:p>
             <a:r>
-              <a:rPr lang="nl-BE" sz="2900" i="1" dirty="0" smtClean="0"/>
-              <a:t>Dit is een hoofding. =&gt; HTML Tag</a:t>
-            </a:r>
-            <a:r>
-              <a:rPr lang="nl-BE" sz="2900" i="1" dirty="0" smtClean="0"/>
-              <a:t>: &lt;h1&gt;&lt;/h1&gt;</a:t>
-            </a:r>
-            <a:endParaRPr lang="nl-BE" sz="2900" dirty="0" smtClean="0"/>
-          </a:p>
-          <a:p>
-            <a:r>
-              <a:rPr lang="nl-BE" sz="2900" i="1" dirty="0" smtClean="0"/>
-              <a:t>En dit is een paragraaf. =&gt; HTML Tag</a:t>
-            </a:r>
-            <a:r>
-              <a:rPr lang="nl-BE" sz="2900" i="1" dirty="0" smtClean="0"/>
-              <a:t>: &lt;p&gt;&lt;/p&gt;</a:t>
-            </a:r>
-            <a:endParaRPr lang="nl-BE" sz="2900" dirty="0" smtClean="0"/>
-          </a:p>
-          <a:p>
-            <a:r>
-              <a:rPr lang="nl-BE" sz="2900" i="1" dirty="0" smtClean="0"/>
-              <a:t>De afbeeldingen. =&gt; HTML Tag</a:t>
-            </a:r>
-            <a:r>
-              <a:rPr lang="nl-BE" sz="2900" i="1" dirty="0" smtClean="0"/>
-              <a:t>: &lt;img&gt;</a:t>
-            </a:r>
-            <a:endParaRPr lang="nl-BE" sz="2900" dirty="0" smtClean="0"/>
-          </a:p>
-          <a:p>
-            <a:r>
-              <a:rPr lang="nl-BE" sz="2900" i="1" dirty="0" smtClean="0"/>
-              <a:t>De links (extern of intern) . =&gt; HTML Tag</a:t>
-            </a:r>
-            <a:r>
-              <a:rPr lang="nl-BE" sz="2900" i="1" dirty="0" smtClean="0"/>
-              <a:t>: &lt;a&gt;&lt;/a&gt;</a:t>
-            </a:r>
-            <a:endParaRPr lang="nl-BE" sz="2900" i="1" dirty="0" smtClean="0"/>
-          </a:p>
-          <a:p>
-            <a:r>
-              <a:rPr lang="nl-BE" sz="2900" dirty="0" smtClean="0"/>
-              <a:t>Welk attribuut  heeft een link </a:t>
-            </a:r>
-            <a:r>
-              <a:rPr lang="nl-BE" sz="2900" dirty="0" smtClean="0"/>
-              <a:t>of </a:t>
-            </a:r>
-            <a:r>
-              <a:rPr lang="nl-BE" sz="2900" dirty="0" smtClean="0"/>
-              <a:t>afbeelding nodig?</a:t>
-            </a:r>
-          </a:p>
-          <a:p>
-            <a:pPr>
-              <a:buNone/>
-            </a:pPr>
-            <a:r>
-              <a:rPr lang="nl-BE" sz="2900" dirty="0" smtClean="0"/>
-              <a:t>	</a:t>
-            </a:r>
-            <a:r>
-              <a:rPr lang="nl-BE" sz="2900" dirty="0" smtClean="0"/>
-              <a:t>href=“gewenste URL”</a:t>
-            </a:r>
-            <a:endParaRPr lang="nl-BE" sz="2900" dirty="0" smtClean="0"/>
-          </a:p>
-          <a:p>
-            <a:r>
-              <a:rPr lang="nl-BE" sz="2900" dirty="0" smtClean="0"/>
-              <a:t>Andere nuttige attributen voor afbeeldingen?</a:t>
-            </a:r>
-          </a:p>
-          <a:p>
-            <a:pPr>
-              <a:buNone/>
-            </a:pPr>
-            <a:r>
-              <a:rPr lang="nl-BE" sz="2900" dirty="0" smtClean="0"/>
-              <a:t>	alt=“beschrijving” </a:t>
-            </a:r>
-            <a:endParaRPr lang="nl-BE" sz="2900" dirty="0" smtClean="0"/>
-          </a:p>
-          <a:p>
-            <a:r>
-              <a:rPr lang="nl-BE" sz="2900" dirty="0" smtClean="0"/>
+              <a:rPr lang="nl-BE" sz="2000" dirty="0"/>
+              <a:t>Open: Opdracht 1 &gt; inleiding.html </a:t>
+            </a:r>
+          </a:p>
+          <a:p>
+            <a:r>
+              <a:rPr lang="nl-BE" sz="2000" i="1" dirty="0"/>
+              <a:t>Dit is een hoofding. =&gt; HTML Tag:</a:t>
+            </a:r>
+            <a:endParaRPr lang="nl-BE" sz="2000" dirty="0"/>
+          </a:p>
+          <a:p>
+            <a:r>
+              <a:rPr lang="nl-BE" sz="2000" i="1" dirty="0"/>
+              <a:t>En dit is een paragraaf. =&gt; HTML Tag:</a:t>
+            </a:r>
+            <a:endParaRPr lang="nl-BE" sz="2000" dirty="0"/>
+          </a:p>
+          <a:p>
+            <a:r>
+              <a:rPr lang="nl-BE" sz="2000" i="1" dirty="0"/>
+              <a:t>De afbeeldingen. =&gt; HTML Tag:</a:t>
+            </a:r>
+            <a:endParaRPr lang="nl-BE" sz="2000" dirty="0"/>
+          </a:p>
+          <a:p>
+            <a:r>
+              <a:rPr lang="nl-BE" sz="2000" i="1" dirty="0"/>
+              <a:t>De links (extern of intern) . =&gt; HTML Tag:</a:t>
+            </a:r>
+          </a:p>
+          <a:p>
+            <a:r>
+              <a:rPr lang="nl-BE" sz="2000" dirty="0"/>
+              <a:t>Welke attribuut zou een link of afbeelding bijvoorbeeld zeker moeten hebben? </a:t>
+            </a:r>
+          </a:p>
+          <a:p>
+            <a:r>
+              <a:rPr lang="nl-BE" sz="2000" dirty="0"/>
+              <a:t>Wat voor attributen zijn nog nuttig voor bijvoorbeeld afbeeldingen?</a:t>
+            </a:r>
+          </a:p>
+          <a:p>
+            <a:r>
+              <a:rPr lang="nl-BE" sz="2000" dirty="0"/>
               <a:t>Klik op de smiley. Welke combinatie van tags maken dit mogelijk? </a:t>
             </a:r>
-            <a:endParaRPr lang="nl-BE" sz="2900" dirty="0" smtClean="0"/>
-          </a:p>
-          <a:p>
-            <a:pPr>
-              <a:buNone/>
-            </a:pPr>
-            <a:r>
-              <a:rPr lang="nl-BE" sz="2900" dirty="0" smtClean="0"/>
-              <a:t>	&lt;a &gt;&lt;img&gt;&lt;/</a:t>
-            </a:r>
-            <a:r>
-              <a:rPr lang="nl-BE" sz="2900" dirty="0" smtClean="0"/>
-              <a:t>a&gt;</a:t>
-            </a:r>
-          </a:p>
-          <a:p>
-            <a:r>
-              <a:rPr lang="nl-BE" sz="2900" dirty="0" smtClean="0"/>
+          </a:p>
+          <a:p>
+            <a:r>
+              <a:rPr lang="nl-BE" sz="2000" dirty="0"/>
               <a:t>Wat is de html tag structuur van een navigatie meestal? </a:t>
             </a:r>
-            <a:endParaRPr lang="nl-BE" sz="2900" dirty="0" smtClean="0"/>
-          </a:p>
-          <a:p>
-            <a:pPr>
-              <a:buNone/>
-            </a:pPr>
-            <a:r>
-              <a:rPr lang="nl-BE" sz="2900" dirty="0" smtClean="0"/>
-              <a:t>	&lt;nav&gt;</a:t>
-            </a:r>
-          </a:p>
-          <a:p>
-            <a:pPr>
-              <a:buNone/>
-            </a:pPr>
-            <a:r>
-              <a:rPr lang="nl-BE" sz="2900" dirty="0" smtClean="0"/>
-              <a:t>	</a:t>
-            </a:r>
-            <a:r>
-              <a:rPr lang="nl-BE" sz="2900" dirty="0" smtClean="0"/>
-              <a:t>	</a:t>
-            </a:r>
-            <a:r>
-              <a:rPr lang="nl-BE" sz="2900" dirty="0" smtClean="0"/>
-              <a:t>&lt;a&gt;&lt;/a&gt;</a:t>
-            </a:r>
-          </a:p>
-          <a:p>
-            <a:pPr>
-              <a:buNone/>
-            </a:pPr>
-            <a:r>
-              <a:rPr lang="nl-BE" sz="2900" dirty="0" smtClean="0"/>
-              <a:t>	</a:t>
-            </a:r>
-            <a:r>
-              <a:rPr lang="nl-BE" sz="2900" dirty="0" smtClean="0"/>
-              <a:t>	&lt;a&gt;&lt;/a&gt;</a:t>
-            </a:r>
-          </a:p>
-          <a:p>
-            <a:pPr>
-              <a:buNone/>
-            </a:pPr>
-            <a:r>
-              <a:rPr lang="nl-BE" sz="2900" dirty="0" smtClean="0"/>
-              <a:t>	</a:t>
-            </a:r>
-            <a:r>
-              <a:rPr lang="nl-BE" sz="2900" dirty="0" smtClean="0"/>
-              <a:t>&lt;/nav&gt;</a:t>
-            </a:r>
-          </a:p>
-          <a:p>
-            <a:r>
-              <a:rPr lang="nl-BE" sz="2900" dirty="0" smtClean="0"/>
-              <a:t>Na te gaan via rechterklik&gt;paginabron weergeven of ctrl+u</a:t>
-            </a:r>
-            <a:endParaRPr lang="nl-BE" sz="2900" dirty="0" smtClean="0"/>
+          </a:p>
+          <a:p>
+            <a:endParaRPr lang="nl-BE" sz="2000" dirty="0"/>
           </a:p>
         </p:txBody>
       </p:sp>
@@ -3965,10 +4389,13 @@
           <a:lstStyle/>
           <a:p>
             <a:r>
-              <a:rPr lang="nl-BE" dirty="0" smtClean="0"/>
-              <a:t>Opdracht 2</a:t>
-            </a:r>
-            <a:endParaRPr lang="nl-BE" dirty="0"/>
+              <a:rPr lang="nl-BE" dirty="0">
+                <a:solidFill>
+                  <a:srgbClr val="6A93C5"/>
+                </a:solidFill>
+              </a:rPr>
+              <a:t>Oplossing – opdracht 1</a:t>
+            </a:r>
           </a:p>
         </p:txBody>
       </p:sp>
@@ -3984,45 +4411,129 @@
         </p:nvSpPr>
         <p:spPr/>
         <p:txBody>
-          <a:bodyPr/>
-          <a:lstStyle/>
-          <a:p>
-            <a:r>
-              <a:rPr lang="nl-BE" dirty="0" smtClean="0"/>
-              <a:t>Navigeer </a:t>
-            </a:r>
-            <a:r>
-              <a:rPr lang="nl-BE" dirty="0" smtClean="0"/>
-              <a:t>Opdracht </a:t>
-            </a:r>
-            <a:r>
-              <a:rPr lang="nl-BE" dirty="0" smtClean="0"/>
-              <a:t>2 &gt; stuctuur.html </a:t>
-            </a:r>
-            <a:endParaRPr lang="nl-BE" dirty="0" smtClean="0"/>
-          </a:p>
-          <a:p>
-            <a:r>
-              <a:rPr lang="nl-BE" dirty="0" smtClean="0"/>
-              <a:t>Rechterklik </a:t>
-            </a:r>
-            <a:r>
-              <a:rPr lang="nl-BE" dirty="0" smtClean="0"/>
-              <a:t>en </a:t>
-            </a:r>
-            <a:r>
-              <a:rPr lang="nl-BE" dirty="0" smtClean="0"/>
-              <a:t>selecteer ‘Paginabron weergeven’. (Ctrl+U)</a:t>
-            </a:r>
-          </a:p>
-          <a:p>
-            <a:r>
-              <a:rPr lang="nl-BE" dirty="0" smtClean="0"/>
-              <a:t>Rechterklik ergens in je html pagina en selecteer ‘Inspecteren’ (Ctrl+Shift+I) en ga naar de Elements tab.</a:t>
-            </a:r>
-          </a:p>
-          <a:p>
-            <a:endParaRPr lang="nl-BE" dirty="0"/>
+          <a:bodyPr>
+            <a:normAutofit fontScale="62500" lnSpcReduction="20000"/>
+          </a:bodyPr>
+          <a:lstStyle/>
+          <a:p>
+            <a:r>
+              <a:rPr lang="nl-BE" sz="2900" i="1" dirty="0"/>
+              <a:t>Dit is een hoofding. =&gt; HTML Tag: &lt;h1&gt;&lt;/h1&gt;</a:t>
+            </a:r>
+            <a:endParaRPr lang="nl-BE" sz="2900" dirty="0"/>
+          </a:p>
+          <a:p>
+            <a:r>
+              <a:rPr lang="nl-BE" sz="2900" i="1" dirty="0"/>
+              <a:t>En dit is een paragraaf. =&gt; HTML Tag: &lt;p&gt;&lt;/p&gt;</a:t>
+            </a:r>
+            <a:endParaRPr lang="nl-BE" sz="2900" dirty="0"/>
+          </a:p>
+          <a:p>
+            <a:r>
+              <a:rPr lang="nl-BE" sz="2900" i="1" dirty="0"/>
+              <a:t>De afbeeldingen. =&gt; HTML Tag: &lt;img&gt;</a:t>
+            </a:r>
+            <a:endParaRPr lang="nl-BE" sz="2900" dirty="0"/>
+          </a:p>
+          <a:p>
+            <a:r>
+              <a:rPr lang="nl-BE" sz="2900" i="1" dirty="0"/>
+              <a:t>De links (extern of intern) . =&gt; HTML Tag: &lt;a&gt;&lt;/a&gt;</a:t>
+            </a:r>
+          </a:p>
+          <a:p>
+            <a:r>
+              <a:rPr lang="nl-BE" sz="2900" dirty="0"/>
+              <a:t>Welk attribuut  heeft een link of afbeelding nodig?</a:t>
+            </a:r>
+          </a:p>
+          <a:p>
+            <a:pPr>
+              <a:buNone/>
+            </a:pPr>
+            <a:r>
+              <a:rPr lang="nl-BE" sz="2900" dirty="0"/>
+              <a:t>	href=“gewenste URL”</a:t>
+            </a:r>
+          </a:p>
+          <a:p>
+            <a:r>
+              <a:rPr lang="nl-BE" sz="2900" dirty="0"/>
+              <a:t>Andere nuttige attributen voor afbeeldingen?</a:t>
+            </a:r>
+          </a:p>
+          <a:p>
+            <a:pPr>
+              <a:buNone/>
+            </a:pPr>
+            <a:r>
+              <a:rPr lang="nl-BE" sz="2900" dirty="0"/>
+              <a:t>	alt=“beschrijving” </a:t>
+            </a:r>
+          </a:p>
+          <a:p>
+            <a:r>
+              <a:rPr lang="nl-BE" sz="2900" dirty="0"/>
+              <a:t>Klik op de smiley. Welke combinatie van tags maken dit mogelijk? </a:t>
+            </a:r>
+          </a:p>
+          <a:p>
+            <a:pPr>
+              <a:buNone/>
+            </a:pPr>
+            <a:r>
+              <a:rPr lang="nl-BE" sz="2900" dirty="0"/>
+              <a:t>	&lt;a &gt;&lt;img&gt;&lt;/a&gt;</a:t>
+            </a:r>
+          </a:p>
+          <a:p>
+            <a:r>
+              <a:rPr lang="nl-BE" sz="2900" dirty="0"/>
+              <a:t>Wat is de html tag structuur van een navigatie meestal? </a:t>
+            </a:r>
+          </a:p>
+          <a:p>
+            <a:pPr>
+              <a:buNone/>
+            </a:pPr>
+            <a:r>
+              <a:rPr lang="nl-BE" sz="2900" dirty="0"/>
+              <a:t>	&lt;nav&gt;</a:t>
+            </a:r>
+          </a:p>
+          <a:p>
+            <a:pPr>
+              <a:buNone/>
+            </a:pPr>
+            <a:r>
+              <a:rPr lang="nl-BE" sz="2900" dirty="0"/>
+              <a:t>		&lt;a&gt;&lt;/a&gt;</a:t>
+            </a:r>
+          </a:p>
+          <a:p>
+            <a:pPr>
+              <a:buNone/>
+            </a:pPr>
+            <a:r>
+              <a:rPr lang="nl-BE" sz="2900" dirty="0"/>
+              <a:t>		&lt;a&gt;&lt;/a&gt;</a:t>
+            </a:r>
+          </a:p>
+          <a:p>
+            <a:pPr>
+              <a:buNone/>
+            </a:pPr>
+            <a:r>
+              <a:rPr lang="nl-BE" sz="2900" dirty="0"/>
+              <a:t>	&lt;/nav&gt;</a:t>
+            </a:r>
+          </a:p>
+          <a:p>
+            <a:r>
+              <a:rPr lang="nl-BE" sz="2900" dirty="0"/>
+              <a:t>Na te gaan via rechterklik&gt;paginabron weergeven of ctrl+u</a:t>
+            </a:r>
           </a:p>
         </p:txBody>
       </p:sp>
@@ -4067,10 +4578,13 @@
           <a:lstStyle/>
           <a:p>
             <a:r>
-              <a:rPr lang="nl-BE" dirty="0" smtClean="0"/>
-              <a:t>Opdracht 3</a:t>
-            </a:r>
-            <a:endParaRPr lang="nl-BE" dirty="0"/>
+              <a:rPr lang="nl-BE" dirty="0">
+                <a:solidFill>
+                  <a:srgbClr val="E00049"/>
+                </a:solidFill>
+              </a:rPr>
+              <a:t>Opdracht 2</a:t>
+            </a:r>
           </a:p>
         </p:txBody>
       </p:sp>
@@ -4086,135 +4600,25 @@
         </p:nvSpPr>
         <p:spPr/>
         <p:txBody>
-          <a:bodyPr>
-            <a:normAutofit fontScale="85000" lnSpcReduction="20000"/>
-          </a:bodyPr>
-          <a:lstStyle/>
-          <a:p>
-            <a:r>
-              <a:rPr lang="nl-BE" dirty="0" smtClean="0"/>
-              <a:t>Navigeer </a:t>
-            </a:r>
-            <a:r>
-              <a:rPr lang="nl-BE" dirty="0" smtClean="0"/>
-              <a:t>naar Opdracht </a:t>
-            </a:r>
-            <a:r>
-              <a:rPr lang="nl-BE" dirty="0" smtClean="0"/>
-              <a:t>3 </a:t>
-            </a:r>
-            <a:r>
-              <a:rPr lang="nl-BE" dirty="0" smtClean="0"/>
-              <a:t>&gt; </a:t>
-            </a:r>
-            <a:r>
-              <a:rPr lang="nl-BE" dirty="0" smtClean="0"/>
-              <a:t>css.html </a:t>
-            </a:r>
-            <a:endParaRPr lang="nl-BE" dirty="0" smtClean="0"/>
-          </a:p>
-          <a:p>
-            <a:r>
-              <a:rPr lang="nl-BE" dirty="0" smtClean="0"/>
-              <a:t>Css </a:t>
-            </a:r>
-            <a:r>
-              <a:rPr lang="nl-BE" dirty="0" smtClean="0"/>
-              <a:t>is van de form</a:t>
-            </a:r>
-            <a:r>
-              <a:rPr lang="nl-BE" dirty="0" smtClean="0"/>
-              <a:t>:</a:t>
-            </a:r>
-            <a:endParaRPr lang="nl-BE" dirty="0" smtClean="0"/>
-          </a:p>
-          <a:p>
-            <a:pPr>
-              <a:buNone/>
-            </a:pPr>
-            <a:r>
-              <a:rPr lang="nl-BE" i="1" dirty="0" smtClean="0"/>
-              <a:t>Html-tag-naam {</a:t>
-            </a:r>
-            <a:endParaRPr lang="nl-BE" dirty="0" smtClean="0"/>
-          </a:p>
-          <a:p>
-            <a:pPr>
-              <a:buNone/>
-            </a:pPr>
-            <a:r>
-              <a:rPr lang="nl-BE" i="1" dirty="0" smtClean="0"/>
-              <a:t>	Eigenschap-naam: eigenschap-waarde;</a:t>
-            </a:r>
-            <a:br>
-              <a:rPr lang="nl-BE" i="1" dirty="0" smtClean="0"/>
-            </a:br>
-            <a:r>
-              <a:rPr lang="nl-BE" i="1" dirty="0" smtClean="0"/>
-              <a:t>Eigenschap-naam</a:t>
-            </a:r>
-            <a:r>
-              <a:rPr lang="nl-BE" i="1" dirty="0" smtClean="0"/>
-              <a:t>: eigenschap-waarde;</a:t>
-            </a:r>
-            <a:endParaRPr lang="nl-BE" dirty="0" smtClean="0"/>
-          </a:p>
-          <a:p>
-            <a:pPr>
-              <a:buNone/>
-            </a:pPr>
-            <a:r>
-              <a:rPr lang="nl-BE" i="1" dirty="0" smtClean="0"/>
-              <a:t>}</a:t>
-            </a:r>
-            <a:endParaRPr lang="nl-BE" dirty="0" smtClean="0"/>
-          </a:p>
-          <a:p>
-            <a:pPr>
-              <a:buNone/>
-            </a:pPr>
-            <a:r>
-              <a:rPr lang="nl-BE" i="1" dirty="0" smtClean="0"/>
-              <a:t>Voorbeeld:</a:t>
-            </a:r>
-            <a:endParaRPr lang="nl-BE" dirty="0" smtClean="0"/>
-          </a:p>
-          <a:p>
-            <a:pPr>
-              <a:buNone/>
-            </a:pPr>
-            <a:r>
-              <a:rPr lang="en-US" i="1" dirty="0" smtClean="0"/>
-              <a:t>h1 { </a:t>
-            </a:r>
-            <a:br>
-              <a:rPr lang="en-US" i="1" dirty="0" smtClean="0"/>
-            </a:br>
-            <a:r>
-              <a:rPr lang="en-US" i="1" dirty="0" smtClean="0"/>
-              <a:t>	color: blue;</a:t>
-            </a:r>
-            <a:br>
-              <a:rPr lang="en-US" i="1" dirty="0" smtClean="0"/>
-            </a:br>
-            <a:r>
-              <a:rPr lang="en-US" i="1" dirty="0" smtClean="0"/>
-              <a:t>	size: 30px</a:t>
-            </a:r>
-            <a:r>
-              <a:rPr lang="en-US" i="1" dirty="0" smtClean="0"/>
-              <a:t>;</a:t>
-            </a:r>
-          </a:p>
-          <a:p>
-            <a:pPr>
-              <a:buNone/>
-            </a:pPr>
-            <a:r>
-              <a:rPr lang="en-US" i="1" dirty="0" smtClean="0"/>
-              <a:t>}</a:t>
-            </a:r>
-            <a:endParaRPr lang="nl-BE" dirty="0" smtClean="0"/>
+          <a:bodyPr/>
+          <a:lstStyle/>
+          <a:p>
+            <a:r>
+              <a:rPr lang="nl-BE" dirty="0"/>
+              <a:t>Navigeer Opdracht 2 &gt; stuctuur.html </a:t>
+            </a:r>
+          </a:p>
+          <a:p>
+            <a:r>
+              <a:rPr lang="nl-BE" dirty="0"/>
+              <a:t>Rechterklik en selecteer ‘Paginabron weergeven’. (Ctrl+U)</a:t>
+            </a:r>
+          </a:p>
+          <a:p>
+            <a:r>
+              <a:rPr lang="nl-BE" dirty="0"/>
+              <a:t>Rechterklik ergens in je html pagina en selecteer ‘Inspecteren’ (Ctrl+Shift+I) en ga naar de Elements tab.</a:t>
+            </a:r>
           </a:p>
           <a:p>
             <a:endParaRPr lang="nl-BE" dirty="0"/>
@@ -4262,56 +4666,125 @@
           <a:lstStyle/>
           <a:p>
             <a:r>
-              <a:rPr lang="nl-BE" dirty="0" smtClean="0"/>
-              <a:t>Oefening 1</a:t>
+              <a:rPr lang="nl-BE" dirty="0">
+                <a:solidFill>
+                  <a:srgbClr val="E00049"/>
+                </a:solidFill>
+              </a:rPr>
+              <a:t>Opdracht 3</a:t>
+            </a:r>
+          </a:p>
+        </p:txBody>
+      </p:sp>
+      <p:sp>
+        <p:nvSpPr>
+          <p:cNvPr id="3" name="Content Placeholder 2"/>
+          <p:cNvSpPr>
+            <a:spLocks noGrp="1"/>
+          </p:cNvSpPr>
+          <p:nvPr>
+            <p:ph idx="1"/>
+          </p:nvPr>
+        </p:nvSpPr>
+        <p:spPr/>
+        <p:txBody>
+          <a:bodyPr>
+            <a:normAutofit fontScale="85000" lnSpcReduction="20000"/>
+          </a:bodyPr>
+          <a:lstStyle/>
+          <a:p>
+            <a:r>
+              <a:rPr lang="nl-BE" dirty="0"/>
+              <a:t>Navigeer naar Opdracht 3 &gt; css.html </a:t>
+            </a:r>
+          </a:p>
+          <a:p>
+            <a:r>
+              <a:rPr lang="nl-BE" dirty="0"/>
+              <a:t>Css is van de form:</a:t>
+            </a:r>
+          </a:p>
+          <a:p>
+            <a:pPr>
+              <a:buNone/>
+            </a:pPr>
+            <a:r>
+              <a:rPr lang="nl-BE" i="1" dirty="0"/>
+              <a:t>Html-tag-naam {</a:t>
             </a:r>
             <a:endParaRPr lang="nl-BE" dirty="0"/>
           </a:p>
-        </p:txBody>
-      </p:sp>
-      <p:sp>
-        <p:nvSpPr>
-          <p:cNvPr id="3" name="Content Placeholder 2"/>
-          <p:cNvSpPr>
-            <a:spLocks noGrp="1"/>
-          </p:cNvSpPr>
-          <p:nvPr>
-            <p:ph idx="1"/>
-          </p:nvPr>
-        </p:nvSpPr>
-        <p:spPr/>
-        <p:txBody>
-          <a:bodyPr/>
-          <a:lstStyle/>
-          <a:p>
-            <a:pPr lvl="0"/>
-            <a:r>
-              <a:rPr lang="nl-BE" dirty="0" smtClean="0"/>
-              <a:t>Verander de achtergrondkleur naar geel</a:t>
-            </a:r>
-          </a:p>
-          <a:p>
-            <a:pPr lvl="0"/>
-            <a:r>
-              <a:rPr lang="nl-BE" dirty="0" smtClean="0"/>
-              <a:t>Welk </a:t>
-            </a:r>
-            <a:r>
-              <a:rPr lang="nl-BE" dirty="0" smtClean="0"/>
-              <a:t>html tag/element is de ‘pagina’?</a:t>
-            </a:r>
-          </a:p>
-          <a:p>
-            <a:pPr lvl="0"/>
-            <a:r>
-              <a:rPr lang="nl-BE" dirty="0" smtClean="0"/>
-              <a:t>Welk css waarde is achtergrond kleur?</a:t>
-            </a:r>
-          </a:p>
           <a:p>
             <a:pPr>
               <a:buNone/>
             </a:pPr>
+            <a:r>
+              <a:rPr lang="nl-BE" i="1" dirty="0"/>
+              <a:t>	Eigenschap-naam: eigenschap-waarde;</a:t>
+            </a:r>
+            <a:br>
+              <a:rPr lang="nl-BE" i="1" dirty="0"/>
+            </a:br>
+            <a:r>
+              <a:rPr lang="nl-BE" i="1" dirty="0"/>
+              <a:t>Eigenschap-naam: eigenschap-waarde;</a:t>
+            </a:r>
+            <a:endParaRPr lang="nl-BE" dirty="0"/>
+          </a:p>
+          <a:p>
+            <a:pPr>
+              <a:buNone/>
+            </a:pPr>
+            <a:r>
+              <a:rPr lang="nl-BE" i="1" dirty="0"/>
+              <a:t>}</a:t>
+            </a:r>
+            <a:endParaRPr lang="nl-BE" dirty="0"/>
+          </a:p>
+          <a:p>
+            <a:pPr>
+              <a:buNone/>
+            </a:pPr>
+            <a:r>
+              <a:rPr lang="nl-BE" i="1" dirty="0"/>
+              <a:t>Voorbeeld:</a:t>
+            </a:r>
+            <a:endParaRPr lang="nl-BE" dirty="0"/>
+          </a:p>
+          <a:p>
+            <a:pPr>
+              <a:buNone/>
+            </a:pPr>
+            <a:r>
+              <a:rPr lang="en-US" i="1" dirty="0"/>
+              <a:t>h1 { </a:t>
+            </a:r>
+            <a:br>
+              <a:rPr lang="en-US" i="1" dirty="0"/>
+            </a:br>
+            <a:r>
+              <a:rPr lang="en-US" i="1" dirty="0"/>
+              <a:t>	color: blue;</a:t>
+            </a:r>
+            <a:br>
+              <a:rPr lang="en-US" i="1" dirty="0"/>
+            </a:br>
+            <a:r>
+              <a:rPr lang="en-US" i="1" dirty="0"/>
+              <a:t>	size: 30px;</a:t>
+            </a:r>
+          </a:p>
+          <a:p>
+            <a:pPr>
+              <a:buNone/>
+            </a:pPr>
+            <a:r>
+              <a:rPr lang="en-US" i="1" dirty="0"/>
+              <a:t>}</a:t>
+            </a:r>
+            <a:endParaRPr lang="nl-BE" dirty="0"/>
+          </a:p>
+          <a:p>
             <a:endParaRPr lang="nl-BE" dirty="0"/>
           </a:p>
         </p:txBody>
@@ -4357,10 +4830,13 @@
           <a:lstStyle/>
           <a:p>
             <a:r>
-              <a:rPr lang="nl-BE" dirty="0" smtClean="0"/>
-              <a:t>Oefeing 2</a:t>
-            </a:r>
-            <a:endParaRPr lang="nl-BE" dirty="0"/>
+              <a:rPr lang="nl-BE" dirty="0">
+                <a:solidFill>
+                  <a:srgbClr val="6A93C5"/>
+                </a:solidFill>
+              </a:rPr>
+              <a:t>Oefening 1</a:t>
+            </a:r>
           </a:p>
         </p:txBody>
       </p:sp>
@@ -4379,22 +4855,30 @@
           <a:bodyPr/>
           <a:lstStyle/>
           <a:p>
-            <a:r>
-              <a:rPr lang="nl-BE" dirty="0" smtClean="0"/>
-              <a:t>Verander het font van de h1 en p elementen naar het courier font</a:t>
-            </a:r>
-          </a:p>
-          <a:p>
-            <a:r>
-              <a:rPr lang="nl-BE" dirty="0" smtClean="0"/>
-              <a:t>Stel </a:t>
-            </a:r>
-            <a:r>
-              <a:rPr lang="nl-BE" dirty="0" smtClean="0"/>
-              <a:t>je weer dezelfde twee vragen als voordien maar nu met h1/p en font.</a:t>
-            </a:r>
-          </a:p>
-          <a:p>
+            <a:pPr lvl="0"/>
+            <a:r>
+              <a:rPr lang="nl-BE" dirty="0"/>
+              <a:t>Verander de achtergrondkleur naar geel</a:t>
+            </a:r>
+          </a:p>
+          <a:p>
+            <a:pPr lvl="0"/>
+            <a:r>
+              <a:rPr lang="nl-BE" dirty="0"/>
+              <a:t>Welk html tag/element is de ‘pagina’?</a:t>
+            </a:r>
+          </a:p>
+          <a:p>
+            <a:pPr lvl="0"/>
+            <a:r>
+              <a:rPr lang="nl-BE" dirty="0"/>
+              <a:t>Welk css waarde is achtergrond kleur?</a:t>
+            </a:r>
+          </a:p>
+          <a:p>
+            <a:pPr>
+              <a:buNone/>
+            </a:pPr>
             <a:endParaRPr lang="nl-BE" dirty="0"/>
           </a:p>
         </p:txBody>
@@ -4440,10 +4924,13 @@
           <a:lstStyle/>
           <a:p>
             <a:r>
-              <a:rPr lang="nl-BE" dirty="0" smtClean="0"/>
-              <a:t>Oefening 3</a:t>
-            </a:r>
-            <a:endParaRPr lang="nl-BE" dirty="0"/>
+              <a:rPr lang="nl-BE" dirty="0">
+                <a:solidFill>
+                  <a:srgbClr val="6A93C5"/>
+                </a:solidFill>
+              </a:rPr>
+              <a:t>Oefening 2</a:t>
+            </a:r>
           </a:p>
         </p:txBody>
       </p:sp>
@@ -4463,9 +4950,17 @@
           <a:lstStyle/>
           <a:p>
             <a:r>
-              <a:rPr lang="nl-BE" dirty="0" smtClean="0"/>
-              <a:t>Verander de kleur van alle paragrafen</a:t>
-            </a:r>
+              <a:rPr lang="nl-BE" dirty="0"/>
+              <a:t>Verander het font van de h1 en p elementen naar het courier font</a:t>
+            </a:r>
+          </a:p>
+          <a:p>
+            <a:r>
+              <a:rPr lang="nl-BE" dirty="0"/>
+              <a:t>Stel je weer dezelfde twee vragen als voordien maar nu met h1/p en font.</a:t>
+            </a:r>
+          </a:p>
+          <a:p>
             <a:endParaRPr lang="nl-BE" dirty="0"/>
           </a:p>
         </p:txBody>
@@ -4511,10 +5006,13 @@
           <a:lstStyle/>
           <a:p>
             <a:r>
-              <a:rPr lang="nl-BE" dirty="0" smtClean="0"/>
-              <a:t>Oefening 4</a:t>
-            </a:r>
-            <a:endParaRPr lang="nl-BE" dirty="0"/>
+              <a:rPr lang="nl-BE" dirty="0">
+                <a:solidFill>
+                  <a:srgbClr val="6A93C5"/>
+                </a:solidFill>
+              </a:rPr>
+              <a:t>Oefening 3</a:t>
+            </a:r>
           </a:p>
         </p:txBody>
       </p:sp>
@@ -4534,35 +5032,9 @@
           <a:lstStyle/>
           <a:p>
             <a:r>
-              <a:rPr lang="nl-BE" dirty="0" smtClean="0"/>
-              <a:t>Geef een rood kader aan alle paragrafen</a:t>
-            </a:r>
-          </a:p>
-          <a:p>
-            <a:r>
-              <a:rPr lang="nl-BE" dirty="0" smtClean="0"/>
-              <a:t>Doe dit met de border eigenschap</a:t>
-            </a:r>
-          </a:p>
-          <a:p>
-            <a:r>
-              <a:rPr lang="nl-BE" dirty="0" smtClean="0"/>
-              <a:t>Deze bestaat uit 3 sub-eigenschappen:</a:t>
-            </a:r>
-          </a:p>
-          <a:p>
-            <a:pPr>
-              <a:buNone/>
-            </a:pPr>
-            <a:r>
-              <a:rPr lang="nl-BE" dirty="0" smtClean="0"/>
-              <a:t>	</a:t>
-            </a:r>
-            <a:r>
-              <a:rPr lang="nl-BE" dirty="0" smtClean="0"/>
-              <a:t>dikte, vorm en kleur</a:t>
-            </a:r>
-            <a:endParaRPr lang="nl-BE" dirty="0"/>
+              <a:rPr lang="nl-BE" dirty="0"/>
+              <a:t>Verander de kleur van alle paragrafen</a:t>
+            </a:r>
           </a:p>
         </p:txBody>
       </p:sp>
@@ -4577,6 +5049,14 @@
 <file path=ppt/slides/slide2.xml><?xml version="1.0" encoding="utf-8"?>
 <p:sld xmlns:a="http://schemas.openxmlformats.org/drawingml/2006/main" xmlns:r="http://schemas.openxmlformats.org/officeDocument/2006/relationships" xmlns:p="http://schemas.openxmlformats.org/presentationml/2006/main">
   <p:cSld>
+    <p:bg>
+      <p:bgPr>
+        <a:solidFill>
+          <a:schemeClr val="bg1"/>
+        </a:solidFill>
+        <a:effectLst/>
+      </p:bgPr>
+    </p:bg>
     <p:spTree>
       <p:nvGrpSpPr>
         <p:cNvPr id="1" name=""/>
@@ -4591,6 +5071,102 @@
           <a:chExt cx="0" cy="0"/>
         </a:xfrm>
       </p:grpSpPr>
+      <p:pic>
+        <p:nvPicPr>
+          <p:cNvPr id="2050" name="Picture 2" descr="Image result for html css">
+            <a:extLst>
+              <a:ext uri="{FF2B5EF4-FFF2-40B4-BE49-F238E27FC236}">
+                <a16:creationId xmlns:a16="http://schemas.microsoft.com/office/drawing/2014/main" id="{44F58253-8743-4006-BF07-567C9FA309C8}"/>
+              </a:ext>
+            </a:extLst>
+          </p:cNvPr>
+          <p:cNvPicPr>
+            <a:picLocks noChangeAspect="1" noChangeArrowheads="1"/>
+          </p:cNvPicPr>
+          <p:nvPr/>
+        </p:nvPicPr>
+        <p:blipFill rotWithShape="1">
+          <a:blip r:embed="rId2">
+            <a:extLst>
+              <a:ext uri="{28A0092B-C50C-407E-A947-70E740481C1C}">
+                <a14:useLocalDpi xmlns:a14="http://schemas.microsoft.com/office/drawing/2010/main" val="0"/>
+              </a:ext>
+            </a:extLst>
+          </a:blip>
+          <a:srcRect r="3500"/>
+          <a:stretch/>
+        </p:blipFill>
+        <p:spPr bwMode="auto">
+          <a:xfrm>
+            <a:off x="-2987" y="10"/>
+            <a:ext cx="9143999" cy="4571990"/>
+          </a:xfrm>
+          <a:prstGeom prst="rect">
+            <a:avLst/>
+          </a:prstGeom>
+          <a:noFill/>
+          <a:extLst>
+            <a:ext uri="{909E8E84-426E-40DD-AFC4-6F175D3DCCD1}">
+              <a14:hiddenFill xmlns:a14="http://schemas.microsoft.com/office/drawing/2010/main">
+                <a:solidFill>
+                  <a:srgbClr val="FFFFFF"/>
+                </a:solidFill>
+              </a14:hiddenFill>
+            </a:ext>
+          </a:extLst>
+        </p:spPr>
+      </p:pic>
+      <p:cxnSp>
+        <p:nvCxnSpPr>
+          <p:cNvPr id="71" name="Straight Connector 70">
+            <a:extLst>
+              <a:ext uri="{FF2B5EF4-FFF2-40B4-BE49-F238E27FC236}">
+                <a16:creationId xmlns:a16="http://schemas.microsoft.com/office/drawing/2014/main" id="{E126E481-B945-4179-BD79-05E96E9B29E1}"/>
+              </a:ext>
+            </a:extLst>
+          </p:cNvPr>
+          <p:cNvCxnSpPr>
+            <a:cxnSpLocks noGrp="1" noRot="1" noChangeAspect="1" noMove="1" noResize="1" noEditPoints="1" noAdjustHandles="1" noChangeArrowheads="1" noChangeShapeType="1"/>
+          </p:cNvCxnSpPr>
+          <p:nvPr>
+            <p:extLst>
+              <p:ext uri="{386F3935-93C4-4BCD-93E2-E3B085C9AB24}">
+                <p16:designElem xmlns:p16="http://schemas.microsoft.com/office/powerpoint/2015/main" val="1"/>
+              </p:ext>
+            </p:extLst>
+          </p:nvPr>
+        </p:nvCxnSpPr>
+        <p:spPr>
+          <a:xfrm flipV="1">
+            <a:off x="6290132" y="5264106"/>
+            <a:ext cx="0" cy="914400"/>
+          </a:xfrm>
+          <a:prstGeom prst="line">
+            <a:avLst/>
+          </a:prstGeom>
+          <a:ln w="19050">
+            <a:solidFill>
+              <a:srgbClr val="FFFFFF">
+                <a:alpha val="80000"/>
+              </a:srgbClr>
+            </a:solidFill>
+          </a:ln>
+        </p:spPr>
+        <p:style>
+          <a:lnRef idx="1">
+            <a:schemeClr val="accent1"/>
+          </a:lnRef>
+          <a:fillRef idx="0">
+            <a:schemeClr val="accent1"/>
+          </a:fillRef>
+          <a:effectRef idx="0">
+            <a:schemeClr val="accent1"/>
+          </a:effectRef>
+          <a:fontRef idx="minor">
+            <a:schemeClr val="tx1"/>
+          </a:fontRef>
+        </p:style>
+      </p:cxnSp>
       <p:sp>
         <p:nvSpPr>
           <p:cNvPr id="2" name="Title 1"/>
@@ -4598,64 +5174,86 @@
             <a:spLocks noGrp="1"/>
           </p:cNvSpPr>
           <p:nvPr>
-            <p:ph type="title"/>
-          </p:nvPr>
-        </p:nvSpPr>
-        <p:spPr/>
-        <p:txBody>
-          <a:bodyPr/>
-          <a:lstStyle/>
-          <a:p>
-            <a:r>
-              <a:rPr lang="nl-BE" dirty="0" smtClean="0"/>
-              <a:t>HTML</a:t>
-            </a:r>
-            <a:endParaRPr lang="nl-BE" dirty="0"/>
-          </a:p>
-        </p:txBody>
-      </p:sp>
-      <p:sp>
-        <p:nvSpPr>
-          <p:cNvPr id="3" name="Content Placeholder 2"/>
-          <p:cNvSpPr>
-            <a:spLocks noGrp="1"/>
-          </p:cNvSpPr>
-          <p:nvPr>
-            <p:ph idx="1"/>
-          </p:nvPr>
-        </p:nvSpPr>
-        <p:spPr/>
-        <p:txBody>
-          <a:bodyPr/>
-          <a:lstStyle/>
-          <a:p>
-            <a:r>
-              <a:rPr lang="nl-BE" dirty="0" smtClean="0"/>
-              <a:t>Bouwsteen van elke webpagina</a:t>
-            </a:r>
-          </a:p>
-          <a:p>
-            <a:r>
-              <a:rPr lang="nl-BE" dirty="0" smtClean="0"/>
-              <a:t>Zichtbaar te maken met ctrl+u of </a:t>
-            </a:r>
-          </a:p>
-          <a:p>
-            <a:pPr>
-              <a:buNone/>
-            </a:pPr>
-            <a:r>
-              <a:rPr lang="nl-BE" dirty="0" smtClean="0"/>
-              <a:t>rechterklik &gt; paginabron weergeven</a:t>
-            </a:r>
-            <a:endParaRPr lang="nl-BE" dirty="0"/>
+            <p:ph type="ctrTitle"/>
+          </p:nvPr>
+        </p:nvSpPr>
+        <p:spPr>
+          <a:xfrm>
+            <a:off x="324852" y="5091762"/>
+            <a:ext cx="5875644" cy="1264588"/>
+          </a:xfrm>
+        </p:spPr>
+        <p:txBody>
+          <a:bodyPr anchor="ctr">
+            <a:normAutofit/>
+          </a:bodyPr>
+          <a:lstStyle/>
+          <a:p>
+            <a:pPr algn="r"/>
+            <a:r>
+              <a:rPr lang="nl-BE" sz="7200" b="1" dirty="0">
+                <a:solidFill>
+                  <a:srgbClr val="E00049"/>
+                </a:solidFill>
+              </a:rPr>
+              <a:t>HTML en CSS</a:t>
+            </a:r>
+          </a:p>
+        </p:txBody>
+      </p:sp>
+      <p:sp>
+        <p:nvSpPr>
+          <p:cNvPr id="3" name="Subtitle 2"/>
+          <p:cNvSpPr>
+            <a:spLocks noGrp="1"/>
+          </p:cNvSpPr>
+          <p:nvPr>
+            <p:ph type="subTitle" idx="1"/>
+          </p:nvPr>
+        </p:nvSpPr>
+        <p:spPr>
+          <a:xfrm>
+            <a:off x="6374330" y="5091763"/>
+            <a:ext cx="2230655" cy="1264587"/>
+          </a:xfrm>
+        </p:spPr>
+        <p:txBody>
+          <a:bodyPr anchor="ctr">
+            <a:normAutofit/>
+          </a:bodyPr>
+          <a:lstStyle/>
+          <a:p>
+            <a:pPr algn="l"/>
+            <a:r>
+              <a:rPr lang="nl-BE" sz="2400" dirty="0">
+                <a:solidFill>
+                  <a:srgbClr val="6A93C5"/>
+                </a:solidFill>
+              </a:rPr>
+              <a:t>Een kleine intro</a:t>
+            </a:r>
+            <a:br>
+              <a:rPr lang="nl-BE" sz="2400" dirty="0">
+                <a:solidFill>
+                  <a:srgbClr val="6A93C5"/>
+                </a:solidFill>
+              </a:rPr>
+            </a:br>
+            <a:r>
+              <a:rPr lang="nl-BE" sz="2400" dirty="0">
+                <a:solidFill>
+                  <a:srgbClr val="6A93C5"/>
+                </a:solidFill>
+              </a:rPr>
+              <a:t>Al van gehoord?</a:t>
+            </a:r>
           </a:p>
         </p:txBody>
       </p:sp>
     </p:spTree>
   </p:cSld>
   <p:clrMapOvr>
-    <a:masterClrMapping/>
+    <a:overrideClrMapping bg1="dk1" tx1="lt1" bg2="dk2" tx2="lt2" accent1="accent1" accent2="accent2" accent3="accent3" accent4="accent4" accent5="accent5" accent6="accent6" hlink="hlink" folHlink="folHlink"/>
   </p:clrMapOvr>
 </p:sld>
 </file>
@@ -4693,10 +5291,13 @@
           <a:lstStyle/>
           <a:p>
             <a:r>
-              <a:rPr lang="nl-BE" dirty="0" smtClean="0"/>
-              <a:t>Oefening 5</a:t>
-            </a:r>
-            <a:endParaRPr lang="nl-BE" dirty="0"/>
+              <a:rPr lang="nl-BE" dirty="0">
+                <a:solidFill>
+                  <a:srgbClr val="6A93C5"/>
+                </a:solidFill>
+              </a:rPr>
+              <a:t>Oefening 4</a:t>
+            </a:r>
           </a:p>
         </p:txBody>
       </p:sp>
@@ -4716,26 +5317,30 @@
           <a:lstStyle/>
           <a:p>
             <a:r>
-              <a:rPr lang="nl-BE" dirty="0" smtClean="0"/>
-              <a:t>Id is uniek in een HTML pagina</a:t>
-            </a:r>
-          </a:p>
-          <a:p>
-            <a:r>
-              <a:rPr lang="nl-BE" dirty="0" smtClean="0"/>
-              <a:t>Aan te spreken met #id-waarde</a:t>
-            </a:r>
-          </a:p>
-          <a:p>
-            <a:r>
-              <a:rPr lang="nl-BE" dirty="0" smtClean="0"/>
-              <a:t>Geef de laatste paragraaf een id met de waarde “special</a:t>
-            </a:r>
-            <a:r>
-              <a:rPr lang="nl-BE" dirty="0" smtClean="0"/>
-              <a:t>”</a:t>
-            </a:r>
-            <a:endParaRPr lang="nl-BE" dirty="0" smtClean="0"/>
+              <a:rPr lang="nl-BE" dirty="0"/>
+              <a:t>Geef een rood kader aan alle paragrafen</a:t>
+            </a:r>
+          </a:p>
+          <a:p>
+            <a:r>
+              <a:rPr lang="nl-BE" dirty="0"/>
+              <a:t>Doe dit met de border eigenschap</a:t>
+            </a:r>
+          </a:p>
+          <a:p>
+            <a:r>
+              <a:rPr lang="nl-BE" dirty="0"/>
+              <a:t>Deze bestaat uit 3 sub-eigenschappen:</a:t>
+            </a:r>
+          </a:p>
+          <a:p>
+            <a:pPr>
+              <a:buNone/>
+            </a:pPr>
+            <a:r>
+              <a:rPr lang="nl-BE" dirty="0"/>
+              <a:t>	dikte, vorm en kleur</a:t>
+            </a:r>
           </a:p>
         </p:txBody>
       </p:sp>
@@ -4780,10 +5385,13 @@
           <a:lstStyle/>
           <a:p>
             <a:r>
-              <a:rPr lang="nl-BE" dirty="0" smtClean="0"/>
-              <a:t>Oefening 6</a:t>
-            </a:r>
-            <a:endParaRPr lang="nl-BE" dirty="0"/>
+              <a:rPr lang="nl-BE" dirty="0">
+                <a:solidFill>
+                  <a:srgbClr val="6A93C5"/>
+                </a:solidFill>
+              </a:rPr>
+              <a:t>Oefening 5</a:t>
+            </a:r>
           </a:p>
         </p:txBody>
       </p:sp>
@@ -4803,26 +5411,20 @@
           <a:lstStyle/>
           <a:p>
             <a:r>
-              <a:rPr lang="nl-BE" dirty="0" smtClean="0"/>
-              <a:t>Id is uniek in een pagina</a:t>
-            </a:r>
-          </a:p>
-          <a:p>
-            <a:r>
-              <a:rPr lang="nl-BE" dirty="0" smtClean="0"/>
-              <a:t>Voor CSS te hergebruiken: Class tag</a:t>
-            </a:r>
-          </a:p>
-          <a:p>
-            <a:r>
-              <a:rPr lang="nl-BE" dirty="0" smtClean="0"/>
-              <a:t>Aan te spreken met .class-waarde</a:t>
-            </a:r>
-          </a:p>
-          <a:p>
-            <a:r>
-              <a:rPr lang="nl-BE" dirty="0" smtClean="0"/>
-              <a:t>Geef alle p elementen class met de waarde “intro”</a:t>
+              <a:rPr lang="nl-BE" dirty="0"/>
+              <a:t>Id is uniek in een HTML pagina</a:t>
+            </a:r>
+          </a:p>
+          <a:p>
+            <a:r>
+              <a:rPr lang="nl-BE" dirty="0"/>
+              <a:t>Aan te spreken met #id-waarde</a:t>
+            </a:r>
+          </a:p>
+          <a:p>
+            <a:r>
+              <a:rPr lang="nl-BE" dirty="0"/>
+              <a:t>Geef de laatste paragraaf een id met de waarde “special”</a:t>
             </a:r>
           </a:p>
         </p:txBody>
@@ -4868,10 +5470,13 @@
           <a:lstStyle/>
           <a:p>
             <a:r>
-              <a:rPr lang="nl-BE" dirty="0" smtClean="0"/>
-              <a:t>Opdracht 4(extra)</a:t>
-            </a:r>
-            <a:endParaRPr lang="nl-BE" dirty="0"/>
+              <a:rPr lang="nl-BE" dirty="0">
+                <a:solidFill>
+                  <a:srgbClr val="6A93C5"/>
+                </a:solidFill>
+              </a:rPr>
+              <a:t>Oefening 6</a:t>
+            </a:r>
           </a:p>
         </p:txBody>
       </p:sp>
@@ -4891,32 +5496,27 @@
           <a:lstStyle/>
           <a:p>
             <a:r>
-              <a:rPr lang="nl-BE" dirty="0" smtClean="0"/>
-              <a:t>Functionaliteit van een site door meer als HTML en CSS</a:t>
-            </a:r>
-          </a:p>
-          <a:p>
-            <a:r>
-              <a:rPr lang="nl-BE" dirty="0" smtClean="0"/>
-              <a:t>Functionaliteit toegekend aan acties met scripts, meestal met javascript gemaakt</a:t>
-            </a:r>
-          </a:p>
-          <a:p>
-            <a:r>
-              <a:rPr lang="nl-BE" dirty="0" smtClean="0"/>
-              <a:t>Navigeer naar Opdracht 4 &gt; </a:t>
-            </a:r>
-            <a:r>
-              <a:rPr lang="nl-BE" dirty="0" smtClean="0"/>
-              <a:t>javascript.html</a:t>
-            </a:r>
-          </a:p>
-          <a:p>
-            <a:r>
-              <a:rPr lang="nl-BE" dirty="0" smtClean="0"/>
-              <a:t>Bekijk code tusse de &lt;script&gt; tags via de paginabron</a:t>
-            </a:r>
-            <a:endParaRPr lang="nl-BE" dirty="0"/>
+              <a:rPr lang="nl-BE" dirty="0"/>
+              <a:t>Id is uniek in een pagina</a:t>
+            </a:r>
+          </a:p>
+          <a:p>
+            <a:r>
+              <a:rPr lang="nl-BE" dirty="0"/>
+              <a:t>Voor CSS te hergebruiken: Class tag</a:t>
+            </a:r>
+          </a:p>
+          <a:p>
+            <a:r>
+              <a:rPr lang="nl-BE" dirty="0"/>
+              <a:t>Aan te spreken met .class-waarde</a:t>
+            </a:r>
+          </a:p>
+          <a:p>
+            <a:r>
+              <a:rPr lang="nl-BE" dirty="0"/>
+              <a:t>Geef alle p elementen class met de waarde “intro”</a:t>
+            </a:r>
           </a:p>
         </p:txBody>
       </p:sp>
@@ -4931,6 +5531,14 @@
 <file path=ppt/slides/slide23.xml><?xml version="1.0" encoding="utf-8"?>
 <p:sld xmlns:a="http://schemas.openxmlformats.org/drawingml/2006/main" xmlns:r="http://schemas.openxmlformats.org/officeDocument/2006/relationships" xmlns:p="http://schemas.openxmlformats.org/presentationml/2006/main">
   <p:cSld>
+    <p:bg>
+      <p:bgPr>
+        <a:solidFill>
+          <a:schemeClr val="bg1"/>
+        </a:solidFill>
+        <a:effectLst/>
+      </p:bgPr>
+    </p:bg>
     <p:spTree>
       <p:nvGrpSpPr>
         <p:cNvPr id="1" name=""/>
@@ -4947,6 +5555,106 @@
       </p:grpSpPr>
       <p:sp>
         <p:nvSpPr>
+          <p:cNvPr id="11" name="Rectangle 10">
+            <a:extLst>
+              <a:ext uri="{FF2B5EF4-FFF2-40B4-BE49-F238E27FC236}">
+                <a16:creationId xmlns:a16="http://schemas.microsoft.com/office/drawing/2014/main" id="{A4AC5506-6312-4701-8D3C-40187889A947}"/>
+              </a:ext>
+            </a:extLst>
+          </p:cNvPr>
+          <p:cNvSpPr>
+            <a:spLocks noGrp="1" noRot="1" noChangeAspect="1" noMove="1" noResize="1" noEditPoints="1" noAdjustHandles="1" noChangeArrowheads="1" noChangeShapeType="1" noTextEdit="1"/>
+          </p:cNvSpPr>
+          <p:nvPr>
+            <p:extLst>
+              <p:ext uri="{386F3935-93C4-4BCD-93E2-E3B085C9AB24}">
+                <p16:designElem xmlns:p16="http://schemas.microsoft.com/office/powerpoint/2015/main" val="1"/>
+              </p:ext>
+            </p:extLst>
+          </p:nvPr>
+        </p:nvSpPr>
+        <p:spPr>
+          <a:xfrm>
+            <a:off x="0" y="651752"/>
+            <a:ext cx="9144000" cy="736551"/>
+          </a:xfrm>
+          <a:prstGeom prst="rect">
+            <a:avLst/>
+          </a:prstGeom>
+          <a:solidFill>
+            <a:schemeClr val="tx1"/>
+          </a:solidFill>
+          <a:ln>
+            <a:noFill/>
+          </a:ln>
+        </p:spPr>
+        <p:style>
+          <a:lnRef idx="2">
+            <a:schemeClr val="accent1">
+              <a:shade val="50000"/>
+            </a:schemeClr>
+          </a:lnRef>
+          <a:fillRef idx="1">
+            <a:schemeClr val="accent1"/>
+          </a:fillRef>
+          <a:effectRef idx="0">
+            <a:schemeClr val="accent1"/>
+          </a:effectRef>
+          <a:fontRef idx="minor">
+            <a:schemeClr val="lt1"/>
+          </a:fontRef>
+        </p:style>
+        <p:txBody>
+          <a:bodyPr rtlCol="0" anchor="ctr"/>
+          <a:lstStyle/>
+          <a:p>
+            <a:pPr algn="ctr"/>
+            <a:endParaRPr lang="en-US"/>
+          </a:p>
+        </p:txBody>
+      </p:sp>
+      <p:pic>
+        <p:nvPicPr>
+          <p:cNvPr id="8" name="Tijdelijke aanduiding voor inhoud 3">
+            <a:extLst>
+              <a:ext uri="{FF2B5EF4-FFF2-40B4-BE49-F238E27FC236}">
+                <a16:creationId xmlns:a16="http://schemas.microsoft.com/office/drawing/2014/main" id="{6169254E-00FC-4A8C-814D-436F1CB65C4B}"/>
+              </a:ext>
+            </a:extLst>
+          </p:cNvPr>
+          <p:cNvPicPr>
+            <a:picLocks noGrp="1"/>
+          </p:cNvPicPr>
+          <p:nvPr>
+            <p:ph idx="1"/>
+          </p:nvPr>
+        </p:nvPicPr>
+        <p:blipFill>
+          <a:blip r:embed="rId2" cstate="print">
+            <a:extLst>
+              <a:ext uri="{28A0092B-C50C-407E-A947-70E740481C1C}">
+                <a14:useLocalDpi xmlns:a14="http://schemas.microsoft.com/office/drawing/2010/main" val="0"/>
+              </a:ext>
+            </a:extLst>
+          </a:blip>
+          <a:srcRect/>
+          <a:stretch>
+            <a:fillRect/>
+          </a:stretch>
+        </p:blipFill>
+        <p:spPr bwMode="auto">
+          <a:xfrm>
+            <a:off x="417399" y="1396588"/>
+            <a:ext cx="8187049" cy="5461411"/>
+          </a:xfrm>
+          <a:prstGeom prst="rect">
+            <a:avLst/>
+          </a:prstGeom>
+          <a:noFill/>
+        </p:spPr>
+      </p:pic>
+      <p:sp>
+        <p:nvSpPr>
           <p:cNvPr id="2" name="Title 1"/>
           <p:cNvSpPr>
             <a:spLocks noGrp="1"/>
@@ -4955,57 +5663,34 @@
             <p:ph type="title"/>
           </p:nvPr>
         </p:nvSpPr>
-        <p:spPr/>
-        <p:txBody>
-          <a:bodyPr/>
-          <a:lstStyle/>
-          <a:p>
-            <a:r>
-              <a:rPr lang="nl-BE" dirty="0" smtClean="0"/>
-              <a:t>oefening</a:t>
-            </a:r>
-            <a:endParaRPr lang="nl-BE" dirty="0"/>
-          </a:p>
-        </p:txBody>
-      </p:sp>
-      <p:sp>
-        <p:nvSpPr>
-          <p:cNvPr id="3" name="Content Placeholder 2"/>
-          <p:cNvSpPr>
-            <a:spLocks noGrp="1"/>
-          </p:cNvSpPr>
-          <p:nvPr>
-            <p:ph idx="1"/>
-          </p:nvPr>
-        </p:nvSpPr>
-        <p:spPr/>
-        <p:txBody>
-          <a:bodyPr/>
-          <a:lstStyle/>
-          <a:p>
-            <a:r>
-              <a:rPr lang="nl-BE" dirty="0" smtClean="0"/>
-              <a:t>Javascript in &lt;script&gt; tags</a:t>
-            </a:r>
-          </a:p>
-          <a:p>
-            <a:r>
-              <a:rPr lang="nl-BE" dirty="0" smtClean="0"/>
-              <a:t>Verwijzen met event attribuut</a:t>
-            </a:r>
-          </a:p>
-          <a:p>
-            <a:r>
-              <a:rPr lang="nl-BE" dirty="0" smtClean="0"/>
-              <a:t>Vb onclick en onmouseover events</a:t>
-            </a:r>
-          </a:p>
-          <a:p>
-            <a:r>
-              <a:rPr lang="nl-BE" dirty="0" smtClean="0"/>
-              <a:t>Maak oefeningen 1-3</a:t>
-            </a:r>
-            <a:endParaRPr lang="nl-BE" dirty="0"/>
+        <p:spPr>
+          <a:xfrm>
+            <a:off x="417399" y="643467"/>
+            <a:ext cx="8408193" cy="744836"/>
+          </a:xfrm>
+        </p:spPr>
+        <p:txBody>
+          <a:bodyPr vert="horz" lIns="91440" tIns="45720" rIns="91440" bIns="45720" rtlCol="0" anchor="ctr">
+            <a:normAutofit/>
+          </a:bodyPr>
+          <a:lstStyle/>
+          <a:p>
+            <a:pPr>
+              <a:lnSpc>
+                <a:spcPct val="90000"/>
+              </a:lnSpc>
+            </a:pPr>
+            <a:r>
+              <a:rPr lang="en-US" sz="2800" kern="1200">
+                <a:solidFill>
+                  <a:schemeClr val="bg1"/>
+                </a:solidFill>
+                <a:latin typeface="+mj-lt"/>
+                <a:ea typeface="+mj-ea"/>
+                <a:cs typeface="+mj-cs"/>
+              </a:rPr>
+              <a:t>In de echte wereld</a:t>
+            </a:r>
           </a:p>
         </p:txBody>
       </p:sp>
@@ -5017,9 +5702,17 @@
 </p:sld>
 </file>
 
-<file path=ppt/slides/slide24.xml><?xml version="1.0" encoding="utf-8"?>
+<file path=ppt/slides/slide3.xml><?xml version="1.0" encoding="utf-8"?>
 <p:sld xmlns:a="http://schemas.openxmlformats.org/drawingml/2006/main" xmlns:r="http://schemas.openxmlformats.org/officeDocument/2006/relationships" xmlns:p="http://schemas.openxmlformats.org/presentationml/2006/main">
   <p:cSld>
+    <p:bg>
+      <p:bgPr>
+        <a:solidFill>
+          <a:schemeClr val="bg1"/>
+        </a:solidFill>
+        <a:effectLst/>
+      </p:bgPr>
+    </p:bg>
     <p:spTree>
       <p:nvGrpSpPr>
         <p:cNvPr id="1" name=""/>
@@ -5036,64 +5729,221 @@
       </p:grpSpPr>
       <p:sp>
         <p:nvSpPr>
-          <p:cNvPr id="2" name="Title 1"/>
-          <p:cNvSpPr>
-            <a:spLocks noGrp="1"/>
-          </p:cNvSpPr>
-          <p:nvPr>
-            <p:ph type="title"/>
-          </p:nvPr>
-        </p:nvSpPr>
-        <p:spPr/>
-        <p:txBody>
-          <a:bodyPr/>
-          <a:lstStyle/>
-          <a:p>
-            <a:r>
-              <a:rPr lang="nl-BE" dirty="0" smtClean="0"/>
-              <a:t>In de echte wereld</a:t>
-            </a:r>
-            <a:endParaRPr lang="nl-BE" dirty="0"/>
-          </a:p>
-        </p:txBody>
-      </p:sp>
-      <p:pic>
-        <p:nvPicPr>
-          <p:cNvPr id="4" name="Afbeelding 3"/>
-          <p:cNvPicPr>
-            <a:picLocks noGrp="1"/>
-          </p:cNvPicPr>
-          <p:nvPr>
-            <p:ph idx="1"/>
-          </p:nvPr>
-        </p:nvPicPr>
-        <p:blipFill>
-          <a:blip r:embed="rId2" cstate="print">
+          <p:cNvPr id="8" name="Rectangle 7">
             <a:extLst>
-              <a:ext uri="{28A0092B-C50C-407E-A947-70E740481C1C}">
-                <a14:useLocalDpi xmlns="" xmlns:wpc="http://schemas.microsoft.com/office/word/2010/wordprocessingCanvas" xmlns:cx="http://schemas.microsoft.com/office/drawing/2014/chartex" xmlns:cx1="http://schemas.microsoft.com/office/drawing/2015/9/8/chartex" xmlns:cx2="http://schemas.microsoft.com/office/drawing/2015/10/21/chartex" xmlns:cx3="http://schemas.microsoft.com/office/drawing/2016/5/9/chartex" xmlns:cx4="http://schemas.microsoft.com/office/drawing/2016/5/10/chartex" xmlns:cx5="http://schemas.microsoft.com/office/drawing/2016/5/11/chartex" xmlns:cx6="http://schemas.microsoft.com/office/drawing/2016/5/12/chartex" xmlns:cx7="http://schemas.microsoft.com/office/drawing/2016/5/13/chartex" xmlns:cx8="http://schemas.microsoft.com/office/drawing/2016/5/14/chartex" xmlns:mc="http://schemas.openxmlformats.org/markup-compatibility/2006" xmlns:aink="http://schemas.microsoft.com/office/drawing/2016/ink" xmlns:am3d="http://schemas.microsoft.com/office/drawing/2017/model3d" xmlns:o="urn:schemas-microsoft-com:office:office" xmlns:m="http://schemas.openxmlformats.org/officeDocument/2006/math" xmlns:v="urn:schemas-microsoft-com:vml" xmlns:wp14="http://schemas.microsoft.com/office/word/2010/wordprocessingDrawing" xmlns:wp="http://schemas.openxmlformats.org/drawingml/2006/wordprocessingDrawing" xmlns:w10="urn:schemas-microsoft-com:office:word" xmlns:w="http://schemas.openxmlformats.org/wordprocessingml/2006/main" xmlns:w14="http://schemas.microsoft.com/office/word/2010/wordml" xmlns:w15="http://schemas.microsoft.com/office/word/2012/wordml" xmlns:w16cid="http://schemas.microsoft.com/office/word/2016/wordml/cid" xmlns:w16se="http://schemas.microsoft.com/office/word/2015/wordml/symex" xmlns:wpg="http://schemas.microsoft.com/office/word/2010/wordprocessingGroup" xmlns:wpi="http://schemas.microsoft.com/office/word/2010/wordprocessingInk" xmlns:wne="http://schemas.microsoft.com/office/word/2006/wordml" xmlns:wps="http://schemas.microsoft.com/office/word/2010/wordprocessingShape" xmlns:a14="http://schemas.microsoft.com/office/drawing/2010/main" xmlns:pic="http://schemas.openxmlformats.org/drawingml/2006/picture" xmlns:lc="http://schemas.openxmlformats.org/drawingml/2006/lockedCanvas" val="0"/>
+              <a:ext uri="{FF2B5EF4-FFF2-40B4-BE49-F238E27FC236}">
+                <a16:creationId xmlns:a16="http://schemas.microsoft.com/office/drawing/2014/main" id="{8D70B121-56F4-4848-B38B-182089D909FA}"/>
               </a:ext>
             </a:extLst>
-          </a:blip>
-          <a:srcRect/>
-          <a:stretch>
-            <a:fillRect/>
-          </a:stretch>
-        </p:blipFill>
-        <p:spPr bwMode="auto">
+          </p:cNvPr>
+          <p:cNvSpPr>
+            <a:spLocks noGrp="1" noRot="1" noChangeAspect="1" noMove="1" noResize="1" noEditPoints="1" noAdjustHandles="1" noChangeArrowheads="1" noChangeShapeType="1" noTextEdit="1"/>
+          </p:cNvSpPr>
+          <p:nvPr>
+            <p:extLst>
+              <p:ext uri="{386F3935-93C4-4BCD-93E2-E3B085C9AB24}">
+                <p16:designElem xmlns:p16="http://schemas.microsoft.com/office/powerpoint/2015/main" val="1"/>
+              </p:ext>
+            </p:extLst>
+          </p:nvPr>
+        </p:nvSpPr>
+        <p:spPr bwMode="ltGray">
           <a:xfrm>
-            <a:off x="323528" y="1124744"/>
-            <a:ext cx="8568951" cy="5472608"/>
+            <a:off x="241173" y="320040"/>
+            <a:ext cx="8661654" cy="6217920"/>
           </a:xfrm>
           <a:prstGeom prst="rect">
             <a:avLst/>
           </a:prstGeom>
-          <a:noFill/>
-          <a:ln>
+          <a:solidFill>
+            <a:schemeClr val="tx1">
+              <a:alpha val="8000"/>
+            </a:schemeClr>
+          </a:solidFill>
+          <a:ln w="127000" cap="sq" cmpd="thinThick">
             <a:noFill/>
           </a:ln>
         </p:spPr>
-      </p:pic>
+        <p:style>
+          <a:lnRef idx="2">
+            <a:schemeClr val="accent1">
+              <a:shade val="50000"/>
+            </a:schemeClr>
+          </a:lnRef>
+          <a:fillRef idx="1">
+            <a:schemeClr val="accent1"/>
+          </a:fillRef>
+          <a:effectRef idx="0">
+            <a:schemeClr val="accent1"/>
+          </a:effectRef>
+          <a:fontRef idx="minor">
+            <a:schemeClr val="lt1"/>
+          </a:fontRef>
+        </p:style>
+        <p:txBody>
+          <a:bodyPr rtlCol="0" anchor="ctr"/>
+          <a:lstStyle/>
+          <a:p>
+            <a:pPr algn="ctr"/>
+            <a:endParaRPr lang="en-US"/>
+          </a:p>
+        </p:txBody>
+      </p:sp>
+      <p:cxnSp>
+        <p:nvCxnSpPr>
+          <p:cNvPr id="10" name="Straight Connector 9">
+            <a:extLst>
+              <a:ext uri="{FF2B5EF4-FFF2-40B4-BE49-F238E27FC236}">
+                <a16:creationId xmlns:a16="http://schemas.microsoft.com/office/drawing/2014/main" id="{2D72A2C9-F3CA-4216-8BAD-FA4C970C3C4E}"/>
+              </a:ext>
+            </a:extLst>
+          </p:cNvPr>
+          <p:cNvCxnSpPr>
+            <a:cxnSpLocks noGrp="1" noRot="1" noChangeAspect="1" noMove="1" noResize="1" noEditPoints="1" noAdjustHandles="1" noChangeArrowheads="1" noChangeShapeType="1"/>
+          </p:cNvCxnSpPr>
+          <p:nvPr>
+            <p:extLst>
+              <p:ext uri="{386F3935-93C4-4BCD-93E2-E3B085C9AB24}">
+                <p16:designElem xmlns:p16="http://schemas.microsoft.com/office/powerpoint/2015/main" val="1"/>
+              </p:ext>
+            </p:extLst>
+          </p:nvPr>
+        </p:nvCxnSpPr>
+        <p:spPr>
+          <a:xfrm>
+            <a:off x="3490722" y="2057400"/>
+            <a:ext cx="0" cy="2743200"/>
+          </a:xfrm>
+          <a:prstGeom prst="line">
+            <a:avLst/>
+          </a:prstGeom>
+          <a:ln w="19050">
+            <a:solidFill>
+              <a:schemeClr val="tx1">
+                <a:lumMod val="85000"/>
+                <a:lumOff val="15000"/>
+              </a:schemeClr>
+            </a:solidFill>
+          </a:ln>
+        </p:spPr>
+        <p:style>
+          <a:lnRef idx="1">
+            <a:schemeClr val="accent1"/>
+          </a:lnRef>
+          <a:fillRef idx="0">
+            <a:schemeClr val="accent1"/>
+          </a:fillRef>
+          <a:effectRef idx="0">
+            <a:schemeClr val="accent1"/>
+          </a:effectRef>
+          <a:fontRef idx="minor">
+            <a:schemeClr val="tx1"/>
+          </a:fontRef>
+        </p:style>
+      </p:cxnSp>
+      <p:sp>
+        <p:nvSpPr>
+          <p:cNvPr id="2" name="Title 1"/>
+          <p:cNvSpPr>
+            <a:spLocks noGrp="1"/>
+          </p:cNvSpPr>
+          <p:nvPr>
+            <p:ph type="title"/>
+          </p:nvPr>
+        </p:nvSpPr>
+        <p:spPr>
+          <a:xfrm>
+            <a:off x="628650" y="963877"/>
+            <a:ext cx="2620771" cy="4930246"/>
+          </a:xfrm>
+        </p:spPr>
+        <p:txBody>
+          <a:bodyPr>
+            <a:normAutofit/>
+          </a:bodyPr>
+          <a:lstStyle/>
+          <a:p>
+            <a:pPr algn="r"/>
+            <a:r>
+              <a:rPr lang="nl-BE" dirty="0">
+                <a:solidFill>
+                  <a:srgbClr val="E00049"/>
+                </a:solidFill>
+              </a:rPr>
+              <a:t>HTML</a:t>
+            </a:r>
+          </a:p>
+        </p:txBody>
+      </p:sp>
+      <p:sp>
+        <p:nvSpPr>
+          <p:cNvPr id="3" name="Content Placeholder 2"/>
+          <p:cNvSpPr>
+            <a:spLocks noGrp="1"/>
+          </p:cNvSpPr>
+          <p:nvPr>
+            <p:ph idx="1"/>
+          </p:nvPr>
+        </p:nvSpPr>
+        <p:spPr>
+          <a:xfrm>
+            <a:off x="3732023" y="963877"/>
+            <a:ext cx="4783327" cy="4930246"/>
+          </a:xfrm>
+        </p:spPr>
+        <p:txBody>
+          <a:bodyPr anchor="ctr">
+            <a:normAutofit/>
+          </a:bodyPr>
+          <a:lstStyle/>
+          <a:p>
+            <a:r>
+              <a:rPr lang="nl-BE" sz="2100" dirty="0"/>
+              <a:t>Bouwsteen van elke webpagina</a:t>
+            </a:r>
+          </a:p>
+          <a:p>
+            <a:r>
+              <a:rPr lang="nl-BE" sz="2100" dirty="0"/>
+              <a:t>HTML tags tussen </a:t>
+            </a:r>
+            <a:r>
+              <a:rPr lang="nl-BE" sz="2100" b="1" dirty="0"/>
+              <a:t>&lt;</a:t>
+            </a:r>
+            <a:r>
+              <a:rPr lang="nl-BE" sz="2100" b="1" dirty="0" err="1"/>
+              <a:t>tagnaam</a:t>
+            </a:r>
+            <a:r>
+              <a:rPr lang="nl-BE" sz="2100" b="1" dirty="0"/>
+              <a:t>&gt; </a:t>
+            </a:r>
+            <a:r>
+              <a:rPr lang="nl-BE" sz="2100" b="1" i="1" dirty="0" err="1"/>
+              <a:t>text</a:t>
+            </a:r>
+            <a:r>
+              <a:rPr lang="nl-BE" sz="2100" b="1" dirty="0"/>
+              <a:t> &lt;/&gt;</a:t>
+            </a:r>
+          </a:p>
+          <a:p>
+            <a:r>
+              <a:rPr lang="nl-BE" sz="2100" dirty="0"/>
+              <a:t>Zichtbaar te maken in een site met </a:t>
+            </a:r>
+            <a:r>
+              <a:rPr lang="nl-BE" sz="2100" dirty="0" err="1"/>
+              <a:t>ctrl+u</a:t>
+            </a:r>
+            <a:r>
+              <a:rPr lang="nl-BE" sz="2100" dirty="0"/>
+              <a:t> of rechterklik &gt; paginabron weergeven</a:t>
+            </a:r>
+          </a:p>
+        </p:txBody>
+      </p:sp>
     </p:spTree>
   </p:cSld>
   <p:clrMapOvr>
@@ -5102,9 +5952,17 @@
 </p:sld>
 </file>
 
-<file path=ppt/slides/slide3.xml><?xml version="1.0" encoding="utf-8"?>
+<file path=ppt/slides/slide4.xml><?xml version="1.0" encoding="utf-8"?>
 <p:sld xmlns:a="http://schemas.openxmlformats.org/drawingml/2006/main" xmlns:r="http://schemas.openxmlformats.org/officeDocument/2006/relationships" xmlns:p="http://schemas.openxmlformats.org/presentationml/2006/main">
   <p:cSld>
+    <p:bg>
+      <p:bgPr>
+        <a:solidFill>
+          <a:schemeClr val="bg1"/>
+        </a:solidFill>
+        <a:effectLst/>
+      </p:bgPr>
+    </p:bg>
     <p:spTree>
       <p:nvGrpSpPr>
         <p:cNvPr id="1" name=""/>
@@ -5121,54 +5979,144 @@
       </p:grpSpPr>
       <p:sp>
         <p:nvSpPr>
-          <p:cNvPr id="2" name="Title 1"/>
-          <p:cNvSpPr>
-            <a:spLocks noGrp="1"/>
-          </p:cNvSpPr>
-          <p:nvPr>
-            <p:ph type="title"/>
-          </p:nvPr>
-        </p:nvSpPr>
-        <p:spPr/>
-        <p:txBody>
-          <a:bodyPr/>
-          <a:lstStyle/>
-          <a:p>
-            <a:r>
-              <a:rPr lang="nl-BE" dirty="0" smtClean="0"/>
-              <a:t>vb</a:t>
-            </a:r>
-            <a:endParaRPr lang="nl-BE" dirty="0"/>
-          </a:p>
-        </p:txBody>
-      </p:sp>
-      <p:sp>
-        <p:nvSpPr>
-          <p:cNvPr id="3" name="Content Placeholder 2"/>
-          <p:cNvSpPr>
-            <a:spLocks noGrp="1"/>
-          </p:cNvSpPr>
-          <p:nvPr>
-            <p:ph idx="1"/>
-          </p:nvPr>
-        </p:nvSpPr>
-        <p:spPr/>
-        <p:txBody>
-          <a:bodyPr>
-            <a:normAutofit/>
-          </a:bodyPr>
-          <a:lstStyle/>
-          <a:p>
-            <a:r>
-              <a:rPr lang="nl-BE" sz="2600" u="sng" dirty="0">
-                <a:hlinkClick r:id="rId2"/>
-              </a:rPr>
-              <a:t>https://en.wikipedia.org/wiki/Rubber_duck_debugging</a:t>
-            </a:r>
-            <a:endParaRPr lang="nl-BE" sz="2600" dirty="0"/>
-          </a:p>
-        </p:txBody>
-      </p:sp>
+          <p:cNvPr id="9" name="Rectangle 8">
+            <a:extLst>
+              <a:ext uri="{FF2B5EF4-FFF2-40B4-BE49-F238E27FC236}">
+                <a16:creationId xmlns:a16="http://schemas.microsoft.com/office/drawing/2014/main" id="{823AC064-BC96-4F32-8AE1-B2FD38754823}"/>
+              </a:ext>
+            </a:extLst>
+          </p:cNvPr>
+          <p:cNvSpPr>
+            <a:spLocks noGrp="1" noRot="1" noChangeAspect="1" noMove="1" noResize="1" noEditPoints="1" noAdjustHandles="1" noChangeArrowheads="1" noChangeShapeType="1" noTextEdit="1"/>
+          </p:cNvSpPr>
+          <p:nvPr>
+            <p:extLst>
+              <p:ext uri="{386F3935-93C4-4BCD-93E2-E3B085C9AB24}">
+                <p16:designElem xmlns:p16="http://schemas.microsoft.com/office/powerpoint/2015/main" val="1"/>
+              </p:ext>
+            </p:extLst>
+          </p:nvPr>
+        </p:nvSpPr>
+        <p:spPr bwMode="ltGray">
+          <a:xfrm>
+            <a:off x="283551" y="4633546"/>
+            <a:ext cx="8579094" cy="1844256"/>
+          </a:xfrm>
+          <a:prstGeom prst="rect">
+            <a:avLst/>
+          </a:prstGeom>
+          <a:solidFill>
+            <a:srgbClr val="404040"/>
+          </a:solidFill>
+          <a:ln w="127000" cap="sq" cmpd="thinThick">
+            <a:solidFill>
+              <a:srgbClr val="404040"/>
+            </a:solidFill>
+          </a:ln>
+        </p:spPr>
+        <p:style>
+          <a:lnRef idx="2">
+            <a:schemeClr val="accent1">
+              <a:shade val="50000"/>
+            </a:schemeClr>
+          </a:lnRef>
+          <a:fillRef idx="1">
+            <a:schemeClr val="accent1"/>
+          </a:fillRef>
+          <a:effectRef idx="0">
+            <a:schemeClr val="accent1"/>
+          </a:effectRef>
+          <a:fontRef idx="minor">
+            <a:schemeClr val="lt1"/>
+          </a:fontRef>
+        </p:style>
+        <p:txBody>
+          <a:bodyPr rtlCol="0" anchor="ctr"/>
+          <a:lstStyle/>
+          <a:p>
+            <a:pPr marL="0" marR="0" lvl="0" indent="0" algn="ctr" defTabSz="914400" rtl="0" eaLnBrk="1" fontAlgn="auto" latinLnBrk="0" hangingPunct="1">
+              <a:lnSpc>
+                <a:spcPct val="100000"/>
+              </a:lnSpc>
+              <a:spcBef>
+                <a:spcPts val="0"/>
+              </a:spcBef>
+              <a:spcAft>
+                <a:spcPts val="0"/>
+              </a:spcAft>
+              <a:buClrTx/>
+              <a:buSzTx/>
+              <a:buFontTx/>
+              <a:buNone/>
+              <a:tabLst/>
+              <a:defRPr/>
+            </a:pPr>
+            <a:endParaRPr kumimoji="0" lang="en-US" sz="1800" b="0" i="0" u="none" strike="noStrike" kern="1200" cap="none" spc="0" normalizeH="0" baseline="0" noProof="0">
+              <a:ln>
+                <a:noFill/>
+              </a:ln>
+              <a:solidFill>
+                <a:prstClr val="white"/>
+              </a:solidFill>
+              <a:effectLst/>
+              <a:uLnTx/>
+              <a:uFillTx/>
+              <a:latin typeface="Calibri" panose="020F0502020204030204"/>
+              <a:ea typeface="+mn-ea"/>
+              <a:cs typeface="+mn-cs"/>
+            </a:endParaRPr>
+          </a:p>
+        </p:txBody>
+      </p:sp>
+      <p:cxnSp>
+        <p:nvCxnSpPr>
+          <p:cNvPr id="11" name="Straight Connector 10">
+            <a:extLst>
+              <a:ext uri="{FF2B5EF4-FFF2-40B4-BE49-F238E27FC236}">
+                <a16:creationId xmlns:a16="http://schemas.microsoft.com/office/drawing/2014/main" id="{7E7C77BC-7138-40B1-A15B-20F57A494629}"/>
+              </a:ext>
+            </a:extLst>
+          </p:cNvPr>
+          <p:cNvCxnSpPr>
+            <a:cxnSpLocks noGrp="1" noRot="1" noChangeAspect="1" noMove="1" noResize="1" noEditPoints="1" noAdjustHandles="1" noChangeArrowheads="1" noChangeShapeType="1"/>
+          </p:cNvCxnSpPr>
+          <p:nvPr>
+            <p:extLst>
+              <p:ext uri="{386F3935-93C4-4BCD-93E2-E3B085C9AB24}">
+                <p16:designElem xmlns:p16="http://schemas.microsoft.com/office/powerpoint/2015/main" val="1"/>
+              </p:ext>
+            </p:extLst>
+          </p:nvPr>
+        </p:nvCxnSpPr>
+        <p:spPr>
+          <a:xfrm>
+            <a:off x="1657350" y="5738691"/>
+            <a:ext cx="5829300" cy="0"/>
+          </a:xfrm>
+          <a:prstGeom prst="line">
+            <a:avLst/>
+          </a:prstGeom>
+          <a:ln w="22225">
+            <a:solidFill>
+              <a:srgbClr val="D9D9D9"/>
+            </a:solidFill>
+          </a:ln>
+        </p:spPr>
+        <p:style>
+          <a:lnRef idx="1">
+            <a:schemeClr val="accent1"/>
+          </a:lnRef>
+          <a:fillRef idx="0">
+            <a:schemeClr val="accent1"/>
+          </a:fillRef>
+          <a:effectRef idx="0">
+            <a:schemeClr val="accent1"/>
+          </a:effectRef>
+          <a:fontRef idx="minor">
+            <a:schemeClr val="tx1"/>
+          </a:fontRef>
+        </p:style>
+      </p:cxnSp>
       <p:pic>
         <p:nvPicPr>
           <p:cNvPr id="4" name="Afbeelding 1"/>
@@ -5176,10 +6124,10 @@
           <p:nvPr/>
         </p:nvPicPr>
         <p:blipFill rotWithShape="1">
-          <a:blip r:embed="rId3" cstate="print">
+          <a:blip r:embed="rId2" cstate="print">
             <a:extLst>
               <a:ext uri="{28A0092B-C50C-407E-A947-70E740481C1C}">
-                <a14:useLocalDpi xmlns:lc="http://schemas.openxmlformats.org/drawingml/2006/lockedCanvas" xmlns:pic="http://schemas.openxmlformats.org/drawingml/2006/picture" xmlns:a14="http://schemas.microsoft.com/office/drawing/2010/main" xmlns:wps="http://schemas.microsoft.com/office/word/2010/wordprocessingShape" xmlns:wne="http://schemas.microsoft.com/office/word/2006/wordml" xmlns:wpi="http://schemas.microsoft.com/office/word/2010/wordprocessingInk" xmlns:wpg="http://schemas.microsoft.com/office/word/2010/wordprocessingGroup" xmlns:w16se="http://schemas.microsoft.com/office/word/2015/wordml/symex" xmlns:w16cid="http://schemas.microsoft.com/office/word/2016/wordml/cid" xmlns:w15="http://schemas.microsoft.com/office/word/2012/wordml" xmlns:w14="http://schemas.microsoft.com/office/word/2010/wordml" xmlns:w="http://schemas.openxmlformats.org/wordprocessingml/2006/main" xmlns:w10="urn:schemas-microsoft-com:office:word" xmlns:wp="http://schemas.openxmlformats.org/drawingml/2006/wordprocessingDrawing" xmlns:wp14="http://schemas.microsoft.com/office/word/2010/wordprocessingDrawing" xmlns:v="urn:schemas-microsoft-com:vml" xmlns:m="http://schemas.openxmlformats.org/officeDocument/2006/math" xmlns:o="urn:schemas-microsoft-com:office:office" xmlns:am3d="http://schemas.microsoft.com/office/drawing/2017/model3d" xmlns:aink="http://schemas.microsoft.com/office/drawing/2016/ink" xmlns:mc="http://schemas.openxmlformats.org/markup-compatibility/2006" xmlns:cx8="http://schemas.microsoft.com/office/drawing/2016/5/14/chartex" xmlns:cx7="http://schemas.microsoft.com/office/drawing/2016/5/13/chartex" xmlns:cx6="http://schemas.microsoft.com/office/drawing/2016/5/12/chartex" xmlns:cx5="http://schemas.microsoft.com/office/drawing/2016/5/11/chartex" xmlns:cx4="http://schemas.microsoft.com/office/drawing/2016/5/10/chartex" xmlns:cx3="http://schemas.microsoft.com/office/drawing/2016/5/9/chartex" xmlns:cx2="http://schemas.microsoft.com/office/drawing/2015/10/21/chartex" xmlns:cx1="http://schemas.microsoft.com/office/drawing/2015/9/8/chartex" xmlns:cx="http://schemas.microsoft.com/office/drawing/2014/chartex" xmlns:wpc="http://schemas.microsoft.com/office/word/2010/wordprocessingCanvas" xmlns="" val="0"/>
+                <a14:useLocalDpi xmlns:a14="http://schemas.microsoft.com/office/drawing/2010/main" val="0"/>
               </a:ext>
             </a:extLst>
           </a:blip>
@@ -5188,28 +6136,125 @@
         </p:blipFill>
         <p:spPr bwMode="auto">
           <a:xfrm>
-            <a:off x="251520" y="2132856"/>
-            <a:ext cx="8496944" cy="4536504"/>
+            <a:off x="827584" y="0"/>
+            <a:ext cx="7488831" cy="4941168"/>
           </a:xfrm>
           <a:prstGeom prst="rect">
             <a:avLst/>
           </a:prstGeom>
-          <a:ln w="9525" cap="flat" cmpd="sng" algn="ctr">
-            <a:solidFill>
-              <a:sysClr val="windowText" lastClr="000000"/>
-            </a:solidFill>
-            <a:prstDash val="solid"/>
-            <a:round/>
-            <a:headEnd type="none" w="med" len="med"/>
-            <a:tailEnd type="none" w="med" len="med"/>
-          </a:ln>
           <a:extLst>
             <a:ext uri="{53640926-AAD7-44D8-BBD7-CCE9431645EC}">
-              <a14:shadowObscured xmlns:lc="http://schemas.openxmlformats.org/drawingml/2006/lockedCanvas" xmlns:pic="http://schemas.openxmlformats.org/drawingml/2006/picture" xmlns:a14="http://schemas.microsoft.com/office/drawing/2010/main" xmlns:wps="http://schemas.microsoft.com/office/word/2010/wordprocessingShape" xmlns:wne="http://schemas.microsoft.com/office/word/2006/wordml" xmlns:wpi="http://schemas.microsoft.com/office/word/2010/wordprocessingInk" xmlns:wpg="http://schemas.microsoft.com/office/word/2010/wordprocessingGroup" xmlns:w16se="http://schemas.microsoft.com/office/word/2015/wordml/symex" xmlns:w16cid="http://schemas.microsoft.com/office/word/2016/wordml/cid" xmlns:w15="http://schemas.microsoft.com/office/word/2012/wordml" xmlns:w14="http://schemas.microsoft.com/office/word/2010/wordml" xmlns:w="http://schemas.openxmlformats.org/wordprocessingml/2006/main" xmlns:w10="urn:schemas-microsoft-com:office:word" xmlns:wp="http://schemas.openxmlformats.org/drawingml/2006/wordprocessingDrawing" xmlns:wp14="http://schemas.microsoft.com/office/word/2010/wordprocessingDrawing" xmlns:v="urn:schemas-microsoft-com:vml" xmlns:m="http://schemas.openxmlformats.org/officeDocument/2006/math" xmlns:o="urn:schemas-microsoft-com:office:office" xmlns:am3d="http://schemas.microsoft.com/office/drawing/2017/model3d" xmlns:aink="http://schemas.microsoft.com/office/drawing/2016/ink" xmlns:mc="http://schemas.openxmlformats.org/markup-compatibility/2006" xmlns:cx8="http://schemas.microsoft.com/office/drawing/2016/5/14/chartex" xmlns:cx7="http://schemas.microsoft.com/office/drawing/2016/5/13/chartex" xmlns:cx6="http://schemas.microsoft.com/office/drawing/2016/5/12/chartex" xmlns:cx5="http://schemas.microsoft.com/office/drawing/2016/5/11/chartex" xmlns:cx4="http://schemas.microsoft.com/office/drawing/2016/5/10/chartex" xmlns:cx3="http://schemas.microsoft.com/office/drawing/2016/5/9/chartex" xmlns:cx2="http://schemas.microsoft.com/office/drawing/2015/10/21/chartex" xmlns:cx1="http://schemas.microsoft.com/office/drawing/2015/9/8/chartex" xmlns:cx="http://schemas.microsoft.com/office/drawing/2014/chartex" xmlns:wpc="http://schemas.microsoft.com/office/word/2010/wordprocessingCanvas" xmlns=""/>
+              <a14:shadowObscured xmlns:a14="http://schemas.microsoft.com/office/drawing/2010/main"/>
             </a:ext>
           </a:extLst>
         </p:spPr>
       </p:pic>
+      <p:sp>
+        <p:nvSpPr>
+          <p:cNvPr id="2" name="Title 1"/>
+          <p:cNvSpPr>
+            <a:spLocks noGrp="1"/>
+          </p:cNvSpPr>
+          <p:nvPr>
+            <p:ph type="title"/>
+          </p:nvPr>
+        </p:nvSpPr>
+        <p:spPr>
+          <a:xfrm>
+            <a:off x="395653" y="4756638"/>
+            <a:ext cx="8354891" cy="930447"/>
+          </a:xfrm>
+        </p:spPr>
+        <p:txBody>
+          <a:bodyPr vert="horz" lIns="91440" tIns="45720" rIns="91440" bIns="45720" rtlCol="0" anchor="b">
+            <a:normAutofit/>
+          </a:bodyPr>
+          <a:lstStyle/>
+          <a:p>
+            <a:pPr>
+              <a:lnSpc>
+                <a:spcPct val="90000"/>
+              </a:lnSpc>
+            </a:pPr>
+            <a:r>
+              <a:rPr lang="en-US" sz="4700" kern="1200" dirty="0" err="1">
+                <a:solidFill>
+                  <a:schemeClr val="bg1"/>
+                </a:solidFill>
+                <a:latin typeface="+mj-lt"/>
+                <a:ea typeface="+mj-ea"/>
+                <a:cs typeface="+mj-cs"/>
+              </a:rPr>
+              <a:t>Voorbeeld</a:t>
+            </a:r>
+            <a:r>
+              <a:rPr lang="en-US" sz="4700" kern="1200" dirty="0">
+                <a:solidFill>
+                  <a:schemeClr val="bg1"/>
+                </a:solidFill>
+                <a:latin typeface="+mj-lt"/>
+                <a:ea typeface="+mj-ea"/>
+                <a:cs typeface="+mj-cs"/>
+              </a:rPr>
+              <a:t> HTML segment</a:t>
+            </a:r>
+          </a:p>
+        </p:txBody>
+      </p:sp>
+      <p:sp>
+        <p:nvSpPr>
+          <p:cNvPr id="3" name="Content Placeholder 2"/>
+          <p:cNvSpPr>
+            <a:spLocks noGrp="1"/>
+          </p:cNvSpPr>
+          <p:nvPr>
+            <p:ph idx="1"/>
+          </p:nvPr>
+        </p:nvSpPr>
+        <p:spPr>
+          <a:xfrm>
+            <a:off x="1004521" y="5815698"/>
+            <a:ext cx="6858000" cy="420001"/>
+          </a:xfrm>
+        </p:spPr>
+        <p:txBody>
+          <a:bodyPr vert="horz" lIns="91440" tIns="45720" rIns="91440" bIns="45720" rtlCol="0">
+            <a:normAutofit/>
+          </a:bodyPr>
+          <a:lstStyle/>
+          <a:p>
+            <a:pPr marL="0" indent="0" algn="ctr">
+              <a:lnSpc>
+                <a:spcPct val="90000"/>
+              </a:lnSpc>
+              <a:spcBef>
+                <a:spcPts val="1000"/>
+              </a:spcBef>
+              <a:buNone/>
+            </a:pPr>
+            <a:r>
+              <a:rPr lang="en-US" sz="1700" u="sng" kern="1200" dirty="0">
+                <a:solidFill>
+                  <a:srgbClr val="FF491C"/>
+                </a:solidFill>
+                <a:latin typeface="+mn-lt"/>
+                <a:ea typeface="+mn-ea"/>
+                <a:cs typeface="+mn-cs"/>
+                <a:hlinkClick r:id="rId3"/>
+              </a:rPr>
+              <a:t>https://en.wikipedia.org/wiki/Rubber_duck_debugging</a:t>
+            </a:r>
+            <a:endParaRPr lang="en-US" sz="1700" kern="1200" dirty="0">
+              <a:solidFill>
+                <a:srgbClr val="FF491C"/>
+              </a:solidFill>
+              <a:latin typeface="+mn-lt"/>
+              <a:ea typeface="+mn-ea"/>
+              <a:cs typeface="+mn-cs"/>
+            </a:endParaRPr>
+          </a:p>
+        </p:txBody>
+      </p:sp>
     </p:spTree>
   </p:cSld>
   <p:clrMapOvr>
@@ -5218,9 +6263,17 @@
 </p:sld>
 </file>
 
-<file path=ppt/slides/slide4.xml><?xml version="1.0" encoding="utf-8"?>
+<file path=ppt/slides/slide5.xml><?xml version="1.0" encoding="utf-8"?>
 <p:sld xmlns:a="http://schemas.openxmlformats.org/drawingml/2006/main" xmlns:r="http://schemas.openxmlformats.org/officeDocument/2006/relationships" xmlns:p="http://schemas.openxmlformats.org/presentationml/2006/main">
   <p:cSld>
+    <p:bg>
+      <p:bgPr>
+        <a:solidFill>
+          <a:schemeClr val="bg1"/>
+        </a:solidFill>
+        <a:effectLst/>
+      </p:bgPr>
+    </p:bg>
     <p:spTree>
       <p:nvGrpSpPr>
         <p:cNvPr id="1" name=""/>
@@ -5237,6 +6290,120 @@
       </p:grpSpPr>
       <p:sp>
         <p:nvSpPr>
+          <p:cNvPr id="8" name="Rectangle 7">
+            <a:extLst>
+              <a:ext uri="{FF2B5EF4-FFF2-40B4-BE49-F238E27FC236}">
+                <a16:creationId xmlns:a16="http://schemas.microsoft.com/office/drawing/2014/main" id="{8D70B121-56F4-4848-B38B-182089D909FA}"/>
+              </a:ext>
+            </a:extLst>
+          </p:cNvPr>
+          <p:cNvSpPr>
+            <a:spLocks noGrp="1" noRot="1" noChangeAspect="1" noMove="1" noResize="1" noEditPoints="1" noAdjustHandles="1" noChangeArrowheads="1" noChangeShapeType="1" noTextEdit="1"/>
+          </p:cNvSpPr>
+          <p:nvPr>
+            <p:extLst>
+              <p:ext uri="{386F3935-93C4-4BCD-93E2-E3B085C9AB24}">
+                <p16:designElem xmlns:p16="http://schemas.microsoft.com/office/powerpoint/2015/main" val="1"/>
+              </p:ext>
+            </p:extLst>
+          </p:nvPr>
+        </p:nvSpPr>
+        <p:spPr bwMode="ltGray">
+          <a:xfrm>
+            <a:off x="241173" y="320040"/>
+            <a:ext cx="8661654" cy="6217920"/>
+          </a:xfrm>
+          <a:prstGeom prst="rect">
+            <a:avLst/>
+          </a:prstGeom>
+          <a:solidFill>
+            <a:schemeClr val="tx1">
+              <a:alpha val="8000"/>
+            </a:schemeClr>
+          </a:solidFill>
+          <a:ln w="127000" cap="sq" cmpd="thinThick">
+            <a:noFill/>
+          </a:ln>
+        </p:spPr>
+        <p:style>
+          <a:lnRef idx="2">
+            <a:schemeClr val="accent1">
+              <a:shade val="50000"/>
+            </a:schemeClr>
+          </a:lnRef>
+          <a:fillRef idx="1">
+            <a:schemeClr val="accent1"/>
+          </a:fillRef>
+          <a:effectRef idx="0">
+            <a:schemeClr val="accent1"/>
+          </a:effectRef>
+          <a:fontRef idx="minor">
+            <a:schemeClr val="lt1"/>
+          </a:fontRef>
+        </p:style>
+        <p:txBody>
+          <a:bodyPr rtlCol="0" anchor="ctr"/>
+          <a:lstStyle/>
+          <a:p>
+            <a:pPr algn="ctr"/>
+            <a:endParaRPr lang="en-US"/>
+          </a:p>
+        </p:txBody>
+      </p:sp>
+      <p:cxnSp>
+        <p:nvCxnSpPr>
+          <p:cNvPr id="10" name="Straight Connector 9">
+            <a:extLst>
+              <a:ext uri="{FF2B5EF4-FFF2-40B4-BE49-F238E27FC236}">
+                <a16:creationId xmlns:a16="http://schemas.microsoft.com/office/drawing/2014/main" id="{2D72A2C9-F3CA-4216-8BAD-FA4C970C3C4E}"/>
+              </a:ext>
+            </a:extLst>
+          </p:cNvPr>
+          <p:cNvCxnSpPr>
+            <a:cxnSpLocks noGrp="1" noRot="1" noChangeAspect="1" noMove="1" noResize="1" noEditPoints="1" noAdjustHandles="1" noChangeArrowheads="1" noChangeShapeType="1"/>
+          </p:cNvCxnSpPr>
+          <p:nvPr>
+            <p:extLst>
+              <p:ext uri="{386F3935-93C4-4BCD-93E2-E3B085C9AB24}">
+                <p16:designElem xmlns:p16="http://schemas.microsoft.com/office/powerpoint/2015/main" val="1"/>
+              </p:ext>
+            </p:extLst>
+          </p:nvPr>
+        </p:nvCxnSpPr>
+        <p:spPr>
+          <a:xfrm>
+            <a:off x="3490722" y="2057400"/>
+            <a:ext cx="0" cy="2743200"/>
+          </a:xfrm>
+          <a:prstGeom prst="line">
+            <a:avLst/>
+          </a:prstGeom>
+          <a:ln w="19050">
+            <a:solidFill>
+              <a:schemeClr val="tx1">
+                <a:lumMod val="85000"/>
+                <a:lumOff val="15000"/>
+              </a:schemeClr>
+            </a:solidFill>
+          </a:ln>
+        </p:spPr>
+        <p:style>
+          <a:lnRef idx="1">
+            <a:schemeClr val="accent1"/>
+          </a:lnRef>
+          <a:fillRef idx="0">
+            <a:schemeClr val="accent1"/>
+          </a:fillRef>
+          <a:effectRef idx="0">
+            <a:schemeClr val="accent1"/>
+          </a:effectRef>
+          <a:fontRef idx="minor">
+            <a:schemeClr val="tx1"/>
+          </a:fontRef>
+        </p:style>
+      </p:cxnSp>
+      <p:sp>
+        <p:nvSpPr>
           <p:cNvPr id="2" name="Title 1"/>
           <p:cNvSpPr>
             <a:spLocks noGrp="1"/>
@@ -5245,16 +6412,27 @@
             <p:ph type="title"/>
           </p:nvPr>
         </p:nvSpPr>
-        <p:spPr/>
-        <p:txBody>
-          <a:bodyPr/>
-          <a:lstStyle/>
-          <a:p>
-            <a:r>
-              <a:rPr lang="nl-BE" dirty="0" smtClean="0"/>
+        <p:spPr>
+          <a:xfrm>
+            <a:off x="628650" y="963877"/>
+            <a:ext cx="2620771" cy="4930246"/>
+          </a:xfrm>
+        </p:spPr>
+        <p:txBody>
+          <a:bodyPr>
+            <a:normAutofit/>
+          </a:bodyPr>
+          <a:lstStyle/>
+          <a:p>
+            <a:pPr algn="r"/>
+            <a:r>
+              <a:rPr lang="nl-BE" dirty="0">
+                <a:solidFill>
+                  <a:srgbClr val="E00049"/>
+                </a:solidFill>
+              </a:rPr>
               <a:t>HTML</a:t>
             </a:r>
-            <a:endParaRPr lang="nl-BE" dirty="0"/>
           </a:p>
         </p:txBody>
       </p:sp>
@@ -5268,22 +6446,34 @@
             <p:ph idx="1"/>
           </p:nvPr>
         </p:nvSpPr>
-        <p:spPr/>
-        <p:txBody>
-          <a:bodyPr/>
-          <a:lstStyle/>
-          <a:p>
-            <a:r>
-              <a:rPr lang="nl-BE" dirty="0" smtClean="0"/>
-              <a:t>Secties gedefinieerd foor HTML hebben een stadaard opmaak</a:t>
-            </a:r>
-          </a:p>
-          <a:p>
-            <a:r>
-              <a:rPr lang="nl-BE" dirty="0" smtClean="0"/>
-              <a:t>Gewenste opmaak definieerbaar via CSS</a:t>
-            </a:r>
-            <a:endParaRPr lang="nl-BE" dirty="0"/>
+        <p:spPr>
+          <a:xfrm>
+            <a:off x="3732023" y="963877"/>
+            <a:ext cx="4783327" cy="4930246"/>
+          </a:xfrm>
+        </p:spPr>
+        <p:txBody>
+          <a:bodyPr anchor="ctr">
+            <a:normAutofit/>
+          </a:bodyPr>
+          <a:lstStyle/>
+          <a:p>
+            <a:r>
+              <a:rPr lang="nl-BE" sz="2100" dirty="0"/>
+              <a:t>= WAT een bepaald deel van een site is (paragraaf, link, …), niet echt opmaal</a:t>
+            </a:r>
+          </a:p>
+          <a:p>
+            <a:r>
+              <a:rPr lang="nl-BE" sz="2100" dirty="0"/>
+              <a:t>HTML tags/secties wel een browser gedefinieerde standaard opmaak</a:t>
+            </a:r>
+          </a:p>
+          <a:p>
+            <a:r>
+              <a:rPr lang="nl-BE" sz="2100" dirty="0"/>
+              <a:t>Gewenste opmaak veranderbaar via CSS</a:t>
+            </a:r>
           </a:p>
         </p:txBody>
       </p:sp>
@@ -5295,9 +6485,17 @@
 </p:sld>
 </file>
 
-<file path=ppt/slides/slide5.xml><?xml version="1.0" encoding="utf-8"?>
+<file path=ppt/slides/slide6.xml><?xml version="1.0" encoding="utf-8"?>
 <p:sld xmlns:a="http://schemas.openxmlformats.org/drawingml/2006/main" xmlns:r="http://schemas.openxmlformats.org/officeDocument/2006/relationships" xmlns:p="http://schemas.openxmlformats.org/presentationml/2006/main">
   <p:cSld>
+    <p:bg>
+      <p:bgPr>
+        <a:solidFill>
+          <a:schemeClr val="bg1"/>
+        </a:solidFill>
+        <a:effectLst/>
+      </p:bgPr>
+    </p:bg>
     <p:spTree>
       <p:nvGrpSpPr>
         <p:cNvPr id="1" name=""/>
@@ -5314,53 +6512,73 @@
       </p:grpSpPr>
       <p:sp>
         <p:nvSpPr>
-          <p:cNvPr id="2" name="Title 1"/>
-          <p:cNvSpPr>
-            <a:spLocks noGrp="1"/>
-          </p:cNvSpPr>
-          <p:nvPr>
-            <p:ph type="title"/>
-          </p:nvPr>
-        </p:nvSpPr>
-        <p:spPr/>
-        <p:txBody>
-          <a:bodyPr/>
-          <a:lstStyle/>
-          <a:p>
-            <a:r>
-              <a:rPr lang="nl-BE" dirty="0" smtClean="0"/>
-              <a:t>vb</a:t>
-            </a:r>
-            <a:endParaRPr lang="nl-BE" dirty="0"/>
-          </a:p>
-        </p:txBody>
-      </p:sp>
-      <p:sp>
-        <p:nvSpPr>
-          <p:cNvPr id="3" name="Content Placeholder 2"/>
-          <p:cNvSpPr>
-            <a:spLocks noGrp="1"/>
-          </p:cNvSpPr>
-          <p:nvPr>
-            <p:ph idx="1"/>
-          </p:nvPr>
-        </p:nvSpPr>
-        <p:spPr/>
-        <p:txBody>
-          <a:bodyPr/>
-          <a:lstStyle/>
-          <a:p>
-            <a:r>
-              <a:rPr lang="nl-BE" dirty="0" smtClean="0"/>
-              <a:t>Pagina zonder CSS</a:t>
-            </a:r>
-            <a:endParaRPr lang="nl-BE" dirty="0"/>
+          <p:cNvPr id="10" name="Rectangle 9">
+            <a:extLst>
+              <a:ext uri="{FF2B5EF4-FFF2-40B4-BE49-F238E27FC236}">
+                <a16:creationId xmlns:a16="http://schemas.microsoft.com/office/drawing/2014/main" id="{A4AC5506-6312-4701-8D3C-40187889A947}"/>
+              </a:ext>
+            </a:extLst>
+          </p:cNvPr>
+          <p:cNvSpPr>
+            <a:spLocks noGrp="1" noRot="1" noChangeAspect="1" noMove="1" noResize="1" noEditPoints="1" noAdjustHandles="1" noChangeArrowheads="1" noChangeShapeType="1" noTextEdit="1"/>
+          </p:cNvSpPr>
+          <p:nvPr>
+            <p:extLst>
+              <p:ext uri="{386F3935-93C4-4BCD-93E2-E3B085C9AB24}">
+                <p16:designElem xmlns:p16="http://schemas.microsoft.com/office/powerpoint/2015/main" val="1"/>
+              </p:ext>
+            </p:extLst>
+          </p:nvPr>
+        </p:nvSpPr>
+        <p:spPr>
+          <a:xfrm>
+            <a:off x="0" y="651752"/>
+            <a:ext cx="9144000" cy="736551"/>
+          </a:xfrm>
+          <a:prstGeom prst="rect">
+            <a:avLst/>
+          </a:prstGeom>
+          <a:solidFill>
+            <a:schemeClr val="tx1"/>
+          </a:solidFill>
+          <a:ln>
+            <a:noFill/>
+          </a:ln>
+        </p:spPr>
+        <p:style>
+          <a:lnRef idx="2">
+            <a:schemeClr val="accent1">
+              <a:shade val="50000"/>
+            </a:schemeClr>
+          </a:lnRef>
+          <a:fillRef idx="1">
+            <a:schemeClr val="accent1"/>
+          </a:fillRef>
+          <a:effectRef idx="0">
+            <a:schemeClr val="accent1"/>
+          </a:effectRef>
+          <a:fontRef idx="minor">
+            <a:schemeClr val="lt1"/>
+          </a:fontRef>
+        </p:style>
+        <p:txBody>
+          <a:bodyPr rtlCol="0" anchor="ctr"/>
+          <a:lstStyle/>
+          <a:p>
+            <a:pPr algn="ctr"/>
+            <a:endParaRPr lang="en-US"/>
           </a:p>
         </p:txBody>
       </p:sp>
       <p:pic>
         <p:nvPicPr>
-          <p:cNvPr id="4" name="Afbeelding 2"/>
+          <p:cNvPr id="5" name="Afbeelding 2">
+            <a:extLst>
+              <a:ext uri="{FF2B5EF4-FFF2-40B4-BE49-F238E27FC236}">
+                <a16:creationId xmlns:a16="http://schemas.microsoft.com/office/drawing/2014/main" id="{CC317D6F-DBA9-4D07-936D-72EC0E191DD9}"/>
+              </a:ext>
+            </a:extLst>
+          </p:cNvPr>
           <p:cNvPicPr/>
           <p:nvPr/>
         </p:nvPicPr>
@@ -5368,7 +6586,7 @@
           <a:blip r:embed="rId2" cstate="print">
             <a:extLst>
               <a:ext uri="{28A0092B-C50C-407E-A947-70E740481C1C}">
-                <a14:useLocalDpi xmlns:lc="http://schemas.openxmlformats.org/drawingml/2006/lockedCanvas" xmlns:pic="http://schemas.openxmlformats.org/drawingml/2006/picture" xmlns:a14="http://schemas.microsoft.com/office/drawing/2010/main" xmlns:wps="http://schemas.microsoft.com/office/word/2010/wordprocessingShape" xmlns:wne="http://schemas.microsoft.com/office/word/2006/wordml" xmlns:wpi="http://schemas.microsoft.com/office/word/2010/wordprocessingInk" xmlns:wpg="http://schemas.microsoft.com/office/word/2010/wordprocessingGroup" xmlns:w16se="http://schemas.microsoft.com/office/word/2015/wordml/symex" xmlns:w16cid="http://schemas.microsoft.com/office/word/2016/wordml/cid" xmlns:w15="http://schemas.microsoft.com/office/word/2012/wordml" xmlns:w14="http://schemas.microsoft.com/office/word/2010/wordml" xmlns:w="http://schemas.openxmlformats.org/wordprocessingml/2006/main" xmlns:w10="urn:schemas-microsoft-com:office:word" xmlns:wp="http://schemas.openxmlformats.org/drawingml/2006/wordprocessingDrawing" xmlns:wp14="http://schemas.microsoft.com/office/word/2010/wordprocessingDrawing" xmlns:v="urn:schemas-microsoft-com:vml" xmlns:m="http://schemas.openxmlformats.org/officeDocument/2006/math" xmlns:o="urn:schemas-microsoft-com:office:office" xmlns:am3d="http://schemas.microsoft.com/office/drawing/2017/model3d" xmlns:aink="http://schemas.microsoft.com/office/drawing/2016/ink" xmlns:mc="http://schemas.openxmlformats.org/markup-compatibility/2006" xmlns:cx8="http://schemas.microsoft.com/office/drawing/2016/5/14/chartex" xmlns:cx7="http://schemas.microsoft.com/office/drawing/2016/5/13/chartex" xmlns:cx6="http://schemas.microsoft.com/office/drawing/2016/5/12/chartex" xmlns:cx5="http://schemas.microsoft.com/office/drawing/2016/5/11/chartex" xmlns:cx4="http://schemas.microsoft.com/office/drawing/2016/5/10/chartex" xmlns:cx3="http://schemas.microsoft.com/office/drawing/2016/5/9/chartex" xmlns:cx2="http://schemas.microsoft.com/office/drawing/2015/10/21/chartex" xmlns:cx1="http://schemas.microsoft.com/office/drawing/2015/9/8/chartex" xmlns:cx="http://schemas.microsoft.com/office/drawing/2014/chartex" xmlns:wpc="http://schemas.microsoft.com/office/word/2010/wordprocessingCanvas" xmlns="" val="0"/>
+                <a14:useLocalDpi xmlns:a14="http://schemas.microsoft.com/office/drawing/2010/main" val="0"/>
               </a:ext>
             </a:extLst>
           </a:blip>
@@ -5377,8 +6595,8 @@
         </p:blipFill>
         <p:spPr bwMode="auto">
           <a:xfrm>
-            <a:off x="467544" y="2204864"/>
-            <a:ext cx="8352928" cy="4248472"/>
+            <a:off x="482600" y="1484784"/>
+            <a:ext cx="8553896" cy="5200764"/>
           </a:xfrm>
           <a:prstGeom prst="rect">
             <a:avLst/>
@@ -5390,36 +6608,11 @@
           </a:ln>
           <a:extLst>
             <a:ext uri="{53640926-AAD7-44D8-BBD7-CCE9431645EC}">
-              <a14:shadowObscured xmlns:lc="http://schemas.openxmlformats.org/drawingml/2006/lockedCanvas" xmlns:pic="http://schemas.openxmlformats.org/drawingml/2006/picture" xmlns:a14="http://schemas.microsoft.com/office/drawing/2010/main" xmlns:wps="http://schemas.microsoft.com/office/word/2010/wordprocessingShape" xmlns:wne="http://schemas.microsoft.com/office/word/2006/wordml" xmlns:wpi="http://schemas.microsoft.com/office/word/2010/wordprocessingInk" xmlns:wpg="http://schemas.microsoft.com/office/word/2010/wordprocessingGroup" xmlns:w16se="http://schemas.microsoft.com/office/word/2015/wordml/symex" xmlns:w16cid="http://schemas.microsoft.com/office/word/2016/wordml/cid" xmlns:w15="http://schemas.microsoft.com/office/word/2012/wordml" xmlns:w14="http://schemas.microsoft.com/office/word/2010/wordml" xmlns:w="http://schemas.openxmlformats.org/wordprocessingml/2006/main" xmlns:w10="urn:schemas-microsoft-com:office:word" xmlns:wp="http://schemas.openxmlformats.org/drawingml/2006/wordprocessingDrawing" xmlns:wp14="http://schemas.microsoft.com/office/word/2010/wordprocessingDrawing" xmlns:v="urn:schemas-microsoft-com:vml" xmlns:m="http://schemas.openxmlformats.org/officeDocument/2006/math" xmlns:o="urn:schemas-microsoft-com:office:office" xmlns:am3d="http://schemas.microsoft.com/office/drawing/2017/model3d" xmlns:aink="http://schemas.microsoft.com/office/drawing/2016/ink" xmlns:mc="http://schemas.openxmlformats.org/markup-compatibility/2006" xmlns:cx8="http://schemas.microsoft.com/office/drawing/2016/5/14/chartex" xmlns:cx7="http://schemas.microsoft.com/office/drawing/2016/5/13/chartex" xmlns:cx6="http://schemas.microsoft.com/office/drawing/2016/5/12/chartex" xmlns:cx5="http://schemas.microsoft.com/office/drawing/2016/5/11/chartex" xmlns:cx4="http://schemas.microsoft.com/office/drawing/2016/5/10/chartex" xmlns:cx3="http://schemas.microsoft.com/office/drawing/2016/5/9/chartex" xmlns:cx2="http://schemas.microsoft.com/office/drawing/2015/10/21/chartex" xmlns:cx1="http://schemas.microsoft.com/office/drawing/2015/9/8/chartex" xmlns:cx="http://schemas.microsoft.com/office/drawing/2014/chartex" xmlns:wpc="http://schemas.microsoft.com/office/word/2010/wordprocessingCanvas" xmlns=""/>
+              <a14:shadowObscured xmlns:a14="http://schemas.microsoft.com/office/drawing/2010/main"/>
             </a:ext>
           </a:extLst>
         </p:spPr>
       </p:pic>
-    </p:spTree>
-  </p:cSld>
-  <p:clrMapOvr>
-    <a:masterClrMapping/>
-  </p:clrMapOvr>
-</p:sld>
-</file>
-
-<file path=ppt/slides/slide6.xml><?xml version="1.0" encoding="utf-8"?>
-<p:sld xmlns:a="http://schemas.openxmlformats.org/drawingml/2006/main" xmlns:r="http://schemas.openxmlformats.org/officeDocument/2006/relationships" xmlns:p="http://schemas.openxmlformats.org/presentationml/2006/main">
-  <p:cSld>
-    <p:spTree>
-      <p:nvGrpSpPr>
-        <p:cNvPr id="1" name=""/>
-        <p:cNvGrpSpPr/>
-        <p:nvPr/>
-      </p:nvGrpSpPr>
-      <p:grpSpPr>
-        <a:xfrm>
-          <a:off x="0" y="0"/>
-          <a:ext cx="0" cy="0"/>
-          <a:chOff x="0" y="0"/>
-          <a:chExt cx="0" cy="0"/>
-        </a:xfrm>
-      </p:grpSpPr>
       <p:sp>
         <p:nvSpPr>
           <p:cNvPr id="2" name="Title 1"/>
@@ -5430,59 +6623,34 @@
             <p:ph type="title"/>
           </p:nvPr>
         </p:nvSpPr>
-        <p:spPr/>
-        <p:txBody>
-          <a:bodyPr/>
-          <a:lstStyle/>
-          <a:p>
-            <a:r>
-              <a:rPr lang="nl-BE" dirty="0" smtClean="0"/>
-              <a:t>HTML</a:t>
-            </a:r>
-            <a:endParaRPr lang="nl-BE" dirty="0"/>
-          </a:p>
-        </p:txBody>
-      </p:sp>
-      <p:sp>
-        <p:nvSpPr>
-          <p:cNvPr id="3" name="Content Placeholder 2"/>
-          <p:cNvSpPr>
-            <a:spLocks noGrp="1"/>
-          </p:cNvSpPr>
-          <p:nvPr>
-            <p:ph idx="1"/>
-          </p:nvPr>
-        </p:nvSpPr>
-        <p:spPr/>
-        <p:txBody>
-          <a:bodyPr/>
-          <a:lstStyle/>
-          <a:p>
-            <a:r>
-              <a:rPr lang="nl-BE" dirty="0" smtClean="0"/>
-              <a:t>HTML definieert ook grotere bouwstenen</a:t>
-            </a:r>
-          </a:p>
-          <a:p>
-            <a:r>
-              <a:rPr lang="nl-BE" dirty="0" smtClean="0"/>
-              <a:t>Elk HTML element kan attributen bevatten</a:t>
-            </a:r>
-          </a:p>
-          <a:p>
-            <a:r>
-              <a:rPr lang="nl-BE" dirty="0" smtClean="0"/>
-              <a:t>Soms verplicht</a:t>
-            </a:r>
-          </a:p>
-          <a:p>
-            <a:r>
-              <a:rPr lang="nl-BE" dirty="0" smtClean="0"/>
-              <a:t>Gebruikt om blokken te onderscheiden voor CSS</a:t>
-            </a:r>
-          </a:p>
-          <a:p>
-            <a:endParaRPr lang="nl-BE" dirty="0"/>
+        <p:spPr>
+          <a:xfrm>
+            <a:off x="417399" y="643467"/>
+            <a:ext cx="8408193" cy="744836"/>
+          </a:xfrm>
+        </p:spPr>
+        <p:txBody>
+          <a:bodyPr vert="horz" lIns="91440" tIns="45720" rIns="91440" bIns="45720" rtlCol="0" anchor="ctr">
+            <a:normAutofit/>
+          </a:bodyPr>
+          <a:lstStyle/>
+          <a:p>
+            <a:pPr>
+              <a:lnSpc>
+                <a:spcPct val="90000"/>
+              </a:lnSpc>
+            </a:pPr>
+            <a:r>
+              <a:rPr lang="en-US" sz="2800" kern="1200">
+                <a:solidFill>
+                  <a:schemeClr val="bg1"/>
+                </a:solidFill>
+                <a:latin typeface="+mj-lt"/>
+                <a:ea typeface="+mj-ea"/>
+                <a:cs typeface="+mj-cs"/>
+              </a:rPr>
+              <a:t>Pagina zonder CSS</a:t>
+            </a:r>
           </a:p>
         </p:txBody>
       </p:sp>
@@ -5527,10 +6695,179 @@
           <a:lstStyle/>
           <a:p>
             <a:r>
-              <a:rPr lang="nl-BE" dirty="0" smtClean="0"/>
-              <a:t>Simpele html pagina</a:t>
-            </a:r>
+              <a:rPr lang="nl-BE" dirty="0">
+                <a:solidFill>
+                  <a:srgbClr val="6A93C5"/>
+                </a:solidFill>
+              </a:rPr>
+              <a:t>HTML tags met attributen</a:t>
+            </a:r>
+          </a:p>
+        </p:txBody>
+      </p:sp>
+      <p:sp>
+        <p:nvSpPr>
+          <p:cNvPr id="3" name="Content Placeholder 2"/>
+          <p:cNvSpPr>
+            <a:spLocks noGrp="1"/>
+          </p:cNvSpPr>
+          <p:nvPr>
+            <p:ph idx="1"/>
+          </p:nvPr>
+        </p:nvSpPr>
+        <p:spPr/>
+        <p:txBody>
+          <a:bodyPr>
+            <a:normAutofit/>
+          </a:bodyPr>
+          <a:lstStyle/>
+          <a:p>
+            <a:r>
+              <a:rPr lang="nl-BE" dirty="0"/>
+              <a:t>HTML definieert ook grotere bouwstenen (</a:t>
+            </a:r>
+            <a:r>
+              <a:rPr lang="nl-BE" dirty="0" err="1"/>
+              <a:t>main</a:t>
+            </a:r>
+            <a:r>
+              <a:rPr lang="nl-BE" dirty="0"/>
+              <a:t>, </a:t>
+            </a:r>
+            <a:r>
+              <a:rPr lang="nl-BE" dirty="0" err="1"/>
+              <a:t>footer</a:t>
+            </a:r>
+            <a:r>
+              <a:rPr lang="nl-BE" dirty="0"/>
+              <a:t>, …)</a:t>
+            </a:r>
+          </a:p>
+          <a:p>
+            <a:r>
+              <a:rPr lang="nl-BE" dirty="0"/>
+              <a:t>HTML tags kunnen attributen bevatten</a:t>
+            </a:r>
+          </a:p>
+          <a:p>
+            <a:pPr lvl="1"/>
+            <a:r>
+              <a:rPr lang="nl-BE" dirty="0"/>
+              <a:t>Geven meer info over de tags (meta-info)</a:t>
+            </a:r>
+          </a:p>
+          <a:p>
+            <a:pPr lvl="1"/>
+            <a:r>
+              <a:rPr lang="nl-BE" dirty="0"/>
+              <a:t>Soms verplicht: referentie voor foto’s/links</a:t>
+            </a:r>
+          </a:p>
+          <a:p>
+            <a:pPr lvl="1"/>
+            <a:r>
+              <a:rPr lang="nl-BE" dirty="0"/>
+              <a:t>Gebruikt om blokken te onderscheiden voor CSS</a:t>
+            </a:r>
+          </a:p>
+          <a:p>
+            <a:r>
+              <a:rPr lang="nl-BE" dirty="0"/>
+              <a:t>#ID </a:t>
+            </a:r>
+            <a:r>
+              <a:rPr lang="nl-BE" dirty="0" err="1"/>
+              <a:t>vs</a:t>
+            </a:r>
+            <a:r>
+              <a:rPr lang="nl-BE" dirty="0"/>
+              <a:t> .class attribuut</a:t>
+            </a:r>
+          </a:p>
+          <a:p>
+            <a:pPr lvl="1"/>
+            <a:r>
+              <a:rPr lang="nl-BE" sz="2400" dirty="0"/>
+              <a:t>&lt;p </a:t>
+            </a:r>
+            <a:r>
+              <a:rPr lang="nl-BE" sz="2400" dirty="0" err="1"/>
+              <a:t>id</a:t>
+            </a:r>
+            <a:r>
+              <a:rPr lang="nl-BE" sz="2400" dirty="0"/>
+              <a:t>=“</a:t>
+            </a:r>
+            <a:r>
+              <a:rPr lang="nl-BE" sz="2400" dirty="0" err="1"/>
+              <a:t>firstParagraph</a:t>
+            </a:r>
+            <a:r>
+              <a:rPr lang="nl-BE" sz="2400" dirty="0"/>
+              <a:t>” class=“</a:t>
+            </a:r>
+            <a:r>
+              <a:rPr lang="nl-BE" sz="2400" dirty="0" err="1"/>
+              <a:t>evenParagraph</a:t>
+            </a:r>
+            <a:r>
+              <a:rPr lang="nl-BE" sz="2400" dirty="0"/>
+              <a:t>”&gt;&lt;/p&gt; </a:t>
+            </a:r>
+          </a:p>
+          <a:p>
             <a:endParaRPr lang="nl-BE" dirty="0"/>
+          </a:p>
+        </p:txBody>
+      </p:sp>
+    </p:spTree>
+  </p:cSld>
+  <p:clrMapOvr>
+    <a:masterClrMapping/>
+  </p:clrMapOvr>
+</p:sld>
+</file>
+
+<file path=ppt/slides/slide8.xml><?xml version="1.0" encoding="utf-8"?>
+<p:sld xmlns:a="http://schemas.openxmlformats.org/drawingml/2006/main" xmlns:r="http://schemas.openxmlformats.org/officeDocument/2006/relationships" xmlns:p="http://schemas.openxmlformats.org/presentationml/2006/main">
+  <p:cSld>
+    <p:spTree>
+      <p:nvGrpSpPr>
+        <p:cNvPr id="1" name=""/>
+        <p:cNvGrpSpPr/>
+        <p:nvPr/>
+      </p:nvGrpSpPr>
+      <p:grpSpPr>
+        <a:xfrm>
+          <a:off x="0" y="0"/>
+          <a:ext cx="0" cy="0"/>
+          <a:chOff x="0" y="0"/>
+          <a:chExt cx="0" cy="0"/>
+        </a:xfrm>
+      </p:grpSpPr>
+      <p:sp>
+        <p:nvSpPr>
+          <p:cNvPr id="2" name="Title 1"/>
+          <p:cNvSpPr>
+            <a:spLocks noGrp="1"/>
+          </p:cNvSpPr>
+          <p:nvPr>
+            <p:ph type="title"/>
+          </p:nvPr>
+        </p:nvSpPr>
+        <p:spPr/>
+        <p:txBody>
+          <a:bodyPr/>
+          <a:lstStyle/>
+          <a:p>
+            <a:r>
+              <a:rPr lang="nl-BE" dirty="0">
+                <a:solidFill>
+                  <a:srgbClr val="6A93C5"/>
+                </a:solidFill>
+              </a:rPr>
+              <a:t>HTML Boomstructuur</a:t>
+            </a:r>
           </a:p>
         </p:txBody>
       </p:sp>
@@ -5550,7 +6887,7 @@
           <a:blip r:embed="rId3" cstate="print">
             <a:extLst>
               <a:ext uri="{28A0092B-C50C-407E-A947-70E740481C1C}">
-                <a14:useLocalDpi xmlns="" xmlns:wpc="http://schemas.microsoft.com/office/word/2010/wordprocessingCanvas" xmlns:cx="http://schemas.microsoft.com/office/drawing/2014/chartex" xmlns:cx1="http://schemas.microsoft.com/office/drawing/2015/9/8/chartex" xmlns:cx2="http://schemas.microsoft.com/office/drawing/2015/10/21/chartex" xmlns:cx3="http://schemas.microsoft.com/office/drawing/2016/5/9/chartex" xmlns:cx4="http://schemas.microsoft.com/office/drawing/2016/5/10/chartex" xmlns:cx5="http://schemas.microsoft.com/office/drawing/2016/5/11/chartex" xmlns:cx6="http://schemas.microsoft.com/office/drawing/2016/5/12/chartex" xmlns:cx7="http://schemas.microsoft.com/office/drawing/2016/5/13/chartex" xmlns:cx8="http://schemas.microsoft.com/office/drawing/2016/5/14/chartex" xmlns:mc="http://schemas.openxmlformats.org/markup-compatibility/2006" xmlns:aink="http://schemas.microsoft.com/office/drawing/2016/ink" xmlns:am3d="http://schemas.microsoft.com/office/drawing/2017/model3d" xmlns:o="urn:schemas-microsoft-com:office:office" xmlns:m="http://schemas.openxmlformats.org/officeDocument/2006/math" xmlns:v="urn:schemas-microsoft-com:vml" xmlns:wp14="http://schemas.microsoft.com/office/word/2010/wordprocessingDrawing" xmlns:wp="http://schemas.openxmlformats.org/drawingml/2006/wordprocessingDrawing" xmlns:w10="urn:schemas-microsoft-com:office:word" xmlns:w="http://schemas.openxmlformats.org/wordprocessingml/2006/main" xmlns:w14="http://schemas.microsoft.com/office/word/2010/wordml" xmlns:w15="http://schemas.microsoft.com/office/word/2012/wordml" xmlns:w16cid="http://schemas.microsoft.com/office/word/2016/wordml/cid" xmlns:w16se="http://schemas.microsoft.com/office/word/2015/wordml/symex" xmlns:wpg="http://schemas.microsoft.com/office/word/2010/wordprocessingGroup" xmlns:wpi="http://schemas.microsoft.com/office/word/2010/wordprocessingInk" xmlns:wne="http://schemas.microsoft.com/office/word/2006/wordml" xmlns:wps="http://schemas.microsoft.com/office/word/2010/wordprocessingShape" xmlns:a14="http://schemas.microsoft.com/office/drawing/2010/main" xmlns:pic="http://schemas.openxmlformats.org/drawingml/2006/picture" xmlns:lc="http://schemas.openxmlformats.org/drawingml/2006/lockedCanvas" val="0"/>
+                <a14:useLocalDpi xmlns:a14="http://schemas.microsoft.com/office/drawing/2010/main" val="0"/>
               </a:ext>
             </a:extLst>
           </a:blip>
@@ -5583,9 +6920,17 @@
 </p:sld>
 </file>
 
-<file path=ppt/slides/slide8.xml><?xml version="1.0" encoding="utf-8"?>
+<file path=ppt/slides/slide9.xml><?xml version="1.0" encoding="utf-8"?>
 <p:sld xmlns:a="http://schemas.openxmlformats.org/drawingml/2006/main" xmlns:r="http://schemas.openxmlformats.org/officeDocument/2006/relationships" xmlns:p="http://schemas.openxmlformats.org/presentationml/2006/main">
   <p:cSld>
+    <p:bg>
+      <p:bgPr>
+        <a:solidFill>
+          <a:schemeClr val="bg1"/>
+        </a:solidFill>
+        <a:effectLst/>
+      </p:bgPr>
+    </p:bg>
     <p:spTree>
       <p:nvGrpSpPr>
         <p:cNvPr id="1" name=""/>
@@ -5602,6 +6947,161 @@
       </p:grpSpPr>
       <p:sp>
         <p:nvSpPr>
+          <p:cNvPr id="73" name="Rectangle 72">
+            <a:extLst>
+              <a:ext uri="{FF2B5EF4-FFF2-40B4-BE49-F238E27FC236}">
+                <a16:creationId xmlns:a16="http://schemas.microsoft.com/office/drawing/2014/main" id="{C5E6CFF1-2F42-4E10-9A97-F116F46F53FE}"/>
+              </a:ext>
+            </a:extLst>
+          </p:cNvPr>
+          <p:cNvSpPr>
+            <a:spLocks noGrp="1" noRot="1" noChangeAspect="1" noMove="1" noResize="1" noEditPoints="1" noAdjustHandles="1" noChangeArrowheads="1" noChangeShapeType="1" noTextEdit="1"/>
+          </p:cNvSpPr>
+          <p:nvPr>
+            <p:extLst>
+              <p:ext uri="{386F3935-93C4-4BCD-93E2-E3B085C9AB24}">
+                <p16:designElem xmlns:p16="http://schemas.microsoft.com/office/powerpoint/2015/main" val="1"/>
+              </p:ext>
+            </p:extLst>
+          </p:nvPr>
+        </p:nvSpPr>
+        <p:spPr>
+          <a:xfrm>
+            <a:off x="0" y="0"/>
+            <a:ext cx="9144000" cy="6858000"/>
+          </a:xfrm>
+          <a:prstGeom prst="rect">
+            <a:avLst/>
+          </a:prstGeom>
+          <a:solidFill>
+            <a:srgbClr val="000000"/>
+          </a:solidFill>
+          <a:ln>
+            <a:noFill/>
+          </a:ln>
+        </p:spPr>
+        <p:style>
+          <a:lnRef idx="2">
+            <a:schemeClr val="accent1">
+              <a:shade val="50000"/>
+            </a:schemeClr>
+          </a:lnRef>
+          <a:fillRef idx="1">
+            <a:schemeClr val="accent1"/>
+          </a:fillRef>
+          <a:effectRef idx="0">
+            <a:schemeClr val="accent1"/>
+          </a:effectRef>
+          <a:fontRef idx="minor">
+            <a:schemeClr val="lt1"/>
+          </a:fontRef>
+        </p:style>
+        <p:txBody>
+          <a:bodyPr rtlCol="0" anchor="ctr"/>
+          <a:lstStyle/>
+          <a:p>
+            <a:pPr algn="ctr"/>
+            <a:endParaRPr lang="en-US"/>
+          </a:p>
+        </p:txBody>
+      </p:sp>
+      <p:pic>
+        <p:nvPicPr>
+          <p:cNvPr id="3076" name="Picture 4" descr="Image result for css">
+            <a:extLst>
+              <a:ext uri="{FF2B5EF4-FFF2-40B4-BE49-F238E27FC236}">
+                <a16:creationId xmlns:a16="http://schemas.microsoft.com/office/drawing/2014/main" id="{8E59804E-C0BD-4212-B4E2-F59A872A4C78}"/>
+              </a:ext>
+            </a:extLst>
+          </p:cNvPr>
+          <p:cNvPicPr>
+            <a:picLocks noChangeAspect="1" noChangeArrowheads="1"/>
+          </p:cNvPicPr>
+          <p:nvPr/>
+        </p:nvPicPr>
+        <p:blipFill rotWithShape="1">
+          <a:blip r:embed="rId2">
+            <a:alphaModFix amt="35000"/>
+            <a:extLst>
+              <a:ext uri="{28A0092B-C50C-407E-A947-70E740481C1C}">
+                <a14:useLocalDpi xmlns:a14="http://schemas.microsoft.com/office/drawing/2010/main" val="0"/>
+              </a:ext>
+            </a:extLst>
+          </a:blip>
+          <a:srcRect l="25000"/>
+          <a:stretch/>
+        </p:blipFill>
+        <p:spPr bwMode="auto">
+          <a:xfrm>
+            <a:off x="20" y="1"/>
+            <a:ext cx="9143980" cy="6857999"/>
+          </a:xfrm>
+          <a:prstGeom prst="rect">
+            <a:avLst/>
+          </a:prstGeom>
+          <a:noFill/>
+          <a:extLst>
+            <a:ext uri="{909E8E84-426E-40DD-AFC4-6F175D3DCCD1}">
+              <a14:hiddenFill xmlns:a14="http://schemas.microsoft.com/office/drawing/2010/main">
+                <a:solidFill>
+                  <a:srgbClr val="FFFFFF"/>
+                </a:solidFill>
+              </a14:hiddenFill>
+            </a:ext>
+          </a:extLst>
+        </p:spPr>
+      </p:pic>
+      <p:cxnSp>
+        <p:nvCxnSpPr>
+          <p:cNvPr id="75" name="Straight Connector 74">
+            <a:extLst>
+              <a:ext uri="{FF2B5EF4-FFF2-40B4-BE49-F238E27FC236}">
+                <a16:creationId xmlns:a16="http://schemas.microsoft.com/office/drawing/2014/main" id="{67182200-4859-4C8D-BCBB-55B245C28BA3}"/>
+              </a:ext>
+            </a:extLst>
+          </p:cNvPr>
+          <p:cNvCxnSpPr>
+            <a:cxnSpLocks noGrp="1" noRot="1" noChangeAspect="1" noMove="1" noResize="1" noEditPoints="1" noAdjustHandles="1" noChangeArrowheads="1" noChangeShapeType="1"/>
+          </p:cNvCxnSpPr>
+          <p:nvPr>
+            <p:extLst>
+              <p:ext uri="{386F3935-93C4-4BCD-93E2-E3B085C9AB24}">
+                <p16:designElem xmlns:p16="http://schemas.microsoft.com/office/powerpoint/2015/main" val="1"/>
+              </p:ext>
+            </p:extLst>
+          </p:nvPr>
+        </p:nvCxnSpPr>
+        <p:spPr>
+          <a:xfrm>
+            <a:off x="3490029" y="2286000"/>
+            <a:ext cx="0" cy="2286000"/>
+          </a:xfrm>
+          <a:prstGeom prst="line">
+            <a:avLst/>
+          </a:prstGeom>
+          <a:ln w="15875">
+            <a:solidFill>
+              <a:srgbClr val="FFFFFF"/>
+            </a:solidFill>
+          </a:ln>
+        </p:spPr>
+        <p:style>
+          <a:lnRef idx="1">
+            <a:schemeClr val="accent1"/>
+          </a:lnRef>
+          <a:fillRef idx="0">
+            <a:schemeClr val="accent1"/>
+          </a:fillRef>
+          <a:effectRef idx="0">
+            <a:schemeClr val="accent1"/>
+          </a:effectRef>
+          <a:fontRef idx="minor">
+            <a:schemeClr val="tx1"/>
+          </a:fontRef>
+        </p:style>
+      </p:cxnSp>
+      <p:sp>
+        <p:nvSpPr>
           <p:cNvPr id="2" name="Title 1"/>
           <p:cNvSpPr>
             <a:spLocks noGrp="1"/>
@@ -5610,16 +7110,27 @@
             <p:ph type="title"/>
           </p:nvPr>
         </p:nvSpPr>
-        <p:spPr/>
-        <p:txBody>
-          <a:bodyPr/>
-          <a:lstStyle/>
-          <a:p>
-            <a:r>
-              <a:rPr lang="nl-BE" dirty="0" smtClean="0"/>
+        <p:spPr>
+          <a:xfrm>
+            <a:off x="628650" y="1065862"/>
+            <a:ext cx="2484873" cy="4726276"/>
+          </a:xfrm>
+        </p:spPr>
+        <p:txBody>
+          <a:bodyPr>
+            <a:normAutofit/>
+          </a:bodyPr>
+          <a:lstStyle/>
+          <a:p>
+            <a:pPr algn="r"/>
+            <a:r>
+              <a:rPr lang="nl-BE" sz="9600" dirty="0">
+                <a:solidFill>
+                  <a:srgbClr val="FFFFFF"/>
+                </a:solidFill>
+              </a:rPr>
               <a:t>CSS</a:t>
             </a:r>
-            <a:endParaRPr lang="nl-BE" dirty="0"/>
           </a:p>
         </p:txBody>
       </p:sp>
@@ -5633,156 +7144,82 @@
             <p:ph idx="1"/>
           </p:nvPr>
         </p:nvSpPr>
-        <p:spPr/>
-        <p:txBody>
-          <a:bodyPr/>
-          <a:lstStyle/>
-          <a:p>
-            <a:r>
-              <a:rPr lang="nl-BE" dirty="0" smtClean="0"/>
-              <a:t>Cascading Style Sheet</a:t>
-            </a:r>
-          </a:p>
-          <a:p>
-            <a:r>
-              <a:rPr lang="nl-BE" dirty="0" smtClean="0"/>
-              <a:t>Definieert </a:t>
-            </a:r>
-            <a:r>
-              <a:rPr lang="nl-BE" dirty="0" smtClean="0"/>
-              <a:t>opmaak</a:t>
-            </a:r>
-          </a:p>
-          <a:p>
-            <a:r>
-              <a:rPr lang="nl-BE" dirty="0" smtClean="0"/>
-              <a:t>Normaal in apart bestand, maar kan ook in HTML tags</a:t>
-            </a:r>
-          </a:p>
-          <a:p>
-            <a:endParaRPr lang="nl-BE" dirty="0" smtClean="0"/>
-          </a:p>
-          <a:p>
-            <a:endParaRPr lang="nl-BE" dirty="0" smtClean="0"/>
-          </a:p>
-          <a:p>
-            <a:endParaRPr lang="nl-BE" dirty="0"/>
+        <p:spPr>
+          <a:xfrm>
+            <a:off x="3866534" y="1065862"/>
+            <a:ext cx="4308514" cy="4726276"/>
+          </a:xfrm>
+        </p:spPr>
+        <p:txBody>
+          <a:bodyPr anchor="ctr">
+            <a:normAutofit/>
+          </a:bodyPr>
+          <a:lstStyle/>
+          <a:p>
+            <a:r>
+              <a:rPr lang="nl-BE" dirty="0" err="1">
+                <a:solidFill>
+                  <a:srgbClr val="FFFFFF"/>
+                </a:solidFill>
+              </a:rPr>
+              <a:t>Cascading</a:t>
+            </a:r>
+            <a:r>
+              <a:rPr lang="nl-BE" dirty="0">
+                <a:solidFill>
+                  <a:srgbClr val="FFFFFF"/>
+                </a:solidFill>
+              </a:rPr>
+              <a:t> Style Sheet</a:t>
+            </a:r>
+          </a:p>
+          <a:p>
+            <a:r>
+              <a:rPr lang="nl-BE" dirty="0">
+                <a:solidFill>
+                  <a:srgbClr val="FFFFFF"/>
+                </a:solidFill>
+              </a:rPr>
+              <a:t>Definieert opmaak</a:t>
+            </a:r>
+          </a:p>
+          <a:p>
+            <a:r>
+              <a:rPr lang="nl-BE" dirty="0">
+                <a:solidFill>
+                  <a:srgbClr val="FFFFFF"/>
+                </a:solidFill>
+              </a:rPr>
+              <a:t>Normaal in apart bestand, maar kan ook rechtstreeks in HTML tags</a:t>
+            </a:r>
+          </a:p>
+          <a:p>
+            <a:endParaRPr lang="nl-BE" sz="1700" dirty="0">
+              <a:solidFill>
+                <a:srgbClr val="FFFFFF"/>
+              </a:solidFill>
+            </a:endParaRPr>
+          </a:p>
+          <a:p>
+            <a:endParaRPr lang="nl-BE" sz="1700" dirty="0">
+              <a:solidFill>
+                <a:srgbClr val="FFFFFF"/>
+              </a:solidFill>
+            </a:endParaRPr>
+          </a:p>
+          <a:p>
+            <a:endParaRPr lang="nl-BE" sz="1700" dirty="0">
+              <a:solidFill>
+                <a:srgbClr val="FFFFFF"/>
+              </a:solidFill>
+            </a:endParaRPr>
           </a:p>
         </p:txBody>
       </p:sp>
     </p:spTree>
   </p:cSld>
   <p:clrMapOvr>
-    <a:masterClrMapping/>
-  </p:clrMapOvr>
-</p:sld>
-</file>
-
-<file path=ppt/slides/slide9.xml><?xml version="1.0" encoding="utf-8"?>
-<p:sld xmlns:a="http://schemas.openxmlformats.org/drawingml/2006/main" xmlns:r="http://schemas.openxmlformats.org/officeDocument/2006/relationships" xmlns:p="http://schemas.openxmlformats.org/presentationml/2006/main">
-  <p:cSld>
-    <p:spTree>
-      <p:nvGrpSpPr>
-        <p:cNvPr id="1" name=""/>
-        <p:cNvGrpSpPr/>
-        <p:nvPr/>
-      </p:nvGrpSpPr>
-      <p:grpSpPr>
-        <a:xfrm>
-          <a:off x="0" y="0"/>
-          <a:ext cx="0" cy="0"/>
-          <a:chOff x="0" y="0"/>
-          <a:chExt cx="0" cy="0"/>
-        </a:xfrm>
-      </p:grpSpPr>
-      <p:sp>
-        <p:nvSpPr>
-          <p:cNvPr id="2" name="Title 1"/>
-          <p:cNvSpPr>
-            <a:spLocks noGrp="1"/>
-          </p:cNvSpPr>
-          <p:nvPr>
-            <p:ph type="title"/>
-          </p:nvPr>
-        </p:nvSpPr>
-        <p:spPr/>
-        <p:txBody>
-          <a:bodyPr/>
-          <a:lstStyle/>
-          <a:p>
-            <a:r>
-              <a:rPr lang="nl-BE" dirty="0" smtClean="0"/>
-              <a:t>CSS</a:t>
-            </a:r>
-            <a:endParaRPr lang="nl-BE" dirty="0"/>
-          </a:p>
-        </p:txBody>
-      </p:sp>
-      <p:sp>
-        <p:nvSpPr>
-          <p:cNvPr id="3" name="Content Placeholder 2"/>
-          <p:cNvSpPr>
-            <a:spLocks noGrp="1"/>
-          </p:cNvSpPr>
-          <p:nvPr>
-            <p:ph idx="1"/>
-          </p:nvPr>
-        </p:nvSpPr>
-        <p:spPr/>
-        <p:txBody>
-          <a:bodyPr/>
-          <a:lstStyle/>
-          <a:p>
-            <a:r>
-              <a:rPr lang="nl-BE" dirty="0" smtClean="0"/>
-              <a:t>Via selectoren, html tags, #id en .class attributen, of een combinatie</a:t>
-            </a:r>
-          </a:p>
-          <a:p>
-            <a:r>
-              <a:rPr lang="nl-BE" sz="2400" dirty="0" smtClean="0"/>
-              <a:t>Selector { </a:t>
-            </a:r>
-          </a:p>
-          <a:p>
-            <a:pPr>
-              <a:buNone/>
-            </a:pPr>
-            <a:r>
-              <a:rPr lang="nl-BE" sz="2400" dirty="0" smtClean="0"/>
-              <a:t>	Property</a:t>
-            </a:r>
-            <a:r>
-              <a:rPr lang="nl-BE" sz="2400" dirty="0" smtClean="0"/>
-              <a:t>: value;</a:t>
-            </a:r>
-            <a:br>
-              <a:rPr lang="nl-BE" sz="2400" dirty="0" smtClean="0"/>
-            </a:br>
-            <a:r>
-              <a:rPr lang="nl-BE" sz="2400" dirty="0" smtClean="0"/>
-              <a:t>Property2: value2;</a:t>
-            </a:r>
-          </a:p>
-          <a:p>
-            <a:pPr>
-              <a:buNone/>
-            </a:pPr>
-            <a:r>
-              <a:rPr lang="nl-BE" sz="2400" dirty="0" smtClean="0"/>
-              <a:t>	}</a:t>
-            </a:r>
-            <a:endParaRPr lang="nl-BE" sz="2400" dirty="0" smtClean="0"/>
-          </a:p>
-          <a:p>
-            <a:endParaRPr lang="nl-BE" dirty="0"/>
-          </a:p>
-        </p:txBody>
-      </p:sp>
-    </p:spTree>
-  </p:cSld>
-  <p:clrMapOvr>
-    <a:masterClrMapping/>
+    <a:overrideClrMapping bg1="dk1" tx1="lt1" bg2="dk2" tx2="lt2" accent1="accent1" accent2="accent2" accent3="accent3" accent4="accent4" accent5="accent5" accent6="accent6" hlink="hlink" folHlink="folHlink"/>
   </p:clrMapOvr>
 </p:sld>
 </file>

--- a/Workshop werkdocumenten/Intro HTML en CSS.pptx
+++ b/Workshop werkdocumenten/Intro HTML en CSS.pptx
@@ -4605,7 +4605,15 @@
           <a:p>
             <a:r>
               <a:rPr lang="nl-BE" dirty="0"/>
-              <a:t>Navigeer Opdracht 2 &gt; stuctuur.html </a:t>
+              <a:t>Navigeer Opdracht 2 </a:t>
+            </a:r>
+            <a:r>
+              <a:rPr lang="nl-BE"/>
+              <a:t>&gt; structuur</a:t>
+            </a:r>
+            <a:r>
+              <a:rPr lang="nl-BE" dirty="0"/>
+              <a:t>.html </a:t>
             </a:r>
           </a:p>
           <a:p>
